--- a/인공 지능과 기계 학습.pptx
+++ b/인공 지능과 기계 학습.pptx
@@ -18,18 +18,18 @@
     <p:sldId id="259" r:id="rId9"/>
     <p:sldId id="262" r:id="rId10"/>
     <p:sldId id="261" r:id="rId11"/>
-    <p:sldId id="257" r:id="rId12"/>
+    <p:sldId id="340" r:id="rId12"/>
     <p:sldId id="266" r:id="rId13"/>
     <p:sldId id="269" r:id="rId14"/>
-    <p:sldId id="270" r:id="rId15"/>
-    <p:sldId id="333" r:id="rId16"/>
-    <p:sldId id="273" r:id="rId17"/>
+    <p:sldId id="333" r:id="rId15"/>
+    <p:sldId id="273" r:id="rId16"/>
+    <p:sldId id="276" r:id="rId17"/>
     <p:sldId id="274" r:id="rId18"/>
     <p:sldId id="275" r:id="rId19"/>
-    <p:sldId id="276" r:id="rId20"/>
-    <p:sldId id="280" r:id="rId21"/>
-    <p:sldId id="271" r:id="rId22"/>
-    <p:sldId id="272" r:id="rId23"/>
+    <p:sldId id="280" r:id="rId20"/>
+    <p:sldId id="271" r:id="rId21"/>
+    <p:sldId id="272" r:id="rId22"/>
+    <p:sldId id="341" r:id="rId23"/>
     <p:sldId id="284" r:id="rId24"/>
     <p:sldId id="334" r:id="rId25"/>
     <p:sldId id="286" r:id="rId26"/>
@@ -5113,87 +5113,10 @@
       </p:grpSpPr>
       <p:sp>
         <p:nvSpPr>
-          <p:cNvPr id="3" name="내용 개체 틀 2">
-            <a:extLst>
-              <a:ext uri="{FF2B5EF4-FFF2-40B4-BE49-F238E27FC236}">
-                <a16:creationId xmlns:a16="http://schemas.microsoft.com/office/drawing/2014/main" id="{E5CD4FD9-CB24-4906-881F-D873C0F0B0DC}"/>
-              </a:ext>
-            </a:extLst>
-          </p:cNvPr>
-          <p:cNvSpPr>
-            <a:spLocks noGrp="1"/>
-          </p:cNvSpPr>
-          <p:nvPr>
-            <p:ph idx="1"/>
-          </p:nvPr>
-        </p:nvSpPr>
-        <p:spPr>
-          <a:xfrm>
-            <a:off x="838200" y="1852002"/>
-            <a:ext cx="10515600" cy="4351338"/>
-          </a:xfrm>
-        </p:spPr>
-        <p:txBody>
-          <a:bodyPr/>
-          <a:lstStyle/>
-          <a:p>
-            <a:endParaRPr lang="ko-KR" altLang="en-US" dirty="0"/>
-          </a:p>
-        </p:txBody>
-      </p:sp>
-      <p:pic>
-        <p:nvPicPr>
-          <p:cNvPr id="1032" name="Picture 8" descr="http://img.hani.co.kr/imgdb/resize/2016/0809/00503285_20160809.JPG">
-            <a:extLst>
-              <a:ext uri="{FF2B5EF4-FFF2-40B4-BE49-F238E27FC236}">
-                <a16:creationId xmlns:a16="http://schemas.microsoft.com/office/drawing/2014/main" id="{9409EA43-C567-49C4-8972-1A9ED1FA1D3E}"/>
-              </a:ext>
-            </a:extLst>
-          </p:cNvPr>
-          <p:cNvPicPr>
-            <a:picLocks noChangeAspect="1" noChangeArrowheads="1"/>
-          </p:cNvPicPr>
-          <p:nvPr/>
-        </p:nvPicPr>
-        <p:blipFill>
-          <a:blip r:embed="rId2">
-            <a:extLst>
-              <a:ext uri="{28A0092B-C50C-407E-A947-70E740481C1C}">
-                <a14:useLocalDpi xmlns:a14="http://schemas.microsoft.com/office/drawing/2010/main" val="0"/>
-              </a:ext>
-            </a:extLst>
-          </a:blip>
-          <a:srcRect/>
-          <a:stretch>
-            <a:fillRect/>
-          </a:stretch>
-        </p:blipFill>
-        <p:spPr bwMode="auto">
-          <a:xfrm>
-            <a:off x="3772625" y="2109848"/>
-            <a:ext cx="3467100" cy="3571875"/>
-          </a:xfrm>
-          <a:prstGeom prst="rect">
-            <a:avLst/>
-          </a:prstGeom>
-          <a:noFill/>
-          <a:extLst>
-            <a:ext uri="{909E8E84-426E-40DD-AFC4-6F175D3DCCD1}">
-              <a14:hiddenFill xmlns:a14="http://schemas.microsoft.com/office/drawing/2010/main">
-                <a:solidFill>
-                  <a:srgbClr val="FFFFFF"/>
-                </a:solidFill>
-              </a14:hiddenFill>
-            </a:ext>
-          </a:extLst>
-        </p:spPr>
-      </p:pic>
-      <p:sp>
-        <p:nvSpPr>
           <p:cNvPr id="2" name="제목 1">
             <a:extLst>
               <a:ext uri="{FF2B5EF4-FFF2-40B4-BE49-F238E27FC236}">
-                <a16:creationId xmlns:a16="http://schemas.microsoft.com/office/drawing/2014/main" id="{03FAC617-E4B3-4DB1-AA4D-B594C2DB5BA0}"/>
+                <a16:creationId xmlns:a16="http://schemas.microsoft.com/office/drawing/2014/main" id="{33950EC3-E2C4-4FB3-B737-EE247ED1D0C3}"/>
               </a:ext>
             </a:extLst>
           </p:cNvPr>
@@ -5211,11 +5134,11 @@
           <a:p>
             <a:r>
               <a:rPr lang="ko-KR" altLang="en-US" dirty="0"/>
-              <a:t>신경망</a:t>
+              <a:t>인공 신경망</a:t>
             </a:r>
             <a:r>
               <a:rPr lang="en-US" altLang="ko-KR" dirty="0"/>
-              <a:t>(neural network)</a:t>
+              <a:t>(artificial neural network)</a:t>
             </a:r>
             <a:endParaRPr lang="ko-KR" altLang="en-US" dirty="0"/>
           </a:p>
@@ -5223,53 +5146,74 @@
       </p:sp>
       <p:sp>
         <p:nvSpPr>
-          <p:cNvPr id="7" name="TextBox 6">
+          <p:cNvPr id="3" name="내용 개체 틀 2">
             <a:extLst>
               <a:ext uri="{FF2B5EF4-FFF2-40B4-BE49-F238E27FC236}">
-                <a16:creationId xmlns:a16="http://schemas.microsoft.com/office/drawing/2014/main" id="{70E53913-37FC-42B5-B219-493C5E78B5AB}"/>
+                <a16:creationId xmlns:a16="http://schemas.microsoft.com/office/drawing/2014/main" id="{6154826B-3881-4090-B9F7-20AFE65C3CF2}"/>
               </a:ext>
             </a:extLst>
           </p:cNvPr>
-          <p:cNvSpPr txBox="1"/>
-          <p:nvPr/>
+          <p:cNvSpPr>
+            <a:spLocks noGrp="1"/>
+          </p:cNvSpPr>
+          <p:nvPr>
+            <p:ph idx="1"/>
+          </p:nvPr>
         </p:nvSpPr>
-        <p:spPr>
-          <a:xfrm>
-            <a:off x="4770236" y="5834008"/>
-            <a:ext cx="1471878" cy="369332"/>
-          </a:xfrm>
-          <a:prstGeom prst="rect">
-            <a:avLst/>
-          </a:prstGeom>
-          <a:noFill/>
-        </p:spPr>
+        <p:spPr/>
         <p:txBody>
-          <a:bodyPr wrap="none" rtlCol="0">
-            <a:spAutoFit/>
-          </a:bodyPr>
+          <a:bodyPr/>
           <a:lstStyle/>
           <a:p>
             <a:r>
               <a:rPr lang="ko-KR" altLang="en-US" dirty="0"/>
-              <a:t>출처</a:t>
+              <a:t>신경망을</a:t>
             </a:r>
             <a:r>
               <a:rPr lang="en-US" altLang="ko-KR" dirty="0"/>
-              <a:t>: </a:t>
+              <a:t> </a:t>
             </a:r>
             <a:r>
               <a:rPr lang="ko-KR" altLang="en-US" dirty="0"/>
-              <a:t>한겨레</a:t>
+              <a:t>구성하여 학습</a:t>
             </a:r>
           </a:p>
         </p:txBody>
       </p:sp>
       <p:sp>
         <p:nvSpPr>
-          <p:cNvPr id="4" name="슬라이드 번호 개체 틀 3">
+          <p:cNvPr id="4" name="바닥글 개체 틀 3">
             <a:extLst>
               <a:ext uri="{FF2B5EF4-FFF2-40B4-BE49-F238E27FC236}">
-                <a16:creationId xmlns:a16="http://schemas.microsoft.com/office/drawing/2014/main" id="{07F99AE9-B19C-43F4-BFF0-98726CF9B9D7}"/>
+                <a16:creationId xmlns:a16="http://schemas.microsoft.com/office/drawing/2014/main" id="{849EDE45-F197-4801-9639-FB97AF456D6C}"/>
+              </a:ext>
+            </a:extLst>
+          </p:cNvPr>
+          <p:cNvSpPr>
+            <a:spLocks noGrp="1"/>
+          </p:cNvSpPr>
+          <p:nvPr>
+            <p:ph type="ftr" sz="quarter" idx="11"/>
+          </p:nvPr>
+        </p:nvSpPr>
+        <p:spPr/>
+        <p:txBody>
+          <a:bodyPr/>
+          <a:lstStyle/>
+          <a:p>
+            <a:r>
+              <a:rPr lang="ko-KR" altLang="en-US"/>
+              <a:t>인공 지능과 기계 학습</a:t>
+            </a:r>
+          </a:p>
+        </p:txBody>
+      </p:sp>
+      <p:sp>
+        <p:nvSpPr>
+          <p:cNvPr id="5" name="슬라이드 번호 개체 틀 4">
+            <a:extLst>
+              <a:ext uri="{FF2B5EF4-FFF2-40B4-BE49-F238E27FC236}">
+                <a16:creationId xmlns:a16="http://schemas.microsoft.com/office/drawing/2014/main" id="{359E4C38-B386-453E-90C4-835844B814CC}"/>
               </a:ext>
             </a:extLst>
           </p:cNvPr>
@@ -5293,38 +5237,87 @@
           </a:p>
         </p:txBody>
       </p:sp>
-      <p:sp>
-        <p:nvSpPr>
-          <p:cNvPr id="12" name="바닥글 개체 틀 11">
+      <p:pic>
+        <p:nvPicPr>
+          <p:cNvPr id="6" name="그림 5">
             <a:extLst>
               <a:ext uri="{FF2B5EF4-FFF2-40B4-BE49-F238E27FC236}">
-                <a16:creationId xmlns:a16="http://schemas.microsoft.com/office/drawing/2014/main" id="{AF476A2B-AF44-46C9-88BC-3621BA5BC28E}"/>
+                <a16:creationId xmlns:a16="http://schemas.microsoft.com/office/drawing/2014/main" id="{AB201CD3-CF54-42FA-8443-02B8F7FC05AE}"/>
               </a:ext>
             </a:extLst>
           </p:cNvPr>
-          <p:cNvSpPr>
-            <a:spLocks noGrp="1"/>
-          </p:cNvSpPr>
-          <p:nvPr>
-            <p:ph type="ftr" sz="quarter" idx="11"/>
-          </p:nvPr>
-        </p:nvSpPr>
-        <p:spPr/>
-        <p:txBody>
-          <a:bodyPr/>
-          <a:lstStyle/>
-          <a:p>
-            <a:r>
-              <a:rPr lang="ko-KR" altLang="en-US"/>
-              <a:t>인공 지능과 기계 학습</a:t>
-            </a:r>
-          </a:p>
-        </p:txBody>
-      </p:sp>
+          <p:cNvPicPr>
+            <a:picLocks noChangeAspect="1"/>
+          </p:cNvPicPr>
+          <p:nvPr/>
+        </p:nvPicPr>
+        <p:blipFill>
+          <a:blip r:embed="rId2"/>
+          <a:stretch>
+            <a:fillRect/>
+          </a:stretch>
+        </p:blipFill>
+        <p:spPr>
+          <a:xfrm>
+            <a:off x="5776912" y="1870075"/>
+            <a:ext cx="5667375" cy="4162425"/>
+          </a:xfrm>
+          <a:prstGeom prst="rect">
+            <a:avLst/>
+          </a:prstGeom>
+        </p:spPr>
+      </p:pic>
+      <p:pic>
+        <p:nvPicPr>
+          <p:cNvPr id="7" name="Picture 8" descr="http://img.hani.co.kr/imgdb/resize/2016/0809/00503285_20160809.JPG">
+            <a:extLst>
+              <a:ext uri="{FF2B5EF4-FFF2-40B4-BE49-F238E27FC236}">
+                <a16:creationId xmlns:a16="http://schemas.microsoft.com/office/drawing/2014/main" id="{669CA338-3326-4EAE-860B-159CD9DE3AB4}"/>
+              </a:ext>
+            </a:extLst>
+          </p:cNvPr>
+          <p:cNvPicPr>
+            <a:picLocks noChangeAspect="1" noChangeArrowheads="1"/>
+          </p:cNvPicPr>
+          <p:nvPr/>
+        </p:nvPicPr>
+        <p:blipFill>
+          <a:blip r:embed="rId3">
+            <a:extLst>
+              <a:ext uri="{28A0092B-C50C-407E-A947-70E740481C1C}">
+                <a14:useLocalDpi xmlns:a14="http://schemas.microsoft.com/office/drawing/2010/main" val="0"/>
+              </a:ext>
+            </a:extLst>
+          </a:blip>
+          <a:srcRect/>
+          <a:stretch>
+            <a:fillRect/>
+          </a:stretch>
+        </p:blipFill>
+        <p:spPr bwMode="auto">
+          <a:xfrm>
+            <a:off x="1029425" y="2694781"/>
+            <a:ext cx="3467100" cy="3571875"/>
+          </a:xfrm>
+          <a:prstGeom prst="rect">
+            <a:avLst/>
+          </a:prstGeom>
+          <a:noFill/>
+          <a:extLst>
+            <a:ext uri="{909E8E84-426E-40DD-AFC4-6F175D3DCCD1}">
+              <a14:hiddenFill xmlns:a14="http://schemas.microsoft.com/office/drawing/2010/main">
+                <a:solidFill>
+                  <a:srgbClr val="FFFFFF"/>
+                </a:solidFill>
+              </a14:hiddenFill>
+            </a:ext>
+          </a:extLst>
+        </p:spPr>
+      </p:pic>
     </p:spTree>
     <p:extLst>
       <p:ext uri="{BB962C8B-B14F-4D97-AF65-F5344CB8AC3E}">
-        <p14:creationId xmlns:p14="http://schemas.microsoft.com/office/powerpoint/2010/main" val="2369453145"/>
+        <p14:creationId xmlns:p14="http://schemas.microsoft.com/office/powerpoint/2010/main" val="1571446820"/>
       </p:ext>
     </p:extLst>
   </p:cSld>
@@ -5351,6 +5344,36 @@
           <a:chExt cx="0" cy="0"/>
         </a:xfrm>
       </p:grpSpPr>
+      <p:pic>
+        <p:nvPicPr>
+          <p:cNvPr id="8" name="그림 7">
+            <a:extLst>
+              <a:ext uri="{FF2B5EF4-FFF2-40B4-BE49-F238E27FC236}">
+                <a16:creationId xmlns:a16="http://schemas.microsoft.com/office/drawing/2014/main" id="{CF640B03-8B42-4A27-8982-B1E5127BC73C}"/>
+              </a:ext>
+            </a:extLst>
+          </p:cNvPr>
+          <p:cNvPicPr>
+            <a:picLocks noChangeAspect="1"/>
+          </p:cNvPicPr>
+          <p:nvPr/>
+        </p:nvPicPr>
+        <p:blipFill>
+          <a:blip r:embed="rId2"/>
+          <a:stretch>
+            <a:fillRect/>
+          </a:stretch>
+        </p:blipFill>
+        <p:spPr>
+          <a:xfrm>
+            <a:off x="691681" y="2820578"/>
+            <a:ext cx="3402624" cy="3303887"/>
+          </a:xfrm>
+          <a:prstGeom prst="rect">
+            <a:avLst/>
+          </a:prstGeom>
+        </p:spPr>
+      </p:pic>
       <p:sp>
         <p:nvSpPr>
           <p:cNvPr id="2" name="제목 1">
@@ -5374,18 +5397,21 @@
           <a:p>
             <a:r>
               <a:rPr lang="ko-KR" altLang="en-US" dirty="0"/>
-              <a:t>최소 </a:t>
-            </a:r>
-            <a:r>
-              <a:rPr lang="ko-KR" altLang="en-US" dirty="0" err="1"/>
-              <a:t>제곱법</a:t>
-            </a:r>
-            <a:endParaRPr lang="ko-KR" altLang="en-US" dirty="0"/>
+              <a:t>최소 제곱법의</a:t>
+            </a:r>
+            <a:r>
+              <a:rPr lang="en-US" altLang="ko-KR" dirty="0"/>
+              <a:t> </a:t>
+            </a:r>
+            <a:r>
+              <a:rPr lang="ko-KR" altLang="en-US" dirty="0"/>
+              <a:t>인공 신경망 표현</a:t>
+            </a:r>
           </a:p>
         </p:txBody>
       </p:sp>
-      <mc:AlternateContent xmlns:mc="http://schemas.openxmlformats.org/markup-compatibility/2006" xmlns:a14="http://schemas.microsoft.com/office/drawing/2010/main">
-        <mc:Choice Requires="a14">
+      <mc:AlternateContent xmlns:mc="http://schemas.openxmlformats.org/markup-compatibility/2006">
+        <mc:Choice xmlns:a14="http://schemas.microsoft.com/office/drawing/2010/main" Requires="a14">
           <p:graphicFrame>
             <p:nvGraphicFramePr>
               <p:cNvPr id="4" name="표 3">
@@ -5401,13 +5427,13 @@
               <p:nvPr>
                 <p:extLst>
                   <p:ext uri="{D42A27DB-BD31-4B8C-83A1-F6EECF244321}">
-                    <p14:modId xmlns:p14="http://schemas.microsoft.com/office/powerpoint/2010/main" val="138015896"/>
+                    <p14:modId xmlns:p14="http://schemas.microsoft.com/office/powerpoint/2010/main" val="3733248080"/>
                   </p:ext>
                 </p:extLst>
               </p:nvPr>
             </p:nvGraphicFramePr>
             <p:xfrm>
-              <a:off x="3382849" y="1705704"/>
+              <a:off x="2904434" y="1690688"/>
               <a:ext cx="6615545" cy="1828800"/>
             </p:xfrm>
             <a:graphic>
@@ -6565,7 +6591,7 @@
             </a:graphic>
           </p:graphicFrame>
         </mc:Choice>
-        <mc:Fallback xmlns="">
+        <mc:Fallback>
           <p:graphicFrame>
             <p:nvGraphicFramePr>
               <p:cNvPr id="4" name="표 3">
@@ -6581,13 +6607,13 @@
               <p:nvPr>
                 <p:extLst>
                   <p:ext uri="{D42A27DB-BD31-4B8C-83A1-F6EECF244321}">
-                    <p14:modId xmlns:p14="http://schemas.microsoft.com/office/powerpoint/2010/main" val="138015896"/>
+                    <p14:modId xmlns:p14="http://schemas.microsoft.com/office/powerpoint/2010/main" val="3733248080"/>
                   </p:ext>
                 </p:extLst>
               </p:nvPr>
             </p:nvGraphicFramePr>
             <p:xfrm>
-              <a:off x="3382849" y="1705704"/>
+              <a:off x="2904434" y="1690688"/>
               <a:ext cx="6615545" cy="1828800"/>
             </p:xfrm>
             <a:graphic>
@@ -6653,9 +6679,9 @@
                           <a:tailEnd type="none" w="med" len="med"/>
                         </a:lnR>
                         <a:blipFill>
-                          <a:blip r:embed="rId2"/>
+                          <a:blip r:embed="rId3"/>
                           <a:stretch>
-                            <a:fillRect l="-331" t="-8333" r="-260596" b="-428333"/>
+                            <a:fillRect l="-331" t="-8333" r="-260265" b="-426667"/>
                           </a:stretch>
                         </a:blipFill>
                       </a:tcPr>
@@ -6679,9 +6705,9 @@
                           <a:tailEnd type="none" w="med" len="med"/>
                         </a:lnL>
                         <a:blipFill>
-                          <a:blip r:embed="rId2"/>
+                          <a:blip r:embed="rId3"/>
                           <a:stretch>
-                            <a:fillRect l="-153807" t="-8333" r="-299492" b="-428333"/>
+                            <a:fillRect l="-154592" t="-8333" r="-301020" b="-426667"/>
                           </a:stretch>
                         </a:blipFill>
                       </a:tcPr>
@@ -6696,9 +6722,9 @@
                       </a:txBody>
                       <a:tcPr>
                         <a:blipFill>
-                          <a:blip r:embed="rId2"/>
+                          <a:blip r:embed="rId3"/>
                           <a:stretch>
-                            <a:fillRect l="-255102" t="-8333" r="-201020" b="-428333"/>
+                            <a:fillRect l="-254592" t="-8333" r="-201020" b="-426667"/>
                           </a:stretch>
                         </a:blipFill>
                       </a:tcPr>
@@ -6713,9 +6739,9 @@
                       </a:txBody>
                       <a:tcPr>
                         <a:blipFill>
-                          <a:blip r:embed="rId2"/>
+                          <a:blip r:embed="rId3"/>
                           <a:stretch>
-                            <a:fillRect l="-355102" t="-8333" r="-101020" b="-428333"/>
+                            <a:fillRect l="-354592" t="-8333" r="-101020" b="-426667"/>
                           </a:stretch>
                         </a:blipFill>
                       </a:tcPr>
@@ -6730,9 +6756,9 @@
                       </a:txBody>
                       <a:tcPr>
                         <a:blipFill>
-                          <a:blip r:embed="rId2"/>
+                          <a:blip r:embed="rId3"/>
                           <a:stretch>
-                            <a:fillRect l="-455102" t="-8333" r="-1020" b="-428333"/>
+                            <a:fillRect l="-454592" t="-8333" r="-1020" b="-426667"/>
                           </a:stretch>
                         </a:blipFill>
                       </a:tcPr>
@@ -6763,9 +6789,9 @@
                           <a:tailEnd type="none" w="med" len="med"/>
                         </a:lnR>
                         <a:blipFill>
-                          <a:blip r:embed="rId2"/>
+                          <a:blip r:embed="rId3"/>
                           <a:stretch>
-                            <a:fillRect l="-331" t="-108333" r="-260596" b="-328333"/>
+                            <a:fillRect l="-331" t="-108333" r="-260265" b="-326667"/>
                           </a:stretch>
                         </a:blipFill>
                       </a:tcPr>
@@ -6789,9 +6815,9 @@
                           <a:tailEnd type="none" w="med" len="med"/>
                         </a:lnL>
                         <a:blipFill>
-                          <a:blip r:embed="rId2"/>
+                          <a:blip r:embed="rId3"/>
                           <a:stretch>
-                            <a:fillRect l="-153807" t="-108333" r="-299492" b="-328333"/>
+                            <a:fillRect l="-154592" t="-108333" r="-301020" b="-326667"/>
                           </a:stretch>
                         </a:blipFill>
                       </a:tcPr>
@@ -6806,9 +6832,9 @@
                       </a:txBody>
                       <a:tcPr>
                         <a:blipFill>
-                          <a:blip r:embed="rId2"/>
+                          <a:blip r:embed="rId3"/>
                           <a:stretch>
-                            <a:fillRect l="-255102" t="-108333" r="-201020" b="-328333"/>
+                            <a:fillRect l="-254592" t="-108333" r="-201020" b="-326667"/>
                           </a:stretch>
                         </a:blipFill>
                       </a:tcPr>
@@ -6823,9 +6849,9 @@
                       </a:txBody>
                       <a:tcPr>
                         <a:blipFill>
-                          <a:blip r:embed="rId2"/>
+                          <a:blip r:embed="rId3"/>
                           <a:stretch>
-                            <a:fillRect l="-355102" t="-108333" r="-101020" b="-328333"/>
+                            <a:fillRect l="-354592" t="-108333" r="-101020" b="-326667"/>
                           </a:stretch>
                         </a:blipFill>
                       </a:tcPr>
@@ -6840,9 +6866,9 @@
                       </a:txBody>
                       <a:tcPr>
                         <a:blipFill>
-                          <a:blip r:embed="rId2"/>
+                          <a:blip r:embed="rId3"/>
                           <a:stretch>
-                            <a:fillRect l="-455102" t="-108333" r="-1020" b="-328333"/>
+                            <a:fillRect l="-454592" t="-108333" r="-1020" b="-326667"/>
                           </a:stretch>
                         </a:blipFill>
                       </a:tcPr>
@@ -6882,9 +6908,9 @@
                           <a:tailEnd type="none" w="med" len="med"/>
                         </a:lnB>
                         <a:blipFill>
-                          <a:blip r:embed="rId2"/>
+                          <a:blip r:embed="rId3"/>
                           <a:stretch>
-                            <a:fillRect l="-331" t="-204918" r="-260596" b="-222951"/>
+                            <a:fillRect l="-331" t="-204918" r="-260265" b="-221311"/>
                           </a:stretch>
                         </a:blipFill>
                       </a:tcPr>
@@ -6917,9 +6943,9 @@
                           <a:tailEnd type="none" w="med" len="med"/>
                         </a:lnB>
                         <a:blipFill>
-                          <a:blip r:embed="rId2"/>
+                          <a:blip r:embed="rId3"/>
                           <a:stretch>
-                            <a:fillRect l="-153807" t="-204918" r="-299492" b="-222951"/>
+                            <a:fillRect l="-154592" t="-204918" r="-301020" b="-221311"/>
                           </a:stretch>
                         </a:blipFill>
                       </a:tcPr>
@@ -6943,9 +6969,9 @@
                           <a:tailEnd type="none" w="med" len="med"/>
                         </a:lnB>
                         <a:blipFill>
-                          <a:blip r:embed="rId2"/>
+                          <a:blip r:embed="rId3"/>
                           <a:stretch>
-                            <a:fillRect l="-255102" t="-204918" r="-201020" b="-222951"/>
+                            <a:fillRect l="-254592" t="-204918" r="-201020" b="-221311"/>
                           </a:stretch>
                         </a:blipFill>
                       </a:tcPr>
@@ -6969,9 +6995,9 @@
                           <a:tailEnd type="none" w="med" len="med"/>
                         </a:lnB>
                         <a:blipFill>
-                          <a:blip r:embed="rId2"/>
+                          <a:blip r:embed="rId3"/>
                           <a:stretch>
-                            <a:fillRect l="-355102" t="-204918" r="-101020" b="-222951"/>
+                            <a:fillRect l="-354592" t="-204918" r="-101020" b="-221311"/>
                           </a:stretch>
                         </a:blipFill>
                       </a:tcPr>
@@ -6995,9 +7021,9 @@
                           <a:tailEnd type="none" w="med" len="med"/>
                         </a:lnB>
                         <a:blipFill>
-                          <a:blip r:embed="rId2"/>
+                          <a:blip r:embed="rId3"/>
                           <a:stretch>
-                            <a:fillRect l="-455102" t="-204918" r="-1020" b="-222951"/>
+                            <a:fillRect l="-454592" t="-204918" r="-1020" b="-221311"/>
                           </a:stretch>
                         </a:blipFill>
                       </a:tcPr>
@@ -7037,9 +7063,9 @@
                           <a:tailEnd type="none" w="med" len="med"/>
                         </a:lnT>
                         <a:blipFill>
-                          <a:blip r:embed="rId2"/>
+                          <a:blip r:embed="rId3"/>
                           <a:stretch>
-                            <a:fillRect l="-331" t="-310000" r="-260596" b="-126667"/>
+                            <a:fillRect l="-331" t="-310000" r="-260265" b="-125000"/>
                           </a:stretch>
                         </a:blipFill>
                       </a:tcPr>
@@ -7072,9 +7098,9 @@
                           <a:tailEnd type="none" w="med" len="med"/>
                         </a:lnT>
                         <a:blipFill>
-                          <a:blip r:embed="rId2"/>
+                          <a:blip r:embed="rId3"/>
                           <a:stretch>
-                            <a:fillRect l="-153807" t="-310000" r="-299492" b="-126667"/>
+                            <a:fillRect l="-154592" t="-310000" r="-301020" b="-125000"/>
                           </a:stretch>
                         </a:blipFill>
                       </a:tcPr>
@@ -7098,9 +7124,9 @@
                           <a:tailEnd type="none" w="med" len="med"/>
                         </a:lnT>
                         <a:blipFill>
-                          <a:blip r:embed="rId2"/>
+                          <a:blip r:embed="rId3"/>
                           <a:stretch>
-                            <a:fillRect l="-255102" t="-310000" r="-201020" b="-126667"/>
+                            <a:fillRect l="-254592" t="-310000" r="-201020" b="-125000"/>
                           </a:stretch>
                         </a:blipFill>
                       </a:tcPr>
@@ -7124,9 +7150,9 @@
                           <a:tailEnd type="none" w="med" len="med"/>
                         </a:lnT>
                         <a:blipFill>
-                          <a:blip r:embed="rId2"/>
+                          <a:blip r:embed="rId3"/>
                           <a:stretch>
-                            <a:fillRect l="-355102" t="-310000" r="-101020" b="-126667"/>
+                            <a:fillRect l="-354592" t="-310000" r="-101020" b="-125000"/>
                           </a:stretch>
                         </a:blipFill>
                       </a:tcPr>
@@ -7150,9 +7176,9 @@
                           <a:tailEnd type="none" w="med" len="med"/>
                         </a:lnT>
                         <a:blipFill>
-                          <a:blip r:embed="rId2"/>
+                          <a:blip r:embed="rId3"/>
                           <a:stretch>
-                            <a:fillRect l="-455102" t="-310000" r="-1020" b="-126667"/>
+                            <a:fillRect l="-454592" t="-310000" r="-1020" b="-125000"/>
                           </a:stretch>
                         </a:blipFill>
                       </a:tcPr>
@@ -7183,9 +7209,9 @@
                           <a:tailEnd type="none" w="med" len="med"/>
                         </a:lnR>
                         <a:blipFill>
-                          <a:blip r:embed="rId2"/>
+                          <a:blip r:embed="rId3"/>
                           <a:stretch>
-                            <a:fillRect l="-331" t="-410000" r="-260596" b="-26667"/>
+                            <a:fillRect l="-331" t="-410000" r="-260265" b="-25000"/>
                           </a:stretch>
                         </a:blipFill>
                       </a:tcPr>
@@ -7209,9 +7235,9 @@
                           <a:tailEnd type="none" w="med" len="med"/>
                         </a:lnL>
                         <a:blipFill>
-                          <a:blip r:embed="rId2"/>
+                          <a:blip r:embed="rId3"/>
                           <a:stretch>
-                            <a:fillRect l="-153807" t="-410000" r="-299492" b="-26667"/>
+                            <a:fillRect l="-154592" t="-410000" r="-301020" b="-25000"/>
                           </a:stretch>
                         </a:blipFill>
                       </a:tcPr>
@@ -7226,9 +7252,9 @@
                       </a:txBody>
                       <a:tcPr>
                         <a:blipFill>
-                          <a:blip r:embed="rId2"/>
+                          <a:blip r:embed="rId3"/>
                           <a:stretch>
-                            <a:fillRect l="-255102" t="-410000" r="-201020" b="-26667"/>
+                            <a:fillRect l="-254592" t="-410000" r="-201020" b="-25000"/>
                           </a:stretch>
                         </a:blipFill>
                       </a:tcPr>
@@ -7243,9 +7269,9 @@
                       </a:txBody>
                       <a:tcPr>
                         <a:blipFill>
-                          <a:blip r:embed="rId2"/>
+                          <a:blip r:embed="rId3"/>
                           <a:stretch>
-                            <a:fillRect l="-355102" t="-410000" r="-101020" b="-26667"/>
+                            <a:fillRect l="-354592" t="-410000" r="-101020" b="-25000"/>
                           </a:stretch>
                         </a:blipFill>
                       </a:tcPr>
@@ -7260,9 +7286,9 @@
                       </a:txBody>
                       <a:tcPr>
                         <a:blipFill>
-                          <a:blip r:embed="rId2"/>
+                          <a:blip r:embed="rId3"/>
                           <a:stretch>
-                            <a:fillRect l="-455102" t="-410000" r="-1020" b="-26667"/>
+                            <a:fillRect l="-454592" t="-410000" r="-1020" b="-25000"/>
                           </a:stretch>
                         </a:blipFill>
                       </a:tcPr>
@@ -7279,8 +7305,8 @@
           </p:graphicFrame>
         </mc:Fallback>
       </mc:AlternateContent>
-      <mc:AlternateContent xmlns:mc="http://schemas.openxmlformats.org/markup-compatibility/2006" xmlns:a14="http://schemas.microsoft.com/office/drawing/2010/main">
-        <mc:Choice Requires="a14">
+      <mc:AlternateContent xmlns:mc="http://schemas.openxmlformats.org/markup-compatibility/2006">
+        <mc:Choice xmlns:a14="http://schemas.microsoft.com/office/drawing/2010/main" Requires="a14">
           <p:sp>
             <p:nvSpPr>
               <p:cNvPr id="25" name="TextBox 24">
@@ -7295,8 +7321,8 @@
             </p:nvSpPr>
             <p:spPr>
               <a:xfrm>
-                <a:off x="5735781" y="4102762"/>
-                <a:ext cx="5098474" cy="1895455"/>
+                <a:off x="6494850" y="4202022"/>
+                <a:ext cx="4738788" cy="1286058"/>
               </a:xfrm>
               <a:prstGeom prst="rect">
                 <a:avLst/>
@@ -7330,6 +7356,26 @@
                     <a:spcPct val="110000"/>
                   </a:lnSpc>
                 </a:pPr>
+                <a14:m>
+                  <m:oMath xmlns:m="http://schemas.openxmlformats.org/officeDocument/2006/math">
+                    <m:r>
+                      <a:rPr lang="en-US" altLang="ko-KR" b="0" i="1" smtClean="0">
+                        <a:latin typeface="Cambria Math" panose="02040503050406030204" pitchFamily="18" charset="0"/>
+                      </a:rPr>
+                      <m:t>𝑏</m:t>
+                    </m:r>
+                    <m:r>
+                      <a:rPr lang="en-US" altLang="ko-KR" b="0" i="1" smtClean="0">
+                        <a:latin typeface="Cambria Math" panose="02040503050406030204" pitchFamily="18" charset="0"/>
+                      </a:rPr>
+                      <m:t>=0</m:t>
+                    </m:r>
+                  </m:oMath>
+                </a14:m>
+                <a:r>
+                  <a:rPr lang="en-US" altLang="ko-KR" b="0" dirty="0"/>
+                  <a:t>, </a:t>
+                </a:r>
                 <a14:m>
                   <m:oMath xmlns:m="http://schemas.openxmlformats.org/officeDocument/2006/math">
                     <m:sSub>
@@ -7613,133 +7659,10 @@
                 </a14:m>
                 <a:endParaRPr lang="en-US" altLang="ko-KR" dirty="0"/>
               </a:p>
-              <a:p>
-                <a:pPr>
-                  <a:lnSpc>
-                    <a:spcPct val="110000"/>
-                  </a:lnSpc>
-                </a:pPr>
-                <a:endParaRPr lang="en-US" altLang="ko-KR" dirty="0"/>
-              </a:p>
-              <a:p>
-                <a:pPr>
-                  <a:lnSpc>
-                    <a:spcPct val="110000"/>
-                  </a:lnSpc>
-                </a:pPr>
-                <a:r>
-                  <a:rPr lang="ko-KR" altLang="en-US" dirty="0"/>
-                  <a:t>오차의 제곱의 합을 최소로 하는 </a:t>
-                </a:r>
-                <a14:m>
-                  <m:oMath xmlns:m="http://schemas.openxmlformats.org/officeDocument/2006/math">
-                    <m:sSub>
-                      <m:sSubPr>
-                        <m:ctrlPr>
-                          <a:rPr lang="en-US" altLang="ko-KR" b="0" i="1" smtClean="0">
-                            <a:latin typeface="Cambria Math" panose="02040503050406030204" pitchFamily="18" charset="0"/>
-                          </a:rPr>
-                        </m:ctrlPr>
-                      </m:sSubPr>
-                      <m:e>
-                        <m:r>
-                          <a:rPr lang="en-US" altLang="ko-KR" b="0" i="1" smtClean="0">
-                            <a:latin typeface="Cambria Math" panose="02040503050406030204" pitchFamily="18" charset="0"/>
-                          </a:rPr>
-                          <m:t>𝑤</m:t>
-                        </m:r>
-                      </m:e>
-                      <m:sub>
-                        <m:r>
-                          <a:rPr lang="en-US" altLang="ko-KR" b="0" i="1" smtClean="0">
-                            <a:latin typeface="Cambria Math" panose="02040503050406030204" pitchFamily="18" charset="0"/>
-                          </a:rPr>
-                          <m:t>1</m:t>
-                        </m:r>
-                      </m:sub>
-                    </m:sSub>
-                  </m:oMath>
-                </a14:m>
-                <a:r>
-                  <a:rPr lang="en-US" altLang="ko-KR" dirty="0"/>
-                  <a:t>, </a:t>
-                </a:r>
-                <a14:m>
-                  <m:oMath xmlns:m="http://schemas.openxmlformats.org/officeDocument/2006/math">
-                    <m:sSub>
-                      <m:sSubPr>
-                        <m:ctrlPr>
-                          <a:rPr lang="en-US" altLang="ko-KR" b="0" i="1" smtClean="0">
-                            <a:latin typeface="Cambria Math" panose="02040503050406030204" pitchFamily="18" charset="0"/>
-                          </a:rPr>
-                        </m:ctrlPr>
-                      </m:sSubPr>
-                      <m:e>
-                        <m:r>
-                          <a:rPr lang="en-US" altLang="ko-KR" b="0" i="1" smtClean="0">
-                            <a:latin typeface="Cambria Math" panose="02040503050406030204" pitchFamily="18" charset="0"/>
-                          </a:rPr>
-                          <m:t>𝑤</m:t>
-                        </m:r>
-                      </m:e>
-                      <m:sub>
-                        <m:r>
-                          <a:rPr lang="en-US" altLang="ko-KR" b="0" i="1" smtClean="0">
-                            <a:latin typeface="Cambria Math" panose="02040503050406030204" pitchFamily="18" charset="0"/>
-                          </a:rPr>
-                          <m:t>2</m:t>
-                        </m:r>
-                      </m:sub>
-                    </m:sSub>
-                  </m:oMath>
-                </a14:m>
-                <a:r>
-                  <a:rPr lang="en-US" altLang="ko-KR" dirty="0"/>
-                  <a:t>, </a:t>
-                </a:r>
-                <a14:m>
-                  <m:oMath xmlns:m="http://schemas.openxmlformats.org/officeDocument/2006/math">
-                    <m:sSub>
-                      <m:sSubPr>
-                        <m:ctrlPr>
-                          <a:rPr lang="en-US" altLang="ko-KR" b="0" i="1" smtClean="0">
-                            <a:latin typeface="Cambria Math" panose="02040503050406030204" pitchFamily="18" charset="0"/>
-                          </a:rPr>
-                        </m:ctrlPr>
-                      </m:sSubPr>
-                      <m:e>
-                        <m:r>
-                          <a:rPr lang="en-US" altLang="ko-KR" b="0" i="1" smtClean="0">
-                            <a:latin typeface="Cambria Math" panose="02040503050406030204" pitchFamily="18" charset="0"/>
-                          </a:rPr>
-                          <m:t>𝑤</m:t>
-                        </m:r>
-                      </m:e>
-                      <m:sub>
-                        <m:r>
-                          <a:rPr lang="en-US" altLang="ko-KR" b="0" i="1" smtClean="0">
-                            <a:latin typeface="Cambria Math" panose="02040503050406030204" pitchFamily="18" charset="0"/>
-                          </a:rPr>
-                          <m:t>3</m:t>
-                        </m:r>
-                      </m:sub>
-                    </m:sSub>
-                  </m:oMath>
-                </a14:m>
-                <a:r>
-                  <a:rPr lang="ko-KR" altLang="en-US" dirty="0"/>
-                  <a:t>는</a:t>
-                </a:r>
-                <a:r>
-                  <a:rPr lang="en-US" altLang="ko-KR" dirty="0"/>
-                  <a:t>?</a:t>
-                </a:r>
-                <a:endParaRPr lang="ko-KR" altLang="en-US" dirty="0"/>
-              </a:p>
             </p:txBody>
           </p:sp>
         </mc:Choice>
-        <mc:Fallback xmlns="">
+        <mc:Fallback>
           <p:sp>
             <p:nvSpPr>
               <p:cNvPr id="25" name="TextBox 24">
@@ -7756,16 +7679,16 @@
             </p:nvSpPr>
             <p:spPr>
               <a:xfrm>
-                <a:off x="5735781" y="4102762"/>
-                <a:ext cx="5098474" cy="1895455"/>
+                <a:off x="6494850" y="4202022"/>
+                <a:ext cx="4738788" cy="1286058"/>
               </a:xfrm>
               <a:prstGeom prst="rect">
                 <a:avLst/>
               </a:prstGeom>
               <a:blipFill>
-                <a:blip r:embed="rId3"/>
+                <a:blip r:embed="rId4"/>
                 <a:stretch>
-                  <a:fillRect l="-1077" t="-1608" b="-4180"/>
+                  <a:fillRect l="-1028" t="-2370" r="-643" b="-6635"/>
                 </a:stretch>
               </a:blipFill>
             </p:spPr>
@@ -7784,36 +7707,6 @@
           </p:sp>
         </mc:Fallback>
       </mc:AlternateContent>
-      <p:pic>
-        <p:nvPicPr>
-          <p:cNvPr id="3" name="그림 2">
-            <a:extLst>
-              <a:ext uri="{FF2B5EF4-FFF2-40B4-BE49-F238E27FC236}">
-                <a16:creationId xmlns:a16="http://schemas.microsoft.com/office/drawing/2014/main" id="{88BAE161-F6D5-4BE5-836F-2CE6D854F6B1}"/>
-              </a:ext>
-            </a:extLst>
-          </p:cNvPr>
-          <p:cNvPicPr>
-            <a:picLocks noChangeAspect="1"/>
-          </p:cNvPicPr>
-          <p:nvPr/>
-        </p:nvPicPr>
-        <p:blipFill>
-          <a:blip r:embed="rId4"/>
-          <a:stretch>
-            <a:fillRect/>
-          </a:stretch>
-        </p:blipFill>
-        <p:spPr>
-          <a:xfrm>
-            <a:off x="2094058" y="3550948"/>
-            <a:ext cx="3107055" cy="3113723"/>
-          </a:xfrm>
-          <a:prstGeom prst="rect">
-            <a:avLst/>
-          </a:prstGeom>
-        </p:spPr>
-      </p:pic>
       <p:sp>
         <p:nvSpPr>
           <p:cNvPr id="5" name="슬라이드 번호 개체 틀 4">
@@ -7871,6 +7764,211 @@
           </a:p>
         </p:txBody>
       </p:sp>
+      <mc:AlternateContent xmlns:mc="http://schemas.openxmlformats.org/markup-compatibility/2006">
+        <mc:Choice xmlns:a14="http://schemas.microsoft.com/office/drawing/2010/main" Requires="a14">
+          <p:sp>
+            <p:nvSpPr>
+              <p:cNvPr id="7" name="TextBox 6">
+                <a:extLst>
+                  <a:ext uri="{FF2B5EF4-FFF2-40B4-BE49-F238E27FC236}">
+                    <a16:creationId xmlns:a16="http://schemas.microsoft.com/office/drawing/2014/main" id="{9867FCB7-E681-4537-BD76-46A6765815CD}"/>
+                  </a:ext>
+                </a:extLst>
+              </p:cNvPr>
+              <p:cNvSpPr txBox="1"/>
+              <p:nvPr/>
+            </p:nvSpPr>
+            <p:spPr>
+              <a:xfrm>
+                <a:off x="2737176" y="5067019"/>
+                <a:ext cx="2913103" cy="646331"/>
+              </a:xfrm>
+              <a:prstGeom prst="rect">
+                <a:avLst/>
+              </a:prstGeom>
+              <a:noFill/>
+            </p:spPr>
+            <p:txBody>
+              <a:bodyPr wrap="square" rtlCol="0">
+                <a:spAutoFit/>
+              </a:bodyPr>
+              <a:lstStyle/>
+              <a:p>
+                <a:r>
+                  <a:rPr lang="ko-KR" altLang="en-US" dirty="0"/>
+                  <a:t>오차의 제곱의 합을 최소로 하는 </a:t>
+                </a:r>
+                <a14:m>
+                  <m:oMath xmlns:m="http://schemas.openxmlformats.org/officeDocument/2006/math">
+                    <m:r>
+                      <a:rPr lang="en-US" altLang="ko-KR" b="0" i="1" smtClean="0">
+                        <a:latin typeface="Cambria Math" panose="02040503050406030204" pitchFamily="18" charset="0"/>
+                      </a:rPr>
+                      <m:t>𝑏</m:t>
+                    </m:r>
+                  </m:oMath>
+                </a14:m>
+                <a:r>
+                  <a:rPr lang="en-US" altLang="ko-KR" dirty="0"/>
+                  <a:t>,</a:t>
+                </a:r>
+                <a:r>
+                  <a:rPr lang="ko-KR" altLang="en-US" dirty="0"/>
+                  <a:t> </a:t>
+                </a:r>
+                <a14:m>
+                  <m:oMath xmlns:m="http://schemas.openxmlformats.org/officeDocument/2006/math">
+                    <m:sSub>
+                      <m:sSubPr>
+                        <m:ctrlPr>
+                          <a:rPr lang="en-US" altLang="ko-KR" i="1">
+                            <a:latin typeface="Cambria Math" panose="02040503050406030204" pitchFamily="18" charset="0"/>
+                          </a:rPr>
+                        </m:ctrlPr>
+                      </m:sSubPr>
+                      <m:e>
+                        <m:r>
+                          <a:rPr lang="en-US" altLang="ko-KR" i="1">
+                            <a:latin typeface="Cambria Math" panose="02040503050406030204" pitchFamily="18" charset="0"/>
+                          </a:rPr>
+                          <m:t>𝑤</m:t>
+                        </m:r>
+                      </m:e>
+                      <m:sub>
+                        <m:r>
+                          <a:rPr lang="en-US" altLang="ko-KR" i="1">
+                            <a:latin typeface="Cambria Math" panose="02040503050406030204" pitchFamily="18" charset="0"/>
+                          </a:rPr>
+                          <m:t>1</m:t>
+                        </m:r>
+                      </m:sub>
+                    </m:sSub>
+                  </m:oMath>
+                </a14:m>
+                <a:r>
+                  <a:rPr lang="en-US" altLang="ko-KR" dirty="0"/>
+                  <a:t>, </a:t>
+                </a:r>
+                <a14:m>
+                  <m:oMath xmlns:m="http://schemas.openxmlformats.org/officeDocument/2006/math">
+                    <m:sSub>
+                      <m:sSubPr>
+                        <m:ctrlPr>
+                          <a:rPr lang="en-US" altLang="ko-KR" i="1">
+                            <a:latin typeface="Cambria Math" panose="02040503050406030204" pitchFamily="18" charset="0"/>
+                          </a:rPr>
+                        </m:ctrlPr>
+                      </m:sSubPr>
+                      <m:e>
+                        <m:r>
+                          <a:rPr lang="en-US" altLang="ko-KR" i="1">
+                            <a:latin typeface="Cambria Math" panose="02040503050406030204" pitchFamily="18" charset="0"/>
+                          </a:rPr>
+                          <m:t>𝑤</m:t>
+                        </m:r>
+                      </m:e>
+                      <m:sub>
+                        <m:r>
+                          <a:rPr lang="en-US" altLang="ko-KR" i="1">
+                            <a:latin typeface="Cambria Math" panose="02040503050406030204" pitchFamily="18" charset="0"/>
+                          </a:rPr>
+                          <m:t>2</m:t>
+                        </m:r>
+                      </m:sub>
+                    </m:sSub>
+                  </m:oMath>
+                </a14:m>
+                <a:r>
+                  <a:rPr lang="en-US" altLang="ko-KR" dirty="0"/>
+                  <a:t>, </a:t>
+                </a:r>
+                <a14:m>
+                  <m:oMath xmlns:m="http://schemas.openxmlformats.org/officeDocument/2006/math">
+                    <m:sSub>
+                      <m:sSubPr>
+                        <m:ctrlPr>
+                          <a:rPr lang="en-US" altLang="ko-KR" i="1">
+                            <a:latin typeface="Cambria Math" panose="02040503050406030204" pitchFamily="18" charset="0"/>
+                          </a:rPr>
+                        </m:ctrlPr>
+                      </m:sSubPr>
+                      <m:e>
+                        <m:r>
+                          <a:rPr lang="en-US" altLang="ko-KR" i="1">
+                            <a:latin typeface="Cambria Math" panose="02040503050406030204" pitchFamily="18" charset="0"/>
+                          </a:rPr>
+                          <m:t>𝑤</m:t>
+                        </m:r>
+                      </m:e>
+                      <m:sub>
+                        <m:r>
+                          <a:rPr lang="en-US" altLang="ko-KR" i="1">
+                            <a:latin typeface="Cambria Math" panose="02040503050406030204" pitchFamily="18" charset="0"/>
+                          </a:rPr>
+                          <m:t>3</m:t>
+                        </m:r>
+                      </m:sub>
+                    </m:sSub>
+                  </m:oMath>
+                </a14:m>
+                <a:r>
+                  <a:rPr lang="ko-KR" altLang="en-US" dirty="0"/>
+                  <a:t>는</a:t>
+                </a:r>
+                <a:r>
+                  <a:rPr lang="en-US" altLang="ko-KR" dirty="0"/>
+                  <a:t>?</a:t>
+                </a:r>
+                <a:endParaRPr lang="ko-KR" altLang="en-US" dirty="0"/>
+              </a:p>
+            </p:txBody>
+          </p:sp>
+        </mc:Choice>
+        <mc:Fallback>
+          <p:sp>
+            <p:nvSpPr>
+              <p:cNvPr id="7" name="TextBox 6">
+                <a:extLst>
+                  <a:ext uri="{FF2B5EF4-FFF2-40B4-BE49-F238E27FC236}">
+                    <a16:creationId xmlns:a16="http://schemas.microsoft.com/office/drawing/2014/main" id="{9867FCB7-E681-4537-BD76-46A6765815CD}"/>
+                  </a:ext>
+                </a:extLst>
+              </p:cNvPr>
+              <p:cNvSpPr txBox="1">
+                <a:spLocks noRot="1" noChangeAspect="1" noMove="1" noResize="1" noEditPoints="1" noAdjustHandles="1" noChangeArrowheads="1" noChangeShapeType="1" noTextEdit="1"/>
+              </p:cNvSpPr>
+              <p:nvPr/>
+            </p:nvSpPr>
+            <p:spPr>
+              <a:xfrm>
+                <a:off x="2737176" y="5067019"/>
+                <a:ext cx="2913103" cy="646331"/>
+              </a:xfrm>
+              <a:prstGeom prst="rect">
+                <a:avLst/>
+              </a:prstGeom>
+              <a:blipFill>
+                <a:blip r:embed="rId5"/>
+                <a:stretch>
+                  <a:fillRect l="-1674" t="-4717" b="-14151"/>
+                </a:stretch>
+              </a:blipFill>
+            </p:spPr>
+            <p:txBody>
+              <a:bodyPr/>
+              <a:lstStyle/>
+              <a:p>
+                <a:r>
+                  <a:rPr lang="ko-KR" altLang="en-US">
+                    <a:noFill/>
+                  </a:rPr>
+                  <a:t> </a:t>
+                </a:r>
+              </a:p>
+            </p:txBody>
+          </p:sp>
+        </mc:Fallback>
+      </mc:AlternateContent>
     </p:spTree>
     <p:extLst>
       <p:ext uri="{BB962C8B-B14F-4D97-AF65-F5344CB8AC3E}">
@@ -7901,8 +7999,8 @@
           <a:chExt cx="0" cy="0"/>
         </a:xfrm>
       </p:grpSpPr>
-      <mc:AlternateContent xmlns:mc="http://schemas.openxmlformats.org/markup-compatibility/2006" xmlns:a14="http://schemas.microsoft.com/office/drawing/2010/main">
-        <mc:Choice Requires="a14">
+      <mc:AlternateContent xmlns:mc="http://schemas.openxmlformats.org/markup-compatibility/2006">
+        <mc:Choice xmlns:a14="http://schemas.microsoft.com/office/drawing/2010/main" Requires="a14">
           <p:sp>
             <p:nvSpPr>
               <p:cNvPr id="3" name="내용 개체 틀 2">
@@ -8003,11 +8101,35 @@
                   <a:rPr lang="ko-KR" altLang="en-US" dirty="0"/>
                   <a:t>활성 함수</a:t>
                 </a:r>
+                <a:endParaRPr lang="en-US" altLang="ko-KR" dirty="0"/>
+              </a:p>
+              <a:p>
+                <a:pPr lvl="1"/>
+                <a:r>
+                  <a:rPr lang="ko-KR" altLang="en-US" dirty="0"/>
+                  <a:t>비선형</a:t>
+                </a:r>
+                <a:r>
+                  <a:rPr lang="en-US" altLang="ko-KR" dirty="0"/>
+                  <a:t>, </a:t>
+                </a:r>
+                <a:r>
+                  <a:rPr lang="ko-KR" altLang="en-US" dirty="0"/>
+                  <a:t>증가</a:t>
+                </a:r>
+                <a:r>
+                  <a:rPr lang="en-US" altLang="ko-KR" dirty="0"/>
+                  <a:t>, </a:t>
+                </a:r>
+                <a:r>
+                  <a:rPr lang="ko-KR" altLang="en-US" dirty="0"/>
+                  <a:t>미분가능</a:t>
+                </a:r>
               </a:p>
             </p:txBody>
           </p:sp>
         </mc:Choice>
-        <mc:Fallback xmlns="">
+        <mc:Fallback>
           <p:sp>
             <p:nvSpPr>
               <p:cNvPr id="3" name="내용 개체 틀 2">
@@ -9319,238 +9441,192 @@
           </mc:Fallback>
         </mc:AlternateContent>
       </p:grpSp>
-    </p:spTree>
-    <p:extLst>
-      <p:ext uri="{BB962C8B-B14F-4D97-AF65-F5344CB8AC3E}">
-        <p14:creationId xmlns:p14="http://schemas.microsoft.com/office/powerpoint/2010/main" val="2488555909"/>
-      </p:ext>
-    </p:extLst>
-  </p:cSld>
-  <p:clrMapOvr>
-    <a:masterClrMapping/>
-  </p:clrMapOvr>
-</p:sld>
-</file>
-
-<file path=ppt/slides/slide14.xml><?xml version="1.0" encoding="utf-8"?>
-<p:sld xmlns:a="http://schemas.openxmlformats.org/drawingml/2006/main" xmlns:r="http://schemas.openxmlformats.org/officeDocument/2006/relationships" xmlns:p="http://schemas.openxmlformats.org/presentationml/2006/main">
-  <p:cSld>
-    <p:spTree>
-      <p:nvGrpSpPr>
-        <p:cNvPr id="1" name=""/>
-        <p:cNvGrpSpPr/>
-        <p:nvPr/>
-      </p:nvGrpSpPr>
-      <p:grpSpPr>
-        <a:xfrm>
-          <a:off x="0" y="0"/>
-          <a:ext cx="0" cy="0"/>
-          <a:chOff x="0" y="0"/>
-          <a:chExt cx="0" cy="0"/>
-        </a:xfrm>
-      </p:grpSpPr>
-      <p:sp>
-        <p:nvSpPr>
-          <p:cNvPr id="2" name="제목 1">
+      <p:pic>
+        <p:nvPicPr>
+          <p:cNvPr id="17" name="그림 16">
             <a:extLst>
               <a:ext uri="{FF2B5EF4-FFF2-40B4-BE49-F238E27FC236}">
-                <a16:creationId xmlns:a16="http://schemas.microsoft.com/office/drawing/2014/main" id="{86D6DB19-A332-4C42-A8CD-F9B57CA2092B}"/>
+                <a16:creationId xmlns:a16="http://schemas.microsoft.com/office/drawing/2014/main" id="{48D62DD0-2ECA-4D4B-B803-6A94B55E2FFC}"/>
               </a:ext>
             </a:extLst>
           </p:cNvPr>
-          <p:cNvSpPr>
-            <a:spLocks noGrp="1"/>
-          </p:cNvSpPr>
-          <p:nvPr>
-            <p:ph type="title"/>
-          </p:nvPr>
-        </p:nvSpPr>
-        <p:spPr/>
-        <p:txBody>
-          <a:bodyPr/>
-          <a:lstStyle/>
-          <a:p>
-            <a:r>
-              <a:rPr lang="ko-KR" altLang="en-US" dirty="0"/>
-              <a:t>활성함수</a:t>
-            </a:r>
-          </a:p>
-        </p:txBody>
-      </p:sp>
-      <mc:AlternateContent xmlns:mc="http://schemas.openxmlformats.org/markup-compatibility/2006" xmlns:a14="http://schemas.microsoft.com/office/drawing/2010/main">
-        <mc:Choice Requires="a14">
+          <p:cNvPicPr>
+            <a:picLocks noChangeAspect="1"/>
+          </p:cNvPicPr>
+          <p:nvPr/>
+        </p:nvPicPr>
+        <p:blipFill>
+          <a:blip r:embed="rId13"/>
+          <a:stretch>
+            <a:fillRect/>
+          </a:stretch>
+        </p:blipFill>
+        <p:spPr>
+          <a:xfrm>
+            <a:off x="1742572" y="3864379"/>
+            <a:ext cx="2797052" cy="2153229"/>
+          </a:xfrm>
+          <a:prstGeom prst="rect">
+            <a:avLst/>
+          </a:prstGeom>
+        </p:spPr>
+      </p:pic>
+      <mc:AlternateContent xmlns:mc="http://schemas.openxmlformats.org/markup-compatibility/2006">
+        <mc:Choice xmlns:a14="http://schemas.microsoft.com/office/drawing/2010/main" Requires="a14">
           <p:sp>
             <p:nvSpPr>
-              <p:cNvPr id="3" name="내용 개체 틀 2">
+              <p:cNvPr id="4" name="TextBox 3">
                 <a:extLst>
                   <a:ext uri="{FF2B5EF4-FFF2-40B4-BE49-F238E27FC236}">
-                    <a16:creationId xmlns:a16="http://schemas.microsoft.com/office/drawing/2014/main" id="{F0461A94-C551-496D-A57C-A37FAC16333B}"/>
+                    <a16:creationId xmlns:a16="http://schemas.microsoft.com/office/drawing/2014/main" id="{7007BD6D-5671-4371-944C-E2EC11B4B5D7}"/>
                   </a:ext>
                 </a:extLst>
               </p:cNvPr>
-              <p:cNvSpPr>
-                <a:spLocks noGrp="1"/>
-              </p:cNvSpPr>
-              <p:nvPr>
-                <p:ph idx="1"/>
-              </p:nvPr>
+              <p:cNvSpPr txBox="1"/>
+              <p:nvPr/>
             </p:nvSpPr>
-            <p:spPr/>
+            <p:spPr>
+              <a:xfrm>
+                <a:off x="2418605" y="4661461"/>
+                <a:ext cx="1617686" cy="559064"/>
+              </a:xfrm>
+              <a:prstGeom prst="rect">
+                <a:avLst/>
+              </a:prstGeom>
+              <a:noFill/>
+            </p:spPr>
             <p:txBody>
-              <a:bodyPr/>
+              <a:bodyPr wrap="none" rtlCol="0">
+                <a:spAutoFit/>
+              </a:bodyPr>
               <a:lstStyle/>
               <a:p>
-                <a:r>
-                  <a:rPr lang="ko-KR" altLang="en-US" dirty="0"/>
-                  <a:t>비선형</a:t>
-                </a:r>
-                <a:r>
-                  <a:rPr lang="en-US" altLang="ko-KR" dirty="0"/>
-                  <a:t>, </a:t>
-                </a:r>
-                <a:r>
-                  <a:rPr lang="ko-KR" altLang="en-US" dirty="0"/>
-                  <a:t>증가</a:t>
-                </a:r>
-                <a:r>
-                  <a:rPr lang="en-US" altLang="ko-KR" dirty="0"/>
-                  <a:t>, </a:t>
-                </a:r>
-                <a:r>
-                  <a:rPr lang="ko-KR" altLang="en-US" dirty="0"/>
-                  <a:t>미분가능 </a:t>
-                </a:r>
-                <a:endParaRPr lang="en-US" altLang="ko-KR" dirty="0"/>
-              </a:p>
-              <a:p>
-                <a:r>
-                  <a:rPr lang="ko-KR" altLang="en-US" b="0" dirty="0">
-                    <a:latin typeface="Cambria Math" panose="02040503050406030204" pitchFamily="18" charset="0"/>
-                  </a:rPr>
-                  <a:t>예</a:t>
-                </a:r>
-                <a:endParaRPr lang="en-US" altLang="ko-KR" b="0" dirty="0">
-                  <a:latin typeface="Cambria Math" panose="02040503050406030204" pitchFamily="18" charset="0"/>
-                </a:endParaRPr>
-              </a:p>
-              <a:p>
-                <a:pPr lvl="1"/>
                 <a14:m>
-                  <m:oMath xmlns:m="http://schemas.openxmlformats.org/officeDocument/2006/math">
-                    <m:r>
-                      <a:rPr lang="en-US" altLang="ko-KR" b="0" i="1" smtClean="0">
-                        <a:latin typeface="Cambria Math" panose="02040503050406030204" pitchFamily="18" charset="0"/>
-                      </a:rPr>
-                      <m:t>𝜎</m:t>
-                    </m:r>
-                    <m:d>
-                      <m:dPr>
-                        <m:ctrlPr>
-                          <a:rPr lang="en-US" altLang="ko-KR" b="0" i="1" smtClean="0">
-                            <a:latin typeface="Cambria Math" panose="02040503050406030204" pitchFamily="18" charset="0"/>
-                          </a:rPr>
-                        </m:ctrlPr>
-                      </m:dPr>
-                      <m:e>
-                        <m:r>
-                          <a:rPr lang="en-US" altLang="ko-KR" b="0" i="1" smtClean="0">
-                            <a:latin typeface="Cambria Math" panose="02040503050406030204" pitchFamily="18" charset="0"/>
-                          </a:rPr>
-                          <m:t>𝑥</m:t>
-                        </m:r>
-                      </m:e>
-                    </m:d>
-                    <m:r>
-                      <a:rPr lang="en-US" altLang="ko-KR" b="0" i="1" smtClean="0">
-                        <a:latin typeface="Cambria Math" panose="02040503050406030204" pitchFamily="18" charset="0"/>
-                      </a:rPr>
-                      <m:t>=</m:t>
-                    </m:r>
-                    <m:f>
-                      <m:fPr>
-                        <m:ctrlPr>
-                          <a:rPr lang="en-US" altLang="ko-KR" b="0" i="1" smtClean="0">
-                            <a:latin typeface="Cambria Math" panose="02040503050406030204" pitchFamily="18" charset="0"/>
-                          </a:rPr>
-                        </m:ctrlPr>
-                      </m:fPr>
-                      <m:num>
-                        <m:r>
-                          <a:rPr lang="en-US" altLang="ko-KR" b="0" i="1" smtClean="0">
-                            <a:latin typeface="Cambria Math" panose="02040503050406030204" pitchFamily="18" charset="0"/>
-                          </a:rPr>
-                          <m:t>1</m:t>
-                        </m:r>
-                      </m:num>
-                      <m:den>
-                        <m:r>
-                          <a:rPr lang="en-US" altLang="ko-KR" b="0" i="1" smtClean="0">
-                            <a:latin typeface="Cambria Math" panose="02040503050406030204" pitchFamily="18" charset="0"/>
-                          </a:rPr>
-                          <m:t>1+</m:t>
-                        </m:r>
-                        <m:sSup>
-                          <m:sSupPr>
-                            <m:ctrlPr>
-                              <a:rPr lang="en-US" altLang="ko-KR" b="0" i="1" smtClean="0">
-                                <a:latin typeface="Cambria Math" panose="02040503050406030204" pitchFamily="18" charset="0"/>
-                              </a:rPr>
-                            </m:ctrlPr>
-                          </m:sSupPr>
-                          <m:e>
-                            <m:r>
-                              <a:rPr lang="en-US" altLang="ko-KR" b="0" i="1" smtClean="0">
-                                <a:latin typeface="Cambria Math" panose="02040503050406030204" pitchFamily="18" charset="0"/>
-                              </a:rPr>
-                              <m:t>𝑒</m:t>
-                            </m:r>
-                          </m:e>
-                          <m:sup>
-                            <m:r>
-                              <a:rPr lang="en-US" altLang="ko-KR" b="0" i="1" smtClean="0">
-                                <a:latin typeface="Cambria Math" panose="02040503050406030204" pitchFamily="18" charset="0"/>
-                              </a:rPr>
-                              <m:t>−</m:t>
-                            </m:r>
-                            <m:r>
-                              <a:rPr lang="en-US" altLang="ko-KR" b="0" i="1" smtClean="0">
-                                <a:latin typeface="Cambria Math" panose="02040503050406030204" pitchFamily="18" charset="0"/>
-                              </a:rPr>
-                              <m:t>𝑥</m:t>
-                            </m:r>
-                          </m:sup>
-                        </m:sSup>
-                      </m:den>
-                    </m:f>
-                  </m:oMath>
+                  <m:oMathPara xmlns:m="http://schemas.openxmlformats.org/officeDocument/2006/math">
+                    <m:oMathParaPr>
+                      <m:jc m:val="centerGroup"/>
+                    </m:oMathParaPr>
+                    <m:oMath xmlns:m="http://schemas.openxmlformats.org/officeDocument/2006/math">
+                      <m:r>
+                        <a:rPr lang="en-US" altLang="ko-KR" sz="1600" b="0" i="1" smtClean="0">
+                          <a:latin typeface="Cambria Math" panose="02040503050406030204" pitchFamily="18" charset="0"/>
+                        </a:rPr>
+                        <m:t>𝜎</m:t>
+                      </m:r>
+                      <m:d>
+                        <m:dPr>
+                          <m:ctrlPr>
+                            <a:rPr lang="en-US" altLang="ko-KR" sz="1600" b="0" i="1" smtClean="0">
+                              <a:latin typeface="Cambria Math" panose="02040503050406030204" pitchFamily="18" charset="0"/>
+                            </a:rPr>
+                          </m:ctrlPr>
+                        </m:dPr>
+                        <m:e>
+                          <m:r>
+                            <a:rPr lang="en-US" altLang="ko-KR" sz="1600" b="0" i="1" smtClean="0">
+                              <a:latin typeface="Cambria Math" panose="02040503050406030204" pitchFamily="18" charset="0"/>
+                            </a:rPr>
+                            <m:t>𝑥</m:t>
+                          </m:r>
+                        </m:e>
+                      </m:d>
+                      <m:r>
+                        <a:rPr lang="en-US" altLang="ko-KR" sz="1600" b="0" i="1" smtClean="0">
+                          <a:latin typeface="Cambria Math" panose="02040503050406030204" pitchFamily="18" charset="0"/>
+                        </a:rPr>
+                        <m:t>=</m:t>
+                      </m:r>
+                      <m:f>
+                        <m:fPr>
+                          <m:ctrlPr>
+                            <a:rPr lang="en-US" altLang="ko-KR" sz="1600" b="0" i="1" smtClean="0">
+                              <a:latin typeface="Cambria Math" panose="02040503050406030204" pitchFamily="18" charset="0"/>
+                            </a:rPr>
+                          </m:ctrlPr>
+                        </m:fPr>
+                        <m:num>
+                          <m:r>
+                            <a:rPr lang="en-US" altLang="ko-KR" sz="1600" b="0" i="1" smtClean="0">
+                              <a:latin typeface="Cambria Math" panose="02040503050406030204" pitchFamily="18" charset="0"/>
+                            </a:rPr>
+                            <m:t>1</m:t>
+                          </m:r>
+                        </m:num>
+                        <m:den>
+                          <m:r>
+                            <a:rPr lang="en-US" altLang="ko-KR" sz="1600" b="0" i="1" smtClean="0">
+                              <a:latin typeface="Cambria Math" panose="02040503050406030204" pitchFamily="18" charset="0"/>
+                            </a:rPr>
+                            <m:t>1+</m:t>
+                          </m:r>
+                          <m:sSup>
+                            <m:sSupPr>
+                              <m:ctrlPr>
+                                <a:rPr lang="en-US" altLang="ko-KR" sz="1600" b="0" i="1" smtClean="0">
+                                  <a:latin typeface="Cambria Math" panose="02040503050406030204" pitchFamily="18" charset="0"/>
+                                </a:rPr>
+                              </m:ctrlPr>
+                            </m:sSupPr>
+                            <m:e>
+                              <m:r>
+                                <a:rPr lang="en-US" altLang="ko-KR" sz="1600" b="0" i="1" smtClean="0">
+                                  <a:latin typeface="Cambria Math" panose="02040503050406030204" pitchFamily="18" charset="0"/>
+                                </a:rPr>
+                                <m:t>𝑒</m:t>
+                              </m:r>
+                            </m:e>
+                            <m:sup>
+                              <m:r>
+                                <a:rPr lang="en-US" altLang="ko-KR" sz="1600" b="0" i="1" smtClean="0">
+                                  <a:latin typeface="Cambria Math" panose="02040503050406030204" pitchFamily="18" charset="0"/>
+                                </a:rPr>
+                                <m:t>−</m:t>
+                              </m:r>
+                              <m:r>
+                                <a:rPr lang="en-US" altLang="ko-KR" sz="1600" b="0" i="1" smtClean="0">
+                                  <a:latin typeface="Cambria Math" panose="02040503050406030204" pitchFamily="18" charset="0"/>
+                                </a:rPr>
+                                <m:t>𝑥</m:t>
+                              </m:r>
+                            </m:sup>
+                          </m:sSup>
+                        </m:den>
+                      </m:f>
+                    </m:oMath>
+                  </m:oMathPara>
                 </a14:m>
-                <a:endParaRPr lang="en-US" altLang="ko-KR" dirty="0"/>
+                <a:endParaRPr lang="ko-KR" altLang="en-US" sz="1600" dirty="0"/>
               </a:p>
             </p:txBody>
           </p:sp>
         </mc:Choice>
-        <mc:Fallback xmlns="">
+        <mc:Fallback>
           <p:sp>
             <p:nvSpPr>
-              <p:cNvPr id="3" name="내용 개체 틀 2">
+              <p:cNvPr id="4" name="TextBox 3">
                 <a:extLst>
                   <a:ext uri="{FF2B5EF4-FFF2-40B4-BE49-F238E27FC236}">
-                    <a16:creationId xmlns:a16="http://schemas.microsoft.com/office/drawing/2014/main" id="{F0461A94-C551-496D-A57C-A37FAC16333B}"/>
+                    <a16:creationId xmlns:a16="http://schemas.microsoft.com/office/drawing/2014/main" id="{7007BD6D-5671-4371-944C-E2EC11B4B5D7}"/>
                   </a:ext>
                 </a:extLst>
               </p:cNvPr>
-              <p:cNvSpPr>
-                <a:spLocks noGrp="1" noRot="1" noChangeAspect="1" noMove="1" noResize="1" noEditPoints="1" noAdjustHandles="1" noChangeArrowheads="1" noChangeShapeType="1" noTextEdit="1"/>
+              <p:cNvSpPr txBox="1">
+                <a:spLocks noRot="1" noChangeAspect="1" noMove="1" noResize="1" noEditPoints="1" noAdjustHandles="1" noChangeArrowheads="1" noChangeShapeType="1" noTextEdit="1"/>
               </p:cNvSpPr>
-              <p:nvPr>
-                <p:ph idx="1"/>
-              </p:nvPr>
+              <p:nvPr/>
             </p:nvSpPr>
             <p:spPr>
+              <a:xfrm>
+                <a:off x="2418605" y="4661461"/>
+                <a:ext cx="1617686" cy="559064"/>
+              </a:xfrm>
+              <a:prstGeom prst="rect">
+                <a:avLst/>
+              </a:prstGeom>
               <a:blipFill>
-                <a:blip r:embed="rId2"/>
+                <a:blip r:embed="rId14"/>
                 <a:stretch>
-                  <a:fillRect l="-1043" t="-2381"/>
+                  <a:fillRect/>
                 </a:stretch>
               </a:blipFill>
             </p:spPr>
@@ -9569,97 +9645,10 @@
           </p:sp>
         </mc:Fallback>
       </mc:AlternateContent>
-      <p:sp>
-        <p:nvSpPr>
-          <p:cNvPr id="7" name="슬라이드 번호 개체 틀 6">
-            <a:extLst>
-              <a:ext uri="{FF2B5EF4-FFF2-40B4-BE49-F238E27FC236}">
-                <a16:creationId xmlns:a16="http://schemas.microsoft.com/office/drawing/2014/main" id="{0C0F2A33-65F1-449E-9D56-FF2F0E859F40}"/>
-              </a:ext>
-            </a:extLst>
-          </p:cNvPr>
-          <p:cNvSpPr>
-            <a:spLocks noGrp="1"/>
-          </p:cNvSpPr>
-          <p:nvPr>
-            <p:ph type="sldNum" sz="quarter" idx="12"/>
-          </p:nvPr>
-        </p:nvSpPr>
-        <p:spPr/>
-        <p:txBody>
-          <a:bodyPr/>
-          <a:lstStyle/>
-          <a:p>
-            <a:fld id="{C73D1B3A-BB94-49A7-9F3A-A604B6F7A515}" type="slidenum">
-              <a:rPr lang="ko-KR" altLang="en-US" smtClean="0"/>
-              <a:t>14</a:t>
-            </a:fld>
-            <a:endParaRPr lang="ko-KR" altLang="en-US"/>
-          </a:p>
-        </p:txBody>
-      </p:sp>
-      <p:sp>
-        <p:nvSpPr>
-          <p:cNvPr id="8" name="바닥글 개체 틀 7">
-            <a:extLst>
-              <a:ext uri="{FF2B5EF4-FFF2-40B4-BE49-F238E27FC236}">
-                <a16:creationId xmlns:a16="http://schemas.microsoft.com/office/drawing/2014/main" id="{5802DDC2-5E6F-4495-82E6-459496A0388D}"/>
-              </a:ext>
-            </a:extLst>
-          </p:cNvPr>
-          <p:cNvSpPr>
-            <a:spLocks noGrp="1"/>
-          </p:cNvSpPr>
-          <p:nvPr>
-            <p:ph type="ftr" sz="quarter" idx="11"/>
-          </p:nvPr>
-        </p:nvSpPr>
-        <p:spPr/>
-        <p:txBody>
-          <a:bodyPr/>
-          <a:lstStyle/>
-          <a:p>
-            <a:r>
-              <a:rPr lang="ko-KR" altLang="en-US"/>
-              <a:t>인공 지능과 기계 학습</a:t>
-            </a:r>
-          </a:p>
-        </p:txBody>
-      </p:sp>
-      <p:pic>
-        <p:nvPicPr>
-          <p:cNvPr id="9" name="그림 8">
-            <a:extLst>
-              <a:ext uri="{FF2B5EF4-FFF2-40B4-BE49-F238E27FC236}">
-                <a16:creationId xmlns:a16="http://schemas.microsoft.com/office/drawing/2014/main" id="{042F8CE6-9A17-4685-B7AC-D510B8B24914}"/>
-              </a:ext>
-            </a:extLst>
-          </p:cNvPr>
-          <p:cNvPicPr>
-            <a:picLocks noChangeAspect="1"/>
-          </p:cNvPicPr>
-          <p:nvPr/>
-        </p:nvPicPr>
-        <p:blipFill>
-          <a:blip r:embed="rId3"/>
-          <a:stretch>
-            <a:fillRect/>
-          </a:stretch>
-        </p:blipFill>
-        <p:spPr>
-          <a:xfrm>
-            <a:off x="4233862" y="2857133"/>
-            <a:ext cx="3724275" cy="2867025"/>
-          </a:xfrm>
-          <a:prstGeom prst="rect">
-            <a:avLst/>
-          </a:prstGeom>
-        </p:spPr>
-      </p:pic>
     </p:spTree>
     <p:extLst>
       <p:ext uri="{BB962C8B-B14F-4D97-AF65-F5344CB8AC3E}">
-        <p14:creationId xmlns:p14="http://schemas.microsoft.com/office/powerpoint/2010/main" val="3041795628"/>
+        <p14:creationId xmlns:p14="http://schemas.microsoft.com/office/powerpoint/2010/main" val="2488555909"/>
       </p:ext>
     </p:extLst>
   </p:cSld>
@@ -9669,7 +9658,7 @@
 </p:sld>
 </file>
 
-<file path=ppt/slides/slide15.xml><?xml version="1.0" encoding="utf-8"?>
+<file path=ppt/slides/slide14.xml><?xml version="1.0" encoding="utf-8"?>
 <p:sld xmlns:a="http://schemas.openxmlformats.org/drawingml/2006/main" xmlns:r="http://schemas.openxmlformats.org/officeDocument/2006/relationships" xmlns:p="http://schemas.openxmlformats.org/presentationml/2006/main">
   <p:cSld>
     <p:spTree>
@@ -9737,7 +9726,7 @@
           <a:p>
             <a:fld id="{C73D1B3A-BB94-49A7-9F3A-A604B6F7A515}" type="slidenum">
               <a:rPr lang="ko-KR" altLang="en-US" smtClean="0"/>
-              <a:t>15</a:t>
+              <a:t>14</a:t>
             </a:fld>
             <a:endParaRPr lang="ko-KR" altLang="en-US"/>
           </a:p>
@@ -11781,7 +11770,7 @@
 </p:sld>
 </file>
 
-<file path=ppt/slides/slide16.xml><?xml version="1.0" encoding="utf-8"?>
+<file path=ppt/slides/slide15.xml><?xml version="1.0" encoding="utf-8"?>
 <p:sld xmlns:a="http://schemas.openxmlformats.org/drawingml/2006/main" xmlns:r="http://schemas.openxmlformats.org/officeDocument/2006/relationships" xmlns:p="http://schemas.openxmlformats.org/presentationml/2006/main">
   <p:cSld>
     <p:spTree>
@@ -11826,8 +11815,8 @@
           </a:p>
         </p:txBody>
       </p:sp>
-      <mc:AlternateContent xmlns:mc="http://schemas.openxmlformats.org/markup-compatibility/2006" xmlns:a14="http://schemas.microsoft.com/office/drawing/2010/main">
-        <mc:Choice Requires="a14">
+      <mc:AlternateContent xmlns:mc="http://schemas.openxmlformats.org/markup-compatibility/2006">
+        <mc:Choice xmlns:a14="http://schemas.microsoft.com/office/drawing/2010/main" Requires="a14">
           <p:sp>
             <p:nvSpPr>
               <p:cNvPr id="3" name="내용 개체 틀 2">
@@ -11849,9 +11838,46 @@
               <a:bodyPr/>
               <a:lstStyle/>
               <a:p>
+                <a14:m>
+                  <m:oMath xmlns:m="http://schemas.openxmlformats.org/officeDocument/2006/math">
+                    <m:sSub>
+                      <m:sSubPr>
+                        <m:ctrlPr>
+                          <a:rPr lang="en-US" altLang="ko-KR" b="0" i="1" smtClean="0">
+                            <a:latin typeface="Cambria Math" panose="02040503050406030204" pitchFamily="18" charset="0"/>
+                          </a:rPr>
+                        </m:ctrlPr>
+                      </m:sSubPr>
+                      <m:e>
+                        <m:r>
+                          <a:rPr lang="en-US" altLang="ko-KR" b="0" i="1" smtClean="0">
+                            <a:latin typeface="Cambria Math" panose="02040503050406030204" pitchFamily="18" charset="0"/>
+                          </a:rPr>
+                          <m:t>𝑦</m:t>
+                        </m:r>
+                      </m:e>
+                      <m:sub>
+                        <m:r>
+                          <a:rPr lang="en-US" altLang="ko-KR" b="0" i="1" smtClean="0">
+                            <a:latin typeface="Cambria Math" panose="02040503050406030204" pitchFamily="18" charset="0"/>
+                          </a:rPr>
+                          <m:t>1</m:t>
+                        </m:r>
+                      </m:sub>
+                    </m:sSub>
+                  </m:oMath>
+                </a14:m>
                 <a:r>
                   <a:rPr lang="ko-KR" altLang="en-US" dirty="0"/>
-                  <a:t>아들의 키를 가장 잘 근사시키는 </a:t>
+                  <a:t>을</a:t>
+                </a:r>
+                <a:r>
+                  <a:rPr lang="en-US" altLang="ko-KR" dirty="0"/>
+                  <a:t> </a:t>
+                </a:r>
+                <a:r>
+                  <a:rPr lang="ko-KR" altLang="en-US" dirty="0"/>
+                  <a:t>가장 잘 근사시키는 </a:t>
                 </a:r>
                 <a14:m>
                   <m:oMath xmlns:m="http://schemas.openxmlformats.org/officeDocument/2006/math">
@@ -12186,12 +12212,108 @@
               <a:p>
                 <a:r>
                   <a:rPr lang="ko-KR" altLang="en-US" dirty="0"/>
-                  <a:t>오차</a:t>
+                  <a:t>오차 </a:t>
                 </a:r>
-                <a:r>
-                  <a:rPr lang="en-US" altLang="ko-KR" dirty="0"/>
-                  <a:t>: </a:t>
-                </a:r>
+                <a14:m>
+                  <m:oMath xmlns:m="http://schemas.openxmlformats.org/officeDocument/2006/math">
+                    <m:d>
+                      <m:dPr>
+                        <m:begChr m:val="|"/>
+                        <m:endChr m:val="|"/>
+                        <m:ctrlPr>
+                          <a:rPr lang="en-US" altLang="ko-KR" b="0" i="0" smtClean="0">
+                            <a:latin typeface="Cambria Math" panose="02040503050406030204" pitchFamily="18" charset="0"/>
+                          </a:rPr>
+                        </m:ctrlPr>
+                      </m:dPr>
+                      <m:e>
+                        <m:sSub>
+                          <m:sSubPr>
+                            <m:ctrlPr>
+                              <a:rPr lang="en-US" altLang="ko-KR" i="1">
+                                <a:latin typeface="Cambria Math" panose="02040503050406030204" pitchFamily="18" charset="0"/>
+                              </a:rPr>
+                            </m:ctrlPr>
+                          </m:sSubPr>
+                          <m:e>
+                            <m:r>
+                              <a:rPr lang="en-US" altLang="ko-KR" i="1">
+                                <a:latin typeface="Cambria Math" panose="02040503050406030204" pitchFamily="18" charset="0"/>
+                              </a:rPr>
+                              <m:t>𝑦</m:t>
+                            </m:r>
+                          </m:e>
+                          <m:sub>
+                            <m:r>
+                              <a:rPr lang="en-US" altLang="ko-KR" i="1">
+                                <a:latin typeface="Cambria Math" panose="02040503050406030204" pitchFamily="18" charset="0"/>
+                              </a:rPr>
+                              <m:t>1</m:t>
+                            </m:r>
+                            <m:r>
+                              <a:rPr lang="en-US" altLang="ko-KR" i="1">
+                                <a:latin typeface="Cambria Math" panose="02040503050406030204" pitchFamily="18" charset="0"/>
+                              </a:rPr>
+                              <m:t>𝑖</m:t>
+                            </m:r>
+                          </m:sub>
+                        </m:sSub>
+                        <m:r>
+                          <a:rPr lang="en-US" altLang="ko-KR" i="1">
+                            <a:latin typeface="Cambria Math" panose="02040503050406030204" pitchFamily="18" charset="0"/>
+                          </a:rPr>
+                          <m:t>−</m:t>
+                        </m:r>
+                        <m:sSub>
+                          <m:sSubPr>
+                            <m:ctrlPr>
+                              <a:rPr lang="en-US" altLang="ko-KR" i="1">
+                                <a:latin typeface="Cambria Math" panose="02040503050406030204" pitchFamily="18" charset="0"/>
+                              </a:rPr>
+                            </m:ctrlPr>
+                          </m:sSubPr>
+                          <m:e>
+                            <m:acc>
+                              <m:accPr>
+                                <m:chr m:val="̂"/>
+                                <m:ctrlPr>
+                                  <a:rPr lang="en-US" altLang="ko-KR" i="1">
+                                    <a:latin typeface="Cambria Math" panose="02040503050406030204" pitchFamily="18" charset="0"/>
+                                  </a:rPr>
+                                </m:ctrlPr>
+                              </m:accPr>
+                              <m:e>
+                                <m:r>
+                                  <a:rPr lang="en-US" altLang="ko-KR" i="1">
+                                    <a:latin typeface="Cambria Math" panose="02040503050406030204" pitchFamily="18" charset="0"/>
+                                  </a:rPr>
+                                  <m:t>𝑦</m:t>
+                                </m:r>
+                              </m:e>
+                            </m:acc>
+                          </m:e>
+                          <m:sub>
+                            <m:r>
+                              <a:rPr lang="en-US" altLang="ko-KR" i="1">
+                                <a:latin typeface="Cambria Math" panose="02040503050406030204" pitchFamily="18" charset="0"/>
+                              </a:rPr>
+                              <m:t>1</m:t>
+                            </m:r>
+                            <m:r>
+                              <a:rPr lang="en-US" altLang="ko-KR" i="1">
+                                <a:latin typeface="Cambria Math" panose="02040503050406030204" pitchFamily="18" charset="0"/>
+                              </a:rPr>
+                              <m:t>𝑖</m:t>
+                            </m:r>
+                          </m:sub>
+                        </m:sSub>
+                      </m:e>
+                    </m:d>
+                  </m:oMath>
+                </a14:m>
+                <a:endParaRPr lang="en-US" altLang="ko-KR" dirty="0"/>
+              </a:p>
+              <a:p>
                 <a14:m>
                   <m:oMath xmlns:m="http://schemas.openxmlformats.org/officeDocument/2006/math">
                     <m:r>
@@ -12377,6 +12499,53 @@
                     </m:nary>
                   </m:oMath>
                 </a14:m>
+                <a:r>
+                  <a:rPr lang="ko-KR" altLang="en-US" dirty="0"/>
+                  <a:t>을 최소로 하는 </a:t>
+                </a:r>
+                <a14:m>
+                  <m:oMath xmlns:m="http://schemas.openxmlformats.org/officeDocument/2006/math">
+                    <m:r>
+                      <a:rPr lang="en-US" altLang="ko-KR" i="1">
+                        <a:latin typeface="Cambria Math" panose="02040503050406030204" pitchFamily="18" charset="0"/>
+                      </a:rPr>
+                      <m:t>𝑏</m:t>
+                    </m:r>
+                  </m:oMath>
+                </a14:m>
+                <a:r>
+                  <a:rPr lang="ko-KR" altLang="en-US" dirty="0"/>
+                  <a:t>와 </a:t>
+                </a:r>
+                <a14:m>
+                  <m:oMath xmlns:m="http://schemas.openxmlformats.org/officeDocument/2006/math">
+                    <m:sSub>
+                      <m:sSubPr>
+                        <m:ctrlPr>
+                          <a:rPr lang="en-US" altLang="ko-KR" i="1">
+                            <a:latin typeface="Cambria Math" panose="02040503050406030204" pitchFamily="18" charset="0"/>
+                          </a:rPr>
+                        </m:ctrlPr>
+                      </m:sSubPr>
+                      <m:e>
+                        <m:r>
+                          <a:rPr lang="en-US" altLang="ko-KR" i="1">
+                            <a:latin typeface="Cambria Math" panose="02040503050406030204" pitchFamily="18" charset="0"/>
+                          </a:rPr>
+                          <m:t>𝑤</m:t>
+                        </m:r>
+                      </m:e>
+                      <m:sub>
+                        <m:r>
+                          <a:rPr lang="en-US" altLang="ko-KR" i="1">
+                            <a:latin typeface="Cambria Math" panose="02040503050406030204" pitchFamily="18" charset="0"/>
+                          </a:rPr>
+                          <m:t>𝑖</m:t>
+                        </m:r>
+                      </m:sub>
+                    </m:sSub>
+                  </m:oMath>
+                </a14:m>
                 <a:endParaRPr lang="en-US" altLang="ko-KR" dirty="0"/>
               </a:p>
               <a:p>
@@ -12385,7 +12554,7 @@
             </p:txBody>
           </p:sp>
         </mc:Choice>
-        <mc:Fallback xmlns="">
+        <mc:Fallback>
           <p:sp>
             <p:nvSpPr>
               <p:cNvPr id="3" name="내용 개체 틀 2">
@@ -12425,8 +12594,8 @@
           </p:sp>
         </mc:Fallback>
       </mc:AlternateContent>
-      <mc:AlternateContent xmlns:mc="http://schemas.openxmlformats.org/markup-compatibility/2006" xmlns:a14="http://schemas.microsoft.com/office/drawing/2010/main">
-        <mc:Choice Requires="a14">
+      <mc:AlternateContent xmlns:mc="http://schemas.openxmlformats.org/markup-compatibility/2006">
+        <mc:Choice xmlns:a14="http://schemas.microsoft.com/office/drawing/2010/main" Requires="a14">
           <p:graphicFrame>
             <p:nvGraphicFramePr>
               <p:cNvPr id="4" name="표 3">
@@ -12442,7 +12611,7 @@
               <p:nvPr>
                 <p:extLst>
                   <p:ext uri="{D42A27DB-BD31-4B8C-83A1-F6EECF244321}">
-                    <p14:modId xmlns:p14="http://schemas.microsoft.com/office/powerpoint/2010/main" val="2402067445"/>
+                    <p14:modId xmlns:p14="http://schemas.microsoft.com/office/powerpoint/2010/main" val="1074987204"/>
                   </p:ext>
                 </p:extLst>
               </p:nvPr>
@@ -12458,35 +12627,35 @@
                     <a:tableStyleId>{93296810-A885-4BE3-A3E7-6D5BEEA58F35}</a:tableStyleId>
                   </a:tblPr>
                   <a:tblGrid>
-                    <a:gridCol w="1840345">
+                    <a:gridCol w="1323109">
                       <a:extLst>
                         <a:ext uri="{9D8B030D-6E8A-4147-A177-3AD203B41FA5}">
                           <a16:colId xmlns:a16="http://schemas.microsoft.com/office/drawing/2014/main" val="1446921711"/>
                         </a:ext>
                       </a:extLst>
                     </a:gridCol>
-                    <a:gridCol w="1193800">
+                    <a:gridCol w="1323109">
                       <a:extLst>
                         <a:ext uri="{9D8B030D-6E8A-4147-A177-3AD203B41FA5}">
                           <a16:colId xmlns:a16="http://schemas.microsoft.com/office/drawing/2014/main" val="875023915"/>
                         </a:ext>
                       </a:extLst>
                     </a:gridCol>
-                    <a:gridCol w="1193800">
+                    <a:gridCol w="1323109">
                       <a:extLst>
                         <a:ext uri="{9D8B030D-6E8A-4147-A177-3AD203B41FA5}">
                           <a16:colId xmlns:a16="http://schemas.microsoft.com/office/drawing/2014/main" val="3664160713"/>
                         </a:ext>
                       </a:extLst>
                     </a:gridCol>
-                    <a:gridCol w="1193800">
+                    <a:gridCol w="1323109">
                       <a:extLst>
                         <a:ext uri="{9D8B030D-6E8A-4147-A177-3AD203B41FA5}">
                           <a16:colId xmlns:a16="http://schemas.microsoft.com/office/drawing/2014/main" val="2010936161"/>
                         </a:ext>
                       </a:extLst>
                     </a:gridCol>
-                    <a:gridCol w="1193800">
+                    <a:gridCol w="1323109">
                       <a:extLst>
                         <a:ext uri="{9D8B030D-6E8A-4147-A177-3AD203B41FA5}">
                           <a16:colId xmlns:a16="http://schemas.microsoft.com/office/drawing/2014/main" val="1891897070"/>
@@ -12501,51 +12670,72 @@
                         <a:lstStyle/>
                         <a:p>
                           <a:pPr algn="ctr" latinLnBrk="1"/>
-                          <a:r>
-                            <a:rPr lang="ko-KR" altLang="en-US" sz="1800" dirty="0"/>
-                            <a:t>아빠의 키</a:t>
-                          </a:r>
-                          <a:r>
-                            <a:rPr lang="en-US" altLang="ko-KR" sz="1800" dirty="0"/>
-                            <a:t>(</a:t>
-                          </a:r>
                           <a14:m>
-                            <m:oMath xmlns:m="http://schemas.openxmlformats.org/officeDocument/2006/math">
-                              <m:sSub>
-                                <m:sSubPr>
-                                  <m:ctrlPr>
-                                    <a:rPr lang="en-US" altLang="ko-KR" sz="1800" i="1" smtClean="0">
-                                      <a:latin typeface="Cambria Math" panose="02040503050406030204" pitchFamily="18" charset="0"/>
-                                    </a:rPr>
-                                  </m:ctrlPr>
-                                </m:sSubPr>
-                                <m:e>
-                                  <m:r>
-                                    <a:rPr lang="en-US" altLang="ko-KR" sz="1800" smtClean="0">
-                                      <a:latin typeface="Cambria Math" panose="02040503050406030204" pitchFamily="18" charset="0"/>
-                                    </a:rPr>
-                                    <m:t>𝑥</m:t>
-                                  </m:r>
-                                </m:e>
-                                <m:sub>
-                                  <m:r>
-                                    <a:rPr lang="en-US" altLang="ko-KR" sz="1800" smtClean="0">
-                                      <a:latin typeface="Cambria Math" panose="02040503050406030204" pitchFamily="18" charset="0"/>
-                                    </a:rPr>
-                                    <m:t>1</m:t>
-                                  </m:r>
-                                </m:sub>
-                              </m:sSub>
-                            </m:oMath>
+                            <m:oMathPara xmlns:m="http://schemas.openxmlformats.org/officeDocument/2006/math">
+                              <m:oMathParaPr>
+                                <m:jc m:val="centerGroup"/>
+                              </m:oMathParaPr>
+                              <m:oMath xmlns:m="http://schemas.openxmlformats.org/officeDocument/2006/math">
+                                <m:sSub>
+                                  <m:sSubPr>
+                                    <m:ctrlPr>
+                                      <a:rPr lang="en-US" altLang="ko-KR" sz="1800" i="1" smtClean="0">
+                                        <a:latin typeface="Cambria Math" panose="02040503050406030204" pitchFamily="18" charset="0"/>
+                                      </a:rPr>
+                                    </m:ctrlPr>
+                                  </m:sSubPr>
+                                  <m:e>
+                                    <m:r>
+                                      <a:rPr lang="en-US" altLang="ko-KR" sz="1800" smtClean="0">
+                                        <a:latin typeface="Cambria Math" panose="02040503050406030204" pitchFamily="18" charset="0"/>
+                                      </a:rPr>
+                                      <m:t>𝑥</m:t>
+                                    </m:r>
+                                  </m:e>
+                                  <m:sub>
+                                    <m:r>
+                                      <a:rPr lang="en-US" altLang="ko-KR" sz="1800" smtClean="0">
+                                        <a:latin typeface="Cambria Math" panose="02040503050406030204" pitchFamily="18" charset="0"/>
+                                      </a:rPr>
+                                      <m:t>1</m:t>
+                                    </m:r>
+                                  </m:sub>
+                                </m:sSub>
+                              </m:oMath>
+                            </m:oMathPara>
                           </a14:m>
-                          <a:r>
-                            <a:rPr lang="en-US" altLang="ko-KR" sz="1800" dirty="0"/>
-                            <a:t>)</a:t>
-                          </a:r>
                           <a:endParaRPr lang="ko-KR" altLang="en-US" sz="1800" dirty="0"/>
                         </a:p>
                       </a:txBody>
-                      <a:tcPr/>
+                      <a:tcPr>
+                        <a:lnL w="12700" cap="flat" cmpd="sng" algn="ctr">
+                          <a:solidFill>
+                            <a:schemeClr val="tx1"/>
+                          </a:solidFill>
+                          <a:prstDash val="solid"/>
+                          <a:round/>
+                          <a:headEnd type="none" w="med" len="med"/>
+                          <a:tailEnd type="none" w="med" len="med"/>
+                        </a:lnL>
+                        <a:lnR w="12700" cap="flat" cmpd="sng" algn="ctr">
+                          <a:solidFill>
+                            <a:schemeClr val="tx1"/>
+                          </a:solidFill>
+                          <a:prstDash val="solid"/>
+                          <a:round/>
+                          <a:headEnd type="none" w="med" len="med"/>
+                          <a:tailEnd type="none" w="med" len="med"/>
+                        </a:lnR>
+                        <a:lnT w="12700" cap="flat" cmpd="sng" algn="ctr">
+                          <a:solidFill>
+                            <a:schemeClr val="tx1"/>
+                          </a:solidFill>
+                          <a:prstDash val="solid"/>
+                          <a:round/>
+                          <a:headEnd type="none" w="med" len="med"/>
+                          <a:tailEnd type="none" w="med" len="med"/>
+                        </a:lnT>
+                      </a:tcPr>
                     </a:tc>
                     <a:tc>
                       <a:txBody>
@@ -12590,7 +12780,26 @@
                           <a:endParaRPr lang="ko-KR" altLang="en-US" sz="1800" dirty="0"/>
                         </a:p>
                       </a:txBody>
-                      <a:tcPr/>
+                      <a:tcPr>
+                        <a:lnL w="12700" cap="flat" cmpd="sng" algn="ctr">
+                          <a:solidFill>
+                            <a:schemeClr val="tx1"/>
+                          </a:solidFill>
+                          <a:prstDash val="solid"/>
+                          <a:round/>
+                          <a:headEnd type="none" w="med" len="med"/>
+                          <a:tailEnd type="none" w="med" len="med"/>
+                        </a:lnL>
+                        <a:lnT w="12700" cap="flat" cmpd="sng" algn="ctr">
+                          <a:solidFill>
+                            <a:schemeClr val="tx1"/>
+                          </a:solidFill>
+                          <a:prstDash val="solid"/>
+                          <a:round/>
+                          <a:headEnd type="none" w="med" len="med"/>
+                          <a:tailEnd type="none" w="med" len="med"/>
+                        </a:lnT>
+                      </a:tcPr>
                     </a:tc>
                     <a:tc>
                       <a:txBody>
@@ -12651,7 +12860,17 @@
                           <a:endParaRPr lang="ko-KR" altLang="en-US" sz="1800" dirty="0"/>
                         </a:p>
                       </a:txBody>
-                      <a:tcPr/>
+                      <a:tcPr>
+                        <a:lnT w="12700" cap="flat" cmpd="sng" algn="ctr">
+                          <a:solidFill>
+                            <a:schemeClr val="tx1"/>
+                          </a:solidFill>
+                          <a:prstDash val="solid"/>
+                          <a:round/>
+                          <a:headEnd type="none" w="med" len="med"/>
+                          <a:tailEnd type="none" w="med" len="med"/>
+                        </a:lnT>
+                      </a:tcPr>
                     </a:tc>
                     <a:tc>
                       <a:txBody>
@@ -12677,7 +12896,17 @@
                           <a:endParaRPr lang="ko-KR" altLang="en-US" sz="1800" dirty="0"/>
                         </a:p>
                       </a:txBody>
-                      <a:tcPr/>
+                      <a:tcPr>
+                        <a:lnT w="12700" cap="flat" cmpd="sng" algn="ctr">
+                          <a:solidFill>
+                            <a:schemeClr val="tx1"/>
+                          </a:solidFill>
+                          <a:prstDash val="solid"/>
+                          <a:round/>
+                          <a:headEnd type="none" w="med" len="med"/>
+                          <a:tailEnd type="none" w="med" len="med"/>
+                        </a:lnT>
+                      </a:tcPr>
                     </a:tc>
                     <a:tc>
                       <a:txBody>
@@ -12744,7 +12973,26 @@
                           <a:endParaRPr lang="ko-KR" altLang="en-US" sz="1800" dirty="0"/>
                         </a:p>
                       </a:txBody>
-                      <a:tcPr/>
+                      <a:tcPr>
+                        <a:lnR w="12700" cap="flat" cmpd="sng" algn="ctr">
+                          <a:solidFill>
+                            <a:schemeClr val="tx1"/>
+                          </a:solidFill>
+                          <a:prstDash val="solid"/>
+                          <a:round/>
+                          <a:headEnd type="none" w="med" len="med"/>
+                          <a:tailEnd type="none" w="med" len="med"/>
+                        </a:lnR>
+                        <a:lnT w="12700" cap="flat" cmpd="sng" algn="ctr">
+                          <a:solidFill>
+                            <a:schemeClr val="tx1"/>
+                          </a:solidFill>
+                          <a:prstDash val="solid"/>
+                          <a:round/>
+                          <a:headEnd type="none" w="med" len="med"/>
+                          <a:tailEnd type="none" w="med" len="med"/>
+                        </a:lnT>
+                      </a:tcPr>
                     </a:tc>
                     <a:extLst>
                       <a:ext uri="{0D108BD9-81ED-4DB2-BD59-A6C34878D82A}">
@@ -12759,51 +13007,63 @@
                         <a:lstStyle/>
                         <a:p>
                           <a:pPr algn="ctr" latinLnBrk="1"/>
-                          <a:r>
-                            <a:rPr lang="ko-KR" altLang="en-US" sz="1800" dirty="0"/>
-                            <a:t>엄마의 키</a:t>
-                          </a:r>
-                          <a:r>
-                            <a:rPr lang="en-US" altLang="ko-KR" sz="1800" dirty="0"/>
-                            <a:t>(</a:t>
-                          </a:r>
                           <a14:m>
-                            <m:oMath xmlns:m="http://schemas.openxmlformats.org/officeDocument/2006/math">
-                              <m:sSub>
-                                <m:sSubPr>
-                                  <m:ctrlPr>
-                                    <a:rPr lang="en-US" altLang="ko-KR" sz="1800" i="1" smtClean="0">
-                                      <a:latin typeface="Cambria Math" panose="02040503050406030204" pitchFamily="18" charset="0"/>
-                                    </a:rPr>
-                                  </m:ctrlPr>
-                                </m:sSubPr>
-                                <m:e>
-                                  <m:r>
-                                    <a:rPr lang="en-US" altLang="ko-KR" sz="1800" smtClean="0">
-                                      <a:latin typeface="Cambria Math" panose="02040503050406030204" pitchFamily="18" charset="0"/>
-                                    </a:rPr>
-                                    <m:t>𝑥</m:t>
-                                  </m:r>
-                                </m:e>
-                                <m:sub>
-                                  <m:r>
-                                    <a:rPr lang="en-US" altLang="ko-KR" sz="1800" smtClean="0">
-                                      <a:latin typeface="Cambria Math" panose="02040503050406030204" pitchFamily="18" charset="0"/>
-                                    </a:rPr>
-                                    <m:t>2</m:t>
-                                  </m:r>
-                                </m:sub>
-                              </m:sSub>
-                            </m:oMath>
+                            <m:oMathPara xmlns:m="http://schemas.openxmlformats.org/officeDocument/2006/math">
+                              <m:oMathParaPr>
+                                <m:jc m:val="centerGroup"/>
+                              </m:oMathParaPr>
+                              <m:oMath xmlns:m="http://schemas.openxmlformats.org/officeDocument/2006/math">
+                                <m:sSub>
+                                  <m:sSubPr>
+                                    <m:ctrlPr>
+                                      <a:rPr lang="en-US" altLang="ko-KR" sz="1800" i="1" smtClean="0">
+                                        <a:latin typeface="Cambria Math" panose="02040503050406030204" pitchFamily="18" charset="0"/>
+                                      </a:rPr>
+                                    </m:ctrlPr>
+                                  </m:sSubPr>
+                                  <m:e>
+                                    <m:r>
+                                      <a:rPr lang="en-US" altLang="ko-KR" sz="1800" smtClean="0">
+                                        <a:latin typeface="Cambria Math" panose="02040503050406030204" pitchFamily="18" charset="0"/>
+                                      </a:rPr>
+                                      <m:t>𝑥</m:t>
+                                    </m:r>
+                                  </m:e>
+                                  <m:sub>
+                                    <m:r>
+                                      <a:rPr lang="en-US" altLang="ko-KR" sz="1800" smtClean="0">
+                                        <a:latin typeface="Cambria Math" panose="02040503050406030204" pitchFamily="18" charset="0"/>
+                                      </a:rPr>
+                                      <m:t>2</m:t>
+                                    </m:r>
+                                  </m:sub>
+                                </m:sSub>
+                              </m:oMath>
+                            </m:oMathPara>
                           </a14:m>
-                          <a:r>
-                            <a:rPr lang="en-US" altLang="ko-KR" sz="1800" dirty="0"/>
-                            <a:t>)</a:t>
-                          </a:r>
                           <a:endParaRPr lang="ko-KR" altLang="en-US" sz="1800" dirty="0"/>
                         </a:p>
                       </a:txBody>
-                      <a:tcPr/>
+                      <a:tcPr>
+                        <a:lnL w="12700" cap="flat" cmpd="sng" algn="ctr">
+                          <a:solidFill>
+                            <a:schemeClr val="tx1"/>
+                          </a:solidFill>
+                          <a:prstDash val="solid"/>
+                          <a:round/>
+                          <a:headEnd type="none" w="med" len="med"/>
+                          <a:tailEnd type="none" w="med" len="med"/>
+                        </a:lnL>
+                        <a:lnR w="12700" cap="flat" cmpd="sng" algn="ctr">
+                          <a:solidFill>
+                            <a:schemeClr val="tx1"/>
+                          </a:solidFill>
+                          <a:prstDash val="solid"/>
+                          <a:round/>
+                          <a:headEnd type="none" w="med" len="med"/>
+                          <a:tailEnd type="none" w="med" len="med"/>
+                        </a:lnR>
+                      </a:tcPr>
                     </a:tc>
                     <a:tc>
                       <a:txBody>
@@ -12864,7 +13124,17 @@
                           <a:endParaRPr lang="ko-KR" altLang="en-US" sz="1800" dirty="0"/>
                         </a:p>
                       </a:txBody>
-                      <a:tcPr/>
+                      <a:tcPr>
+                        <a:lnL w="12700" cap="flat" cmpd="sng" algn="ctr">
+                          <a:solidFill>
+                            <a:schemeClr val="tx1"/>
+                          </a:solidFill>
+                          <a:prstDash val="solid"/>
+                          <a:round/>
+                          <a:headEnd type="none" w="med" len="med"/>
+                          <a:tailEnd type="none" w="med" len="med"/>
+                        </a:lnL>
+                      </a:tcPr>
                     </a:tc>
                     <a:tc>
                       <a:txBody>
@@ -12986,7 +13256,17 @@
                           <a:endParaRPr lang="ko-KR" altLang="en-US" sz="1800" dirty="0"/>
                         </a:p>
                       </a:txBody>
-                      <a:tcPr/>
+                      <a:tcPr>
+                        <a:lnR w="12700" cap="flat" cmpd="sng" algn="ctr">
+                          <a:solidFill>
+                            <a:schemeClr val="tx1"/>
+                          </a:solidFill>
+                          <a:prstDash val="solid"/>
+                          <a:round/>
+                          <a:headEnd type="none" w="med" len="med"/>
+                          <a:tailEnd type="none" w="med" len="med"/>
+                        </a:lnR>
+                      </a:tcPr>
                     </a:tc>
                     <a:extLst>
                       <a:ext uri="{0D108BD9-81ED-4DB2-BD59-A6C34878D82A}">
@@ -13001,51 +13281,72 @@
                         <a:lstStyle/>
                         <a:p>
                           <a:pPr algn="ctr" latinLnBrk="1"/>
-                          <a:r>
-                            <a:rPr lang="ko-KR" altLang="en-US" sz="1800" dirty="0"/>
-                            <a:t>가계 소득</a:t>
-                          </a:r>
-                          <a:r>
-                            <a:rPr lang="en-US" altLang="ko-KR" sz="1800" dirty="0"/>
-                            <a:t>(</a:t>
-                          </a:r>
                           <a14:m>
-                            <m:oMath xmlns:m="http://schemas.openxmlformats.org/officeDocument/2006/math">
-                              <m:sSub>
-                                <m:sSubPr>
-                                  <m:ctrlPr>
-                                    <a:rPr lang="en-US" altLang="ko-KR" sz="1800" i="1" smtClean="0">
-                                      <a:latin typeface="Cambria Math" panose="02040503050406030204" pitchFamily="18" charset="0"/>
-                                    </a:rPr>
-                                  </m:ctrlPr>
-                                </m:sSubPr>
-                                <m:e>
-                                  <m:r>
-                                    <a:rPr lang="en-US" altLang="ko-KR" sz="1800" smtClean="0">
-                                      <a:latin typeface="Cambria Math" panose="02040503050406030204" pitchFamily="18" charset="0"/>
-                                    </a:rPr>
-                                    <m:t>𝑥</m:t>
-                                  </m:r>
-                                </m:e>
-                                <m:sub>
-                                  <m:r>
-                                    <a:rPr lang="en-US" altLang="ko-KR" sz="1800" smtClean="0">
-                                      <a:latin typeface="Cambria Math" panose="02040503050406030204" pitchFamily="18" charset="0"/>
-                                    </a:rPr>
-                                    <m:t>3</m:t>
-                                  </m:r>
-                                </m:sub>
-                              </m:sSub>
-                            </m:oMath>
+                            <m:oMathPara xmlns:m="http://schemas.openxmlformats.org/officeDocument/2006/math">
+                              <m:oMathParaPr>
+                                <m:jc m:val="centerGroup"/>
+                              </m:oMathParaPr>
+                              <m:oMath xmlns:m="http://schemas.openxmlformats.org/officeDocument/2006/math">
+                                <m:sSub>
+                                  <m:sSubPr>
+                                    <m:ctrlPr>
+                                      <a:rPr lang="en-US" altLang="ko-KR" sz="1800" i="1" smtClean="0">
+                                        <a:latin typeface="Cambria Math" panose="02040503050406030204" pitchFamily="18" charset="0"/>
+                                      </a:rPr>
+                                    </m:ctrlPr>
+                                  </m:sSubPr>
+                                  <m:e>
+                                    <m:r>
+                                      <a:rPr lang="en-US" altLang="ko-KR" sz="1800" smtClean="0">
+                                        <a:latin typeface="Cambria Math" panose="02040503050406030204" pitchFamily="18" charset="0"/>
+                                      </a:rPr>
+                                      <m:t>𝑥</m:t>
+                                    </m:r>
+                                  </m:e>
+                                  <m:sub>
+                                    <m:r>
+                                      <a:rPr lang="en-US" altLang="ko-KR" sz="1800" smtClean="0">
+                                        <a:latin typeface="Cambria Math" panose="02040503050406030204" pitchFamily="18" charset="0"/>
+                                      </a:rPr>
+                                      <m:t>3</m:t>
+                                    </m:r>
+                                  </m:sub>
+                                </m:sSub>
+                              </m:oMath>
+                            </m:oMathPara>
                           </a14:m>
-                          <a:r>
-                            <a:rPr lang="en-US" altLang="ko-KR" sz="1800" dirty="0"/>
-                            <a:t>)</a:t>
-                          </a:r>
                           <a:endParaRPr lang="ko-KR" altLang="en-US" sz="1800" dirty="0"/>
                         </a:p>
                       </a:txBody>
-                      <a:tcPr/>
+                      <a:tcPr>
+                        <a:lnL w="12700" cap="flat" cmpd="sng" algn="ctr">
+                          <a:solidFill>
+                            <a:schemeClr val="tx1"/>
+                          </a:solidFill>
+                          <a:prstDash val="solid"/>
+                          <a:round/>
+                          <a:headEnd type="none" w="med" len="med"/>
+                          <a:tailEnd type="none" w="med" len="med"/>
+                        </a:lnL>
+                        <a:lnR w="12700" cap="flat" cmpd="sng" algn="ctr">
+                          <a:solidFill>
+                            <a:schemeClr val="tx1"/>
+                          </a:solidFill>
+                          <a:prstDash val="solid"/>
+                          <a:round/>
+                          <a:headEnd type="none" w="med" len="med"/>
+                          <a:tailEnd type="none" w="med" len="med"/>
+                        </a:lnR>
+                        <a:lnB w="12700" cap="flat" cmpd="sng" algn="ctr">
+                          <a:solidFill>
+                            <a:schemeClr val="tx1"/>
+                          </a:solidFill>
+                          <a:prstDash val="solid"/>
+                          <a:round/>
+                          <a:headEnd type="none" w="med" len="med"/>
+                          <a:tailEnd type="none" w="med" len="med"/>
+                        </a:lnB>
+                      </a:tcPr>
                     </a:tc>
                     <a:tc>
                       <a:txBody>
@@ -13106,7 +13407,26 @@
                           <a:endParaRPr lang="ko-KR" altLang="en-US" sz="1800" dirty="0"/>
                         </a:p>
                       </a:txBody>
-                      <a:tcPr/>
+                      <a:tcPr>
+                        <a:lnL w="12700" cap="flat" cmpd="sng" algn="ctr">
+                          <a:solidFill>
+                            <a:schemeClr val="tx1"/>
+                          </a:solidFill>
+                          <a:prstDash val="solid"/>
+                          <a:round/>
+                          <a:headEnd type="none" w="med" len="med"/>
+                          <a:tailEnd type="none" w="med" len="med"/>
+                        </a:lnL>
+                        <a:lnB w="12700" cap="flat" cmpd="sng" algn="ctr">
+                          <a:solidFill>
+                            <a:schemeClr val="tx1"/>
+                          </a:solidFill>
+                          <a:prstDash val="solid"/>
+                          <a:round/>
+                          <a:headEnd type="none" w="med" len="med"/>
+                          <a:tailEnd type="none" w="med" len="med"/>
+                        </a:lnB>
+                      </a:tcPr>
                     </a:tc>
                     <a:tc>
                       <a:txBody>
@@ -13151,7 +13471,17 @@
                           <a:endParaRPr lang="ko-KR" altLang="en-US" sz="1800" dirty="0"/>
                         </a:p>
                       </a:txBody>
-                      <a:tcPr/>
+                      <a:tcPr>
+                        <a:lnB w="12700" cap="flat" cmpd="sng" algn="ctr">
+                          <a:solidFill>
+                            <a:schemeClr val="tx1"/>
+                          </a:solidFill>
+                          <a:prstDash val="solid"/>
+                          <a:round/>
+                          <a:headEnd type="none" w="med" len="med"/>
+                          <a:tailEnd type="none" w="med" len="med"/>
+                        </a:lnB>
+                      </a:tcPr>
                     </a:tc>
                     <a:tc>
                       <a:txBody>
@@ -13177,7 +13507,17 @@
                           <a:endParaRPr lang="ko-KR" altLang="en-US" sz="1800" dirty="0"/>
                         </a:p>
                       </a:txBody>
-                      <a:tcPr/>
+                      <a:tcPr>
+                        <a:lnB w="12700" cap="flat" cmpd="sng" algn="ctr">
+                          <a:solidFill>
+                            <a:schemeClr val="tx1"/>
+                          </a:solidFill>
+                          <a:prstDash val="solid"/>
+                          <a:round/>
+                          <a:headEnd type="none" w="med" len="med"/>
+                          <a:tailEnd type="none" w="med" len="med"/>
+                        </a:lnB>
+                      </a:tcPr>
                     </a:tc>
                     <a:tc>
                       <a:txBody>
@@ -13228,7 +13568,26 @@
                           <a:endParaRPr lang="ko-KR" altLang="en-US" sz="1800" dirty="0"/>
                         </a:p>
                       </a:txBody>
-                      <a:tcPr/>
+                      <a:tcPr>
+                        <a:lnR w="12700" cap="flat" cmpd="sng" algn="ctr">
+                          <a:solidFill>
+                            <a:schemeClr val="tx1"/>
+                          </a:solidFill>
+                          <a:prstDash val="solid"/>
+                          <a:round/>
+                          <a:headEnd type="none" w="med" len="med"/>
+                          <a:tailEnd type="none" w="med" len="med"/>
+                        </a:lnR>
+                        <a:lnB w="12700" cap="flat" cmpd="sng" algn="ctr">
+                          <a:solidFill>
+                            <a:schemeClr val="tx1"/>
+                          </a:solidFill>
+                          <a:prstDash val="solid"/>
+                          <a:round/>
+                          <a:headEnd type="none" w="med" len="med"/>
+                          <a:tailEnd type="none" w="med" len="med"/>
+                        </a:lnB>
+                      </a:tcPr>
                     </a:tc>
                     <a:extLst>
                       <a:ext uri="{0D108BD9-81ED-4DB2-BD59-A6C34878D82A}">
@@ -13243,51 +13602,81 @@
                         <a:lstStyle/>
                         <a:p>
                           <a:pPr algn="ctr" latinLnBrk="1"/>
-                          <a:r>
-                            <a:rPr lang="ko-KR" altLang="en-US" sz="1800" dirty="0"/>
-                            <a:t>아들의 키</a:t>
-                          </a:r>
-                          <a:r>
-                            <a:rPr lang="en-US" altLang="ko-KR" sz="1800" dirty="0"/>
-                            <a:t>(</a:t>
-                          </a:r>
                           <a14:m>
-                            <m:oMath xmlns:m="http://schemas.openxmlformats.org/officeDocument/2006/math">
-                              <m:sSub>
-                                <m:sSubPr>
-                                  <m:ctrlPr>
-                                    <a:rPr lang="en-US" altLang="ko-KR" sz="1800" i="1" smtClean="0">
-                                      <a:latin typeface="Cambria Math" panose="02040503050406030204" pitchFamily="18" charset="0"/>
-                                    </a:rPr>
-                                  </m:ctrlPr>
-                                </m:sSubPr>
-                                <m:e>
-                                  <m:r>
-                                    <a:rPr lang="en-US" altLang="ko-KR" sz="1800" smtClean="0">
-                                      <a:latin typeface="Cambria Math" panose="02040503050406030204" pitchFamily="18" charset="0"/>
-                                    </a:rPr>
-                                    <m:t>𝑦</m:t>
-                                  </m:r>
-                                </m:e>
-                                <m:sub>
-                                  <m:r>
-                                    <a:rPr lang="en-US" altLang="ko-KR" sz="1800" smtClean="0">
-                                      <a:latin typeface="Cambria Math" panose="02040503050406030204" pitchFamily="18" charset="0"/>
-                                    </a:rPr>
-                                    <m:t>1</m:t>
-                                  </m:r>
-                                </m:sub>
-                              </m:sSub>
-                            </m:oMath>
+                            <m:oMathPara xmlns:m="http://schemas.openxmlformats.org/officeDocument/2006/math">
+                              <m:oMathParaPr>
+                                <m:jc m:val="centerGroup"/>
+                              </m:oMathParaPr>
+                              <m:oMath xmlns:m="http://schemas.openxmlformats.org/officeDocument/2006/math">
+                                <m:sSub>
+                                  <m:sSubPr>
+                                    <m:ctrlPr>
+                                      <a:rPr lang="en-US" altLang="ko-KR" sz="1800" i="1" smtClean="0">
+                                        <a:latin typeface="Cambria Math" panose="02040503050406030204" pitchFamily="18" charset="0"/>
+                                      </a:rPr>
+                                    </m:ctrlPr>
+                                  </m:sSubPr>
+                                  <m:e>
+                                    <m:r>
+                                      <a:rPr lang="en-US" altLang="ko-KR" sz="1800" smtClean="0">
+                                        <a:latin typeface="Cambria Math" panose="02040503050406030204" pitchFamily="18" charset="0"/>
+                                      </a:rPr>
+                                      <m:t>𝑦</m:t>
+                                    </m:r>
+                                  </m:e>
+                                  <m:sub>
+                                    <m:r>
+                                      <a:rPr lang="en-US" altLang="ko-KR" sz="1800" smtClean="0">
+                                        <a:latin typeface="Cambria Math" panose="02040503050406030204" pitchFamily="18" charset="0"/>
+                                      </a:rPr>
+                                      <m:t>1</m:t>
+                                    </m:r>
+                                  </m:sub>
+                                </m:sSub>
+                              </m:oMath>
+                            </m:oMathPara>
                           </a14:m>
-                          <a:r>
-                            <a:rPr lang="en-US" altLang="ko-KR" sz="1800" dirty="0"/>
-                            <a:t>)</a:t>
-                          </a:r>
                           <a:endParaRPr lang="ko-KR" altLang="en-US" sz="1800" dirty="0"/>
                         </a:p>
                       </a:txBody>
-                      <a:tcPr/>
+                      <a:tcPr>
+                        <a:lnL w="12700" cap="flat" cmpd="sng" algn="ctr">
+                          <a:solidFill>
+                            <a:schemeClr val="tx1"/>
+                          </a:solidFill>
+                          <a:prstDash val="solid"/>
+                          <a:round/>
+                          <a:headEnd type="none" w="med" len="med"/>
+                          <a:tailEnd type="none" w="med" len="med"/>
+                        </a:lnL>
+                        <a:lnR w="12700" cap="flat" cmpd="sng" algn="ctr">
+                          <a:solidFill>
+                            <a:schemeClr val="tx1"/>
+                          </a:solidFill>
+                          <a:prstDash val="solid"/>
+                          <a:round/>
+                          <a:headEnd type="none" w="med" len="med"/>
+                          <a:tailEnd type="none" w="med" len="med"/>
+                        </a:lnR>
+                        <a:lnT w="12700" cap="flat" cmpd="sng" algn="ctr">
+                          <a:solidFill>
+                            <a:schemeClr val="tx1"/>
+                          </a:solidFill>
+                          <a:prstDash val="solid"/>
+                          <a:round/>
+                          <a:headEnd type="none" w="med" len="med"/>
+                          <a:tailEnd type="none" w="med" len="med"/>
+                        </a:lnT>
+                        <a:lnB w="12700" cap="flat" cmpd="sng" algn="ctr">
+                          <a:solidFill>
+                            <a:schemeClr val="tx1"/>
+                          </a:solidFill>
+                          <a:prstDash val="solid"/>
+                          <a:round/>
+                          <a:headEnd type="none" w="med" len="med"/>
+                          <a:tailEnd type="none" w="med" len="med"/>
+                        </a:lnB>
+                      </a:tcPr>
                     </a:tc>
                     <a:tc>
                       <a:txBody>
@@ -13348,7 +13737,35 @@
                           <a:endParaRPr lang="ko-KR" altLang="en-US" sz="1800" dirty="0"/>
                         </a:p>
                       </a:txBody>
-                      <a:tcPr/>
+                      <a:tcPr>
+                        <a:lnL w="12700" cap="flat" cmpd="sng" algn="ctr">
+                          <a:solidFill>
+                            <a:schemeClr val="tx1"/>
+                          </a:solidFill>
+                          <a:prstDash val="solid"/>
+                          <a:round/>
+                          <a:headEnd type="none" w="med" len="med"/>
+                          <a:tailEnd type="none" w="med" len="med"/>
+                        </a:lnL>
+                        <a:lnT w="12700" cap="flat" cmpd="sng" algn="ctr">
+                          <a:solidFill>
+                            <a:schemeClr val="tx1"/>
+                          </a:solidFill>
+                          <a:prstDash val="solid"/>
+                          <a:round/>
+                          <a:headEnd type="none" w="med" len="med"/>
+                          <a:tailEnd type="none" w="med" len="med"/>
+                        </a:lnT>
+                        <a:lnB w="12700" cap="flat" cmpd="sng" algn="ctr">
+                          <a:solidFill>
+                            <a:schemeClr val="tx1"/>
+                          </a:solidFill>
+                          <a:prstDash val="solid"/>
+                          <a:round/>
+                          <a:headEnd type="none" w="med" len="med"/>
+                          <a:tailEnd type="none" w="med" len="med"/>
+                        </a:lnB>
+                      </a:tcPr>
                     </a:tc>
                     <a:tc>
                       <a:txBody>
@@ -13393,7 +13810,26 @@
                           <a:endParaRPr lang="ko-KR" altLang="en-US" sz="1800" dirty="0"/>
                         </a:p>
                       </a:txBody>
-                      <a:tcPr/>
+                      <a:tcPr>
+                        <a:lnT w="12700" cap="flat" cmpd="sng" algn="ctr">
+                          <a:solidFill>
+                            <a:schemeClr val="tx1"/>
+                          </a:solidFill>
+                          <a:prstDash val="solid"/>
+                          <a:round/>
+                          <a:headEnd type="none" w="med" len="med"/>
+                          <a:tailEnd type="none" w="med" len="med"/>
+                        </a:lnT>
+                        <a:lnB w="12700" cap="flat" cmpd="sng" algn="ctr">
+                          <a:solidFill>
+                            <a:schemeClr val="tx1"/>
+                          </a:solidFill>
+                          <a:prstDash val="solid"/>
+                          <a:round/>
+                          <a:headEnd type="none" w="med" len="med"/>
+                          <a:tailEnd type="none" w="med" len="med"/>
+                        </a:lnB>
+                      </a:tcPr>
                     </a:tc>
                     <a:tc>
                       <a:txBody>
@@ -13419,7 +13855,26 @@
                           <a:endParaRPr lang="ko-KR" altLang="en-US" sz="1800" dirty="0"/>
                         </a:p>
                       </a:txBody>
-                      <a:tcPr/>
+                      <a:tcPr>
+                        <a:lnT w="12700" cap="flat" cmpd="sng" algn="ctr">
+                          <a:solidFill>
+                            <a:schemeClr val="tx1"/>
+                          </a:solidFill>
+                          <a:prstDash val="solid"/>
+                          <a:round/>
+                          <a:headEnd type="none" w="med" len="med"/>
+                          <a:tailEnd type="none" w="med" len="med"/>
+                        </a:lnT>
+                        <a:lnB w="12700" cap="flat" cmpd="sng" algn="ctr">
+                          <a:solidFill>
+                            <a:schemeClr val="tx1"/>
+                          </a:solidFill>
+                          <a:prstDash val="solid"/>
+                          <a:round/>
+                          <a:headEnd type="none" w="med" len="med"/>
+                          <a:tailEnd type="none" w="med" len="med"/>
+                        </a:lnB>
+                      </a:tcPr>
                     </a:tc>
                     <a:tc>
                       <a:txBody>
@@ -13470,7 +13925,35 @@
                           <a:endParaRPr lang="ko-KR" altLang="en-US" sz="1800" dirty="0"/>
                         </a:p>
                       </a:txBody>
-                      <a:tcPr/>
+                      <a:tcPr>
+                        <a:lnR w="12700" cap="flat" cmpd="sng" algn="ctr">
+                          <a:solidFill>
+                            <a:schemeClr val="tx1"/>
+                          </a:solidFill>
+                          <a:prstDash val="solid"/>
+                          <a:round/>
+                          <a:headEnd type="none" w="med" len="med"/>
+                          <a:tailEnd type="none" w="med" len="med"/>
+                        </a:lnR>
+                        <a:lnT w="12700" cap="flat" cmpd="sng" algn="ctr">
+                          <a:solidFill>
+                            <a:schemeClr val="tx1"/>
+                          </a:solidFill>
+                          <a:prstDash val="solid"/>
+                          <a:round/>
+                          <a:headEnd type="none" w="med" len="med"/>
+                          <a:tailEnd type="none" w="med" len="med"/>
+                        </a:lnT>
+                        <a:lnB w="12700" cap="flat" cmpd="sng" algn="ctr">
+                          <a:solidFill>
+                            <a:schemeClr val="tx1"/>
+                          </a:solidFill>
+                          <a:prstDash val="solid"/>
+                          <a:round/>
+                          <a:headEnd type="none" w="med" len="med"/>
+                          <a:tailEnd type="none" w="med" len="med"/>
+                        </a:lnB>
+                      </a:tcPr>
                     </a:tc>
                     <a:extLst>
                       <a:ext uri="{0D108BD9-81ED-4DB2-BD59-A6C34878D82A}">
@@ -13483,7 +13966,7 @@
             </a:graphic>
           </p:graphicFrame>
         </mc:Choice>
-        <mc:Fallback xmlns="">
+        <mc:Fallback>
           <p:graphicFrame>
             <p:nvGraphicFramePr>
               <p:cNvPr id="4" name="표 3">
@@ -13499,7 +13982,7 @@
               <p:nvPr>
                 <p:extLst>
                   <p:ext uri="{D42A27DB-BD31-4B8C-83A1-F6EECF244321}">
-                    <p14:modId xmlns:p14="http://schemas.microsoft.com/office/powerpoint/2010/main" val="2402067445"/>
+                    <p14:modId xmlns:p14="http://schemas.microsoft.com/office/powerpoint/2010/main" val="1074987204"/>
                   </p:ext>
                 </p:extLst>
               </p:nvPr>
@@ -13515,35 +13998,35 @@
                     <a:tableStyleId>{93296810-A885-4BE3-A3E7-6D5BEEA58F35}</a:tableStyleId>
                   </a:tblPr>
                   <a:tblGrid>
-                    <a:gridCol w="1840345">
+                    <a:gridCol w="1323109">
                       <a:extLst>
                         <a:ext uri="{9D8B030D-6E8A-4147-A177-3AD203B41FA5}">
                           <a16:colId xmlns:a16="http://schemas.microsoft.com/office/drawing/2014/main" val="1446921711"/>
                         </a:ext>
                       </a:extLst>
                     </a:gridCol>
-                    <a:gridCol w="1193800">
+                    <a:gridCol w="1323109">
                       <a:extLst>
                         <a:ext uri="{9D8B030D-6E8A-4147-A177-3AD203B41FA5}">
                           <a16:colId xmlns:a16="http://schemas.microsoft.com/office/drawing/2014/main" val="875023915"/>
                         </a:ext>
                       </a:extLst>
                     </a:gridCol>
-                    <a:gridCol w="1193800">
+                    <a:gridCol w="1323109">
                       <a:extLst>
                         <a:ext uri="{9D8B030D-6E8A-4147-A177-3AD203B41FA5}">
                           <a16:colId xmlns:a16="http://schemas.microsoft.com/office/drawing/2014/main" val="3664160713"/>
                         </a:ext>
                       </a:extLst>
                     </a:gridCol>
-                    <a:gridCol w="1193800">
+                    <a:gridCol w="1323109">
                       <a:extLst>
                         <a:ext uri="{9D8B030D-6E8A-4147-A177-3AD203B41FA5}">
                           <a16:colId xmlns:a16="http://schemas.microsoft.com/office/drawing/2014/main" val="2010936161"/>
                         </a:ext>
                       </a:extLst>
                     </a:gridCol>
-                    <a:gridCol w="1193800">
+                    <a:gridCol w="1323109">
                       <a:extLst>
                         <a:ext uri="{9D8B030D-6E8A-4147-A177-3AD203B41FA5}">
                           <a16:colId xmlns:a16="http://schemas.microsoft.com/office/drawing/2014/main" val="1891897070"/>
@@ -13561,10 +14044,37 @@
                         </a:p>
                       </a:txBody>
                       <a:tcPr>
+                        <a:lnL w="12700" cap="flat" cmpd="sng" algn="ctr">
+                          <a:solidFill>
+                            <a:schemeClr val="tx1"/>
+                          </a:solidFill>
+                          <a:prstDash val="solid"/>
+                          <a:round/>
+                          <a:headEnd type="none" w="med" len="med"/>
+                          <a:tailEnd type="none" w="med" len="med"/>
+                        </a:lnL>
+                        <a:lnR w="12700" cap="flat" cmpd="sng" algn="ctr">
+                          <a:solidFill>
+                            <a:schemeClr val="tx1"/>
+                          </a:solidFill>
+                          <a:prstDash val="solid"/>
+                          <a:round/>
+                          <a:headEnd type="none" w="med" len="med"/>
+                          <a:tailEnd type="none" w="med" len="med"/>
+                        </a:lnR>
+                        <a:lnT w="12700" cap="flat" cmpd="sng" algn="ctr">
+                          <a:solidFill>
+                            <a:schemeClr val="tx1"/>
+                          </a:solidFill>
+                          <a:prstDash val="solid"/>
+                          <a:round/>
+                          <a:headEnd type="none" w="med" len="med"/>
+                          <a:tailEnd type="none" w="med" len="med"/>
+                        </a:lnT>
                         <a:blipFill>
                           <a:blip r:embed="rId3"/>
                           <a:stretch>
-                            <a:fillRect l="-331" t="-8333" r="-260596" b="-326667"/>
+                            <a:fillRect l="-461" t="-1667" r="-401843" b="-311667"/>
                           </a:stretch>
                         </a:blipFill>
                       </a:tcPr>
@@ -13578,10 +14088,28 @@
                         </a:p>
                       </a:txBody>
                       <a:tcPr>
+                        <a:lnL w="12700" cap="flat" cmpd="sng" algn="ctr">
+                          <a:solidFill>
+                            <a:schemeClr val="tx1"/>
+                          </a:solidFill>
+                          <a:prstDash val="solid"/>
+                          <a:round/>
+                          <a:headEnd type="none" w="med" len="med"/>
+                          <a:tailEnd type="none" w="med" len="med"/>
+                        </a:lnL>
+                        <a:lnT w="12700" cap="flat" cmpd="sng" algn="ctr">
+                          <a:solidFill>
+                            <a:schemeClr val="tx1"/>
+                          </a:solidFill>
+                          <a:prstDash val="solid"/>
+                          <a:round/>
+                          <a:headEnd type="none" w="med" len="med"/>
+                          <a:tailEnd type="none" w="med" len="med"/>
+                        </a:lnT>
                         <a:blipFill>
                           <a:blip r:embed="rId3"/>
                           <a:stretch>
-                            <a:fillRect l="-153807" t="-8333" r="-299492" b="-326667"/>
+                            <a:fillRect l="-100000" t="-1667" r="-300000" b="-311667"/>
                           </a:stretch>
                         </a:blipFill>
                       </a:tcPr>
@@ -13595,10 +14123,19 @@
                         </a:p>
                       </a:txBody>
                       <a:tcPr>
+                        <a:lnT w="12700" cap="flat" cmpd="sng" algn="ctr">
+                          <a:solidFill>
+                            <a:schemeClr val="tx1"/>
+                          </a:solidFill>
+                          <a:prstDash val="solid"/>
+                          <a:round/>
+                          <a:headEnd type="none" w="med" len="med"/>
+                          <a:tailEnd type="none" w="med" len="med"/>
+                        </a:lnT>
                         <a:blipFill>
                           <a:blip r:embed="rId3"/>
                           <a:stretch>
-                            <a:fillRect l="-255102" t="-8333" r="-201020" b="-326667"/>
+                            <a:fillRect l="-200922" t="-1667" r="-201382" b="-311667"/>
                           </a:stretch>
                         </a:blipFill>
                       </a:tcPr>
@@ -13612,10 +14149,19 @@
                         </a:p>
                       </a:txBody>
                       <a:tcPr>
+                        <a:lnT w="12700" cap="flat" cmpd="sng" algn="ctr">
+                          <a:solidFill>
+                            <a:schemeClr val="tx1"/>
+                          </a:solidFill>
+                          <a:prstDash val="solid"/>
+                          <a:round/>
+                          <a:headEnd type="none" w="med" len="med"/>
+                          <a:tailEnd type="none" w="med" len="med"/>
+                        </a:lnT>
                         <a:blipFill>
                           <a:blip r:embed="rId3"/>
                           <a:stretch>
-                            <a:fillRect l="-355102" t="-8333" r="-101020" b="-326667"/>
+                            <a:fillRect l="-299541" t="-1667" r="-100459" b="-311667"/>
                           </a:stretch>
                         </a:blipFill>
                       </a:tcPr>
@@ -13629,10 +14175,28 @@
                         </a:p>
                       </a:txBody>
                       <a:tcPr>
+                        <a:lnR w="12700" cap="flat" cmpd="sng" algn="ctr">
+                          <a:solidFill>
+                            <a:schemeClr val="tx1"/>
+                          </a:solidFill>
+                          <a:prstDash val="solid"/>
+                          <a:round/>
+                          <a:headEnd type="none" w="med" len="med"/>
+                          <a:tailEnd type="none" w="med" len="med"/>
+                        </a:lnR>
+                        <a:lnT w="12700" cap="flat" cmpd="sng" algn="ctr">
+                          <a:solidFill>
+                            <a:schemeClr val="tx1"/>
+                          </a:solidFill>
+                          <a:prstDash val="solid"/>
+                          <a:round/>
+                          <a:headEnd type="none" w="med" len="med"/>
+                          <a:tailEnd type="none" w="med" len="med"/>
+                        </a:lnT>
                         <a:blipFill>
                           <a:blip r:embed="rId3"/>
                           <a:stretch>
-                            <a:fillRect l="-455102" t="-8333" r="-1020" b="-326667"/>
+                            <a:fillRect l="-401382" t="-1667" r="-922" b="-311667"/>
                           </a:stretch>
                         </a:blipFill>
                       </a:tcPr>
@@ -13653,10 +14217,54 @@
                         </a:p>
                       </a:txBody>
                       <a:tcPr>
+                        <a:lnL w="12700" cap="flat" cmpd="sng" algn="ctr">
+                          <a:solidFill>
+                            <a:schemeClr val="tx1"/>
+                          </a:solidFill>
+                          <a:prstDash val="solid"/>
+                          <a:round/>
+                          <a:headEnd type="none" w="med" len="med"/>
+                          <a:tailEnd type="none" w="med" len="med"/>
+                        </a:lnL>
+                        <a:lnR w="12700" cap="flat" cmpd="sng" algn="ctr">
+                          <a:solidFill>
+                            <a:schemeClr val="tx1"/>
+                          </a:solidFill>
+                          <a:prstDash val="solid"/>
+                          <a:round/>
+                          <a:headEnd type="none" w="med" len="med"/>
+                          <a:tailEnd type="none" w="med" len="med"/>
+                        </a:lnR>
                         <a:blipFill>
                           <a:blip r:embed="rId3"/>
                           <a:stretch>
-                            <a:fillRect l="-331" t="-106557" r="-260596" b="-221311"/>
+                            <a:fillRect l="-461" t="-100000" r="-401843" b="-206557"/>
+                          </a:stretch>
+                        </a:blipFill>
+                      </a:tcPr>
+                    </a:tc>
+                    <a:tc>
+                      <a:txBody>
+                        <a:bodyPr/>
+                        <a:lstStyle/>
+                        <a:p>
+                          <a:endParaRPr lang="ko-KR"/>
+                        </a:p>
+                      </a:txBody>
+                      <a:tcPr>
+                        <a:lnL w="12700" cap="flat" cmpd="sng" algn="ctr">
+                          <a:solidFill>
+                            <a:schemeClr val="tx1"/>
+                          </a:solidFill>
+                          <a:prstDash val="solid"/>
+                          <a:round/>
+                          <a:headEnd type="none" w="med" len="med"/>
+                          <a:tailEnd type="none" w="med" len="med"/>
+                        </a:lnL>
+                        <a:blipFill>
+                          <a:blip r:embed="rId3"/>
+                          <a:stretch>
+                            <a:fillRect l="-100000" t="-100000" r="-300000" b="-206557"/>
                           </a:stretch>
                         </a:blipFill>
                       </a:tcPr>
@@ -13673,7 +14281,7 @@
                         <a:blipFill>
                           <a:blip r:embed="rId3"/>
                           <a:stretch>
-                            <a:fillRect l="-153807" t="-106557" r="-299492" b="-221311"/>
+                            <a:fillRect l="-200922" t="-100000" r="-201382" b="-206557"/>
                           </a:stretch>
                         </a:blipFill>
                       </a:tcPr>
@@ -13690,7 +14298,7 @@
                         <a:blipFill>
                           <a:blip r:embed="rId3"/>
                           <a:stretch>
-                            <a:fillRect l="-255102" t="-106557" r="-201020" b="-221311"/>
+                            <a:fillRect l="-299541" t="-100000" r="-100459" b="-206557"/>
                           </a:stretch>
                         </a:blipFill>
                       </a:tcPr>
@@ -13704,27 +14312,19 @@
                         </a:p>
                       </a:txBody>
                       <a:tcPr>
+                        <a:lnR w="12700" cap="flat" cmpd="sng" algn="ctr">
+                          <a:solidFill>
+                            <a:schemeClr val="tx1"/>
+                          </a:solidFill>
+                          <a:prstDash val="solid"/>
+                          <a:round/>
+                          <a:headEnd type="none" w="med" len="med"/>
+                          <a:tailEnd type="none" w="med" len="med"/>
+                        </a:lnR>
                         <a:blipFill>
                           <a:blip r:embed="rId3"/>
                           <a:stretch>
-                            <a:fillRect l="-355102" t="-106557" r="-101020" b="-221311"/>
-                          </a:stretch>
-                        </a:blipFill>
-                      </a:tcPr>
-                    </a:tc>
-                    <a:tc>
-                      <a:txBody>
-                        <a:bodyPr/>
-                        <a:lstStyle/>
-                        <a:p>
-                          <a:endParaRPr lang="ko-KR"/>
-                        </a:p>
-                      </a:txBody>
-                      <a:tcPr>
-                        <a:blipFill>
-                          <a:blip r:embed="rId3"/>
-                          <a:stretch>
-                            <a:fillRect l="-455102" t="-106557" r="-1020" b="-221311"/>
+                            <a:fillRect l="-401382" t="-100000" r="-922" b="-206557"/>
                           </a:stretch>
                         </a:blipFill>
                       </a:tcPr>
@@ -13745,10 +14345,37 @@
                         </a:p>
                       </a:txBody>
                       <a:tcPr>
+                        <a:lnL w="12700" cap="flat" cmpd="sng" algn="ctr">
+                          <a:solidFill>
+                            <a:schemeClr val="tx1"/>
+                          </a:solidFill>
+                          <a:prstDash val="solid"/>
+                          <a:round/>
+                          <a:headEnd type="none" w="med" len="med"/>
+                          <a:tailEnd type="none" w="med" len="med"/>
+                        </a:lnL>
+                        <a:lnR w="12700" cap="flat" cmpd="sng" algn="ctr">
+                          <a:solidFill>
+                            <a:schemeClr val="tx1"/>
+                          </a:solidFill>
+                          <a:prstDash val="solid"/>
+                          <a:round/>
+                          <a:headEnd type="none" w="med" len="med"/>
+                          <a:tailEnd type="none" w="med" len="med"/>
+                        </a:lnR>
+                        <a:lnB w="12700" cap="flat" cmpd="sng" algn="ctr">
+                          <a:solidFill>
+                            <a:schemeClr val="tx1"/>
+                          </a:solidFill>
+                          <a:prstDash val="solid"/>
+                          <a:round/>
+                          <a:headEnd type="none" w="med" len="med"/>
+                          <a:tailEnd type="none" w="med" len="med"/>
+                        </a:lnB>
                         <a:blipFill>
                           <a:blip r:embed="rId3"/>
                           <a:stretch>
-                            <a:fillRect l="-331" t="-210000" r="-260596" b="-125000"/>
+                            <a:fillRect l="-461" t="-203333" r="-401843" b="-110000"/>
                           </a:stretch>
                         </a:blipFill>
                       </a:tcPr>
@@ -13762,10 +14389,28 @@
                         </a:p>
                       </a:txBody>
                       <a:tcPr>
+                        <a:lnL w="12700" cap="flat" cmpd="sng" algn="ctr">
+                          <a:solidFill>
+                            <a:schemeClr val="tx1"/>
+                          </a:solidFill>
+                          <a:prstDash val="solid"/>
+                          <a:round/>
+                          <a:headEnd type="none" w="med" len="med"/>
+                          <a:tailEnd type="none" w="med" len="med"/>
+                        </a:lnL>
+                        <a:lnB w="12700" cap="flat" cmpd="sng" algn="ctr">
+                          <a:solidFill>
+                            <a:schemeClr val="tx1"/>
+                          </a:solidFill>
+                          <a:prstDash val="solid"/>
+                          <a:round/>
+                          <a:headEnd type="none" w="med" len="med"/>
+                          <a:tailEnd type="none" w="med" len="med"/>
+                        </a:lnB>
                         <a:blipFill>
                           <a:blip r:embed="rId3"/>
                           <a:stretch>
-                            <a:fillRect l="-153807" t="-210000" r="-299492" b="-125000"/>
+                            <a:fillRect l="-100000" t="-203333" r="-300000" b="-110000"/>
                           </a:stretch>
                         </a:blipFill>
                       </a:tcPr>
@@ -13779,10 +14424,19 @@
                         </a:p>
                       </a:txBody>
                       <a:tcPr>
+                        <a:lnB w="12700" cap="flat" cmpd="sng" algn="ctr">
+                          <a:solidFill>
+                            <a:schemeClr val="tx1"/>
+                          </a:solidFill>
+                          <a:prstDash val="solid"/>
+                          <a:round/>
+                          <a:headEnd type="none" w="med" len="med"/>
+                          <a:tailEnd type="none" w="med" len="med"/>
+                        </a:lnB>
                         <a:blipFill>
                           <a:blip r:embed="rId3"/>
                           <a:stretch>
-                            <a:fillRect l="-255102" t="-210000" r="-201020" b="-125000"/>
+                            <a:fillRect l="-200922" t="-203333" r="-201382" b="-110000"/>
                           </a:stretch>
                         </a:blipFill>
                       </a:tcPr>
@@ -13796,10 +14450,19 @@
                         </a:p>
                       </a:txBody>
                       <a:tcPr>
+                        <a:lnB w="12700" cap="flat" cmpd="sng" algn="ctr">
+                          <a:solidFill>
+                            <a:schemeClr val="tx1"/>
+                          </a:solidFill>
+                          <a:prstDash val="solid"/>
+                          <a:round/>
+                          <a:headEnd type="none" w="med" len="med"/>
+                          <a:tailEnd type="none" w="med" len="med"/>
+                        </a:lnB>
                         <a:blipFill>
                           <a:blip r:embed="rId3"/>
                           <a:stretch>
-                            <a:fillRect l="-355102" t="-210000" r="-101020" b="-125000"/>
+                            <a:fillRect l="-299541" t="-203333" r="-100459" b="-110000"/>
                           </a:stretch>
                         </a:blipFill>
                       </a:tcPr>
@@ -13813,10 +14476,28 @@
                         </a:p>
                       </a:txBody>
                       <a:tcPr>
+                        <a:lnR w="12700" cap="flat" cmpd="sng" algn="ctr">
+                          <a:solidFill>
+                            <a:schemeClr val="tx1"/>
+                          </a:solidFill>
+                          <a:prstDash val="solid"/>
+                          <a:round/>
+                          <a:headEnd type="none" w="med" len="med"/>
+                          <a:tailEnd type="none" w="med" len="med"/>
+                        </a:lnR>
+                        <a:lnB w="12700" cap="flat" cmpd="sng" algn="ctr">
+                          <a:solidFill>
+                            <a:schemeClr val="tx1"/>
+                          </a:solidFill>
+                          <a:prstDash val="solid"/>
+                          <a:round/>
+                          <a:headEnd type="none" w="med" len="med"/>
+                          <a:tailEnd type="none" w="med" len="med"/>
+                        </a:lnB>
                         <a:blipFill>
                           <a:blip r:embed="rId3"/>
                           <a:stretch>
-                            <a:fillRect l="-455102" t="-210000" r="-1020" b="-125000"/>
+                            <a:fillRect l="-401382" t="-203333" r="-922" b="-110000"/>
                           </a:stretch>
                         </a:blipFill>
                       </a:tcPr>
@@ -13837,10 +14518,46 @@
                         </a:p>
                       </a:txBody>
                       <a:tcPr>
+                        <a:lnL w="12700" cap="flat" cmpd="sng" algn="ctr">
+                          <a:solidFill>
+                            <a:schemeClr val="tx1"/>
+                          </a:solidFill>
+                          <a:prstDash val="solid"/>
+                          <a:round/>
+                          <a:headEnd type="none" w="med" len="med"/>
+                          <a:tailEnd type="none" w="med" len="med"/>
+                        </a:lnL>
+                        <a:lnR w="12700" cap="flat" cmpd="sng" algn="ctr">
+                          <a:solidFill>
+                            <a:schemeClr val="tx1"/>
+                          </a:solidFill>
+                          <a:prstDash val="solid"/>
+                          <a:round/>
+                          <a:headEnd type="none" w="med" len="med"/>
+                          <a:tailEnd type="none" w="med" len="med"/>
+                        </a:lnR>
+                        <a:lnT w="12700" cap="flat" cmpd="sng" algn="ctr">
+                          <a:solidFill>
+                            <a:schemeClr val="tx1"/>
+                          </a:solidFill>
+                          <a:prstDash val="solid"/>
+                          <a:round/>
+                          <a:headEnd type="none" w="med" len="med"/>
+                          <a:tailEnd type="none" w="med" len="med"/>
+                        </a:lnT>
+                        <a:lnB w="12700" cap="flat" cmpd="sng" algn="ctr">
+                          <a:solidFill>
+                            <a:schemeClr val="tx1"/>
+                          </a:solidFill>
+                          <a:prstDash val="solid"/>
+                          <a:round/>
+                          <a:headEnd type="none" w="med" len="med"/>
+                          <a:tailEnd type="none" w="med" len="med"/>
+                        </a:lnB>
                         <a:blipFill>
                           <a:blip r:embed="rId3"/>
                           <a:stretch>
-                            <a:fillRect l="-331" t="-310000" r="-260596" b="-25000"/>
+                            <a:fillRect l="-461" t="-303333" r="-401843" b="-10000"/>
                           </a:stretch>
                         </a:blipFill>
                       </a:tcPr>
@@ -13854,10 +14571,37 @@
                         </a:p>
                       </a:txBody>
                       <a:tcPr>
+                        <a:lnL w="12700" cap="flat" cmpd="sng" algn="ctr">
+                          <a:solidFill>
+                            <a:schemeClr val="tx1"/>
+                          </a:solidFill>
+                          <a:prstDash val="solid"/>
+                          <a:round/>
+                          <a:headEnd type="none" w="med" len="med"/>
+                          <a:tailEnd type="none" w="med" len="med"/>
+                        </a:lnL>
+                        <a:lnT w="12700" cap="flat" cmpd="sng" algn="ctr">
+                          <a:solidFill>
+                            <a:schemeClr val="tx1"/>
+                          </a:solidFill>
+                          <a:prstDash val="solid"/>
+                          <a:round/>
+                          <a:headEnd type="none" w="med" len="med"/>
+                          <a:tailEnd type="none" w="med" len="med"/>
+                        </a:lnT>
+                        <a:lnB w="12700" cap="flat" cmpd="sng" algn="ctr">
+                          <a:solidFill>
+                            <a:schemeClr val="tx1"/>
+                          </a:solidFill>
+                          <a:prstDash val="solid"/>
+                          <a:round/>
+                          <a:headEnd type="none" w="med" len="med"/>
+                          <a:tailEnd type="none" w="med" len="med"/>
+                        </a:lnB>
                         <a:blipFill>
                           <a:blip r:embed="rId3"/>
                           <a:stretch>
-                            <a:fillRect l="-153807" t="-310000" r="-299492" b="-25000"/>
+                            <a:fillRect l="-100000" t="-303333" r="-300000" b="-10000"/>
                           </a:stretch>
                         </a:blipFill>
                       </a:tcPr>
@@ -13871,10 +14615,28 @@
                         </a:p>
                       </a:txBody>
                       <a:tcPr>
+                        <a:lnT w="12700" cap="flat" cmpd="sng" algn="ctr">
+                          <a:solidFill>
+                            <a:schemeClr val="tx1"/>
+                          </a:solidFill>
+                          <a:prstDash val="solid"/>
+                          <a:round/>
+                          <a:headEnd type="none" w="med" len="med"/>
+                          <a:tailEnd type="none" w="med" len="med"/>
+                        </a:lnT>
+                        <a:lnB w="12700" cap="flat" cmpd="sng" algn="ctr">
+                          <a:solidFill>
+                            <a:schemeClr val="tx1"/>
+                          </a:solidFill>
+                          <a:prstDash val="solid"/>
+                          <a:round/>
+                          <a:headEnd type="none" w="med" len="med"/>
+                          <a:tailEnd type="none" w="med" len="med"/>
+                        </a:lnB>
                         <a:blipFill>
                           <a:blip r:embed="rId3"/>
                           <a:stretch>
-                            <a:fillRect l="-255102" t="-310000" r="-201020" b="-25000"/>
+                            <a:fillRect l="-200922" t="-303333" r="-201382" b="-10000"/>
                           </a:stretch>
                         </a:blipFill>
                       </a:tcPr>
@@ -13888,10 +14650,28 @@
                         </a:p>
                       </a:txBody>
                       <a:tcPr>
+                        <a:lnT w="12700" cap="flat" cmpd="sng" algn="ctr">
+                          <a:solidFill>
+                            <a:schemeClr val="tx1"/>
+                          </a:solidFill>
+                          <a:prstDash val="solid"/>
+                          <a:round/>
+                          <a:headEnd type="none" w="med" len="med"/>
+                          <a:tailEnd type="none" w="med" len="med"/>
+                        </a:lnT>
+                        <a:lnB w="12700" cap="flat" cmpd="sng" algn="ctr">
+                          <a:solidFill>
+                            <a:schemeClr val="tx1"/>
+                          </a:solidFill>
+                          <a:prstDash val="solid"/>
+                          <a:round/>
+                          <a:headEnd type="none" w="med" len="med"/>
+                          <a:tailEnd type="none" w="med" len="med"/>
+                        </a:lnB>
                         <a:blipFill>
                           <a:blip r:embed="rId3"/>
                           <a:stretch>
-                            <a:fillRect l="-355102" t="-310000" r="-101020" b="-25000"/>
+                            <a:fillRect l="-299541" t="-303333" r="-100459" b="-10000"/>
                           </a:stretch>
                         </a:blipFill>
                       </a:tcPr>
@@ -13905,10 +14685,37 @@
                         </a:p>
                       </a:txBody>
                       <a:tcPr>
+                        <a:lnR w="12700" cap="flat" cmpd="sng" algn="ctr">
+                          <a:solidFill>
+                            <a:schemeClr val="tx1"/>
+                          </a:solidFill>
+                          <a:prstDash val="solid"/>
+                          <a:round/>
+                          <a:headEnd type="none" w="med" len="med"/>
+                          <a:tailEnd type="none" w="med" len="med"/>
+                        </a:lnR>
+                        <a:lnT w="12700" cap="flat" cmpd="sng" algn="ctr">
+                          <a:solidFill>
+                            <a:schemeClr val="tx1"/>
+                          </a:solidFill>
+                          <a:prstDash val="solid"/>
+                          <a:round/>
+                          <a:headEnd type="none" w="med" len="med"/>
+                          <a:tailEnd type="none" w="med" len="med"/>
+                        </a:lnT>
+                        <a:lnB w="12700" cap="flat" cmpd="sng" algn="ctr">
+                          <a:solidFill>
+                            <a:schemeClr val="tx1"/>
+                          </a:solidFill>
+                          <a:prstDash val="solid"/>
+                          <a:round/>
+                          <a:headEnd type="none" w="med" len="med"/>
+                          <a:tailEnd type="none" w="med" len="med"/>
+                        </a:lnB>
                         <a:blipFill>
                           <a:blip r:embed="rId3"/>
                           <a:stretch>
-                            <a:fillRect l="-455102" t="-310000" r="-1020" b="-25000"/>
+                            <a:fillRect l="-401382" t="-303333" r="-922" b="-10000"/>
                           </a:stretch>
                         </a:blipFill>
                       </a:tcPr>
@@ -13948,7 +14755,7 @@
           <a:p>
             <a:fld id="{C73D1B3A-BB94-49A7-9F3A-A604B6F7A515}" type="slidenum">
               <a:rPr lang="ko-KR" altLang="en-US" smtClean="0"/>
-              <a:t>16</a:t>
+              <a:t>15</a:t>
             </a:fld>
             <a:endParaRPr lang="ko-KR" altLang="en-US"/>
           </a:p>
@@ -13986,6 +14793,529 @@
     <p:extLst>
       <p:ext uri="{BB962C8B-B14F-4D97-AF65-F5344CB8AC3E}">
         <p14:creationId xmlns:p14="http://schemas.microsoft.com/office/powerpoint/2010/main" val="3170997728"/>
+      </p:ext>
+    </p:extLst>
+  </p:cSld>
+  <p:clrMapOvr>
+    <a:masterClrMapping/>
+  </p:clrMapOvr>
+</p:sld>
+</file>
+
+<file path=ppt/slides/slide16.xml><?xml version="1.0" encoding="utf-8"?>
+<p:sld xmlns:a="http://schemas.openxmlformats.org/drawingml/2006/main" xmlns:r="http://schemas.openxmlformats.org/officeDocument/2006/relationships" xmlns:p="http://schemas.openxmlformats.org/presentationml/2006/main">
+  <p:cSld>
+    <p:spTree>
+      <p:nvGrpSpPr>
+        <p:cNvPr id="1" name=""/>
+        <p:cNvGrpSpPr/>
+        <p:nvPr/>
+      </p:nvGrpSpPr>
+      <p:grpSpPr>
+        <a:xfrm>
+          <a:off x="0" y="0"/>
+          <a:ext cx="0" cy="0"/>
+          <a:chOff x="0" y="0"/>
+          <a:chExt cx="0" cy="0"/>
+        </a:xfrm>
+      </p:grpSpPr>
+      <p:sp>
+        <p:nvSpPr>
+          <p:cNvPr id="2" name="제목 1">
+            <a:extLst>
+              <a:ext uri="{FF2B5EF4-FFF2-40B4-BE49-F238E27FC236}">
+                <a16:creationId xmlns:a16="http://schemas.microsoft.com/office/drawing/2014/main" id="{1BAFF471-4E34-4578-9688-31ADCA7E475A}"/>
+              </a:ext>
+            </a:extLst>
+          </p:cNvPr>
+          <p:cNvSpPr>
+            <a:spLocks noGrp="1"/>
+          </p:cNvSpPr>
+          <p:nvPr>
+            <p:ph type="title"/>
+          </p:nvPr>
+        </p:nvSpPr>
+        <p:spPr/>
+        <p:txBody>
+          <a:bodyPr/>
+          <a:lstStyle/>
+          <a:p>
+            <a:r>
+              <a:rPr lang="ko-KR" altLang="en-US" dirty="0"/>
+              <a:t>경사 </a:t>
+            </a:r>
+            <a:r>
+              <a:rPr lang="ko-KR" altLang="en-US" dirty="0" err="1"/>
+              <a:t>하강법</a:t>
+            </a:r>
+            <a:r>
+              <a:rPr lang="en-US" altLang="ko-KR" dirty="0"/>
+              <a:t>(gradient descent)</a:t>
+            </a:r>
+            <a:endParaRPr lang="ko-KR" altLang="en-US" dirty="0"/>
+          </a:p>
+        </p:txBody>
+      </p:sp>
+      <mc:AlternateContent xmlns:mc="http://schemas.openxmlformats.org/markup-compatibility/2006">
+        <mc:Choice xmlns:a14="http://schemas.microsoft.com/office/drawing/2010/main" Requires="a14">
+          <p:sp>
+            <p:nvSpPr>
+              <p:cNvPr id="3" name="내용 개체 틀 2">
+                <a:extLst>
+                  <a:ext uri="{FF2B5EF4-FFF2-40B4-BE49-F238E27FC236}">
+                    <a16:creationId xmlns:a16="http://schemas.microsoft.com/office/drawing/2014/main" id="{8D0748AE-D2E6-422B-AB91-4056EC273BC1}"/>
+                  </a:ext>
+                </a:extLst>
+              </p:cNvPr>
+              <p:cNvSpPr>
+                <a:spLocks noGrp="1"/>
+              </p:cNvSpPr>
+              <p:nvPr>
+                <p:ph idx="1"/>
+              </p:nvPr>
+            </p:nvSpPr>
+            <p:spPr>
+              <a:xfrm>
+                <a:off x="838200" y="1825625"/>
+                <a:ext cx="6440055" cy="4351338"/>
+              </a:xfrm>
+            </p:spPr>
+            <p:txBody>
+              <a:bodyPr>
+                <a:normAutofit/>
+              </a:bodyPr>
+              <a:lstStyle/>
+              <a:p>
+                <a:pPr>
+                  <a:lnSpc>
+                    <a:spcPct val="120000"/>
+                  </a:lnSpc>
+                </a:pPr>
+                <a:r>
+                  <a:rPr lang="ko-KR" altLang="en-US" dirty="0"/>
+                  <a:t>함수 </a:t>
+                </a:r>
+                <a14:m>
+                  <m:oMath xmlns:m="http://schemas.openxmlformats.org/officeDocument/2006/math">
+                    <m:r>
+                      <a:rPr lang="en-US" altLang="ko-KR" i="1">
+                        <a:latin typeface="Cambria Math" panose="02040503050406030204" pitchFamily="18" charset="0"/>
+                      </a:rPr>
+                      <m:t>𝑓</m:t>
+                    </m:r>
+                    <m:r>
+                      <a:rPr lang="en-US" altLang="ko-KR" i="1">
+                        <a:latin typeface="Cambria Math" panose="02040503050406030204" pitchFamily="18" charset="0"/>
+                      </a:rPr>
+                      <m:t> </m:t>
+                    </m:r>
+                  </m:oMath>
+                </a14:m>
+                <a:r>
+                  <a:rPr lang="ko-KR" altLang="en-US" dirty="0"/>
+                  <a:t>의</a:t>
+                </a:r>
+                <a:r>
+                  <a:rPr lang="en-US" altLang="ko-KR" dirty="0"/>
+                  <a:t> </a:t>
+                </a:r>
+                <a:r>
+                  <a:rPr lang="ko-KR" altLang="en-US" dirty="0" err="1"/>
+                  <a:t>극소점</a:t>
+                </a:r>
+                <a:endParaRPr lang="en-US" altLang="ko-KR" dirty="0"/>
+              </a:p>
+              <a:p>
+                <a:pPr>
+                  <a:lnSpc>
+                    <a:spcPct val="120000"/>
+                  </a:lnSpc>
+                </a:pPr>
+                <a:r>
+                  <a:rPr lang="ko-KR" altLang="en-US" dirty="0"/>
+                  <a:t>알고리즘</a:t>
+                </a:r>
+                <a:endParaRPr lang="en-US" altLang="ko-KR" sz="2400" b="0" i="1" dirty="0">
+                  <a:latin typeface="Cambria Math" panose="02040503050406030204" pitchFamily="18" charset="0"/>
+                </a:endParaRPr>
+              </a:p>
+              <a:p>
+                <a:pPr lvl="1">
+                  <a:lnSpc>
+                    <a:spcPct val="120000"/>
+                  </a:lnSpc>
+                </a:pPr>
+                <a14:m>
+                  <m:oMath xmlns:m="http://schemas.openxmlformats.org/officeDocument/2006/math">
+                    <m:r>
+                      <a:rPr lang="en-US" altLang="ko-KR" sz="2000" b="0" i="1" smtClean="0">
+                        <a:latin typeface="Cambria Math" panose="02040503050406030204" pitchFamily="18" charset="0"/>
+                      </a:rPr>
+                      <m:t>𝑝</m:t>
+                    </m:r>
+                    <m:r>
+                      <a:rPr lang="en-US" altLang="ko-KR" sz="2000" b="0" i="1" smtClean="0">
+                        <a:latin typeface="Cambria Math" panose="02040503050406030204" pitchFamily="18" charset="0"/>
+                      </a:rPr>
+                      <m:t>←</m:t>
+                    </m:r>
+                    <m:r>
+                      <a:rPr lang="en-US" altLang="ko-KR" sz="2000" b="0" i="1" smtClean="0">
+                        <a:latin typeface="Cambria Math" panose="02040503050406030204" pitchFamily="18" charset="0"/>
+                      </a:rPr>
+                      <m:t>𝑝</m:t>
+                    </m:r>
+                    <m:r>
+                      <a:rPr lang="en-US" altLang="ko-KR" sz="2000" b="0" i="1" smtClean="0">
+                        <a:latin typeface="Cambria Math" panose="02040503050406030204" pitchFamily="18" charset="0"/>
+                      </a:rPr>
+                      <m:t>−</m:t>
+                    </m:r>
+                    <m:r>
+                      <a:rPr lang="en-US" altLang="ko-KR" sz="2000" b="0" i="1" smtClean="0">
+                        <a:latin typeface="Cambria Math" panose="02040503050406030204" pitchFamily="18" charset="0"/>
+                      </a:rPr>
+                      <m:t>𝜆</m:t>
+                    </m:r>
+                    <m:r>
+                      <a:rPr lang="en-US" altLang="ko-KR" sz="2000" b="0" i="1" smtClean="0">
+                        <a:latin typeface="Cambria Math" panose="02040503050406030204" pitchFamily="18" charset="0"/>
+                      </a:rPr>
+                      <m:t>⋅</m:t>
+                    </m:r>
+                    <m:r>
+                      <m:rPr>
+                        <m:sty m:val="p"/>
+                      </m:rPr>
+                      <a:rPr lang="en-US" altLang="ko-KR" sz="2000" b="0" i="0" smtClean="0">
+                        <a:latin typeface="Cambria Math" panose="02040503050406030204" pitchFamily="18" charset="0"/>
+                      </a:rPr>
+                      <m:t>∇</m:t>
+                    </m:r>
+                    <m:r>
+                      <a:rPr lang="en-US" altLang="ko-KR" sz="2000" b="0" i="1" smtClean="0">
+                        <a:latin typeface="Cambria Math" panose="02040503050406030204" pitchFamily="18" charset="0"/>
+                      </a:rPr>
+                      <m:t>𝑓</m:t>
+                    </m:r>
+                    <m:r>
+                      <a:rPr lang="en-US" altLang="ko-KR" sz="2000" b="0" i="1" smtClean="0">
+                        <a:latin typeface="Cambria Math" panose="02040503050406030204" pitchFamily="18" charset="0"/>
+                      </a:rPr>
+                      <m:t>(</m:t>
+                    </m:r>
+                    <m:r>
+                      <a:rPr lang="en-US" altLang="ko-KR" sz="2000" b="0" i="1" smtClean="0">
+                        <a:latin typeface="Cambria Math" panose="02040503050406030204" pitchFamily="18" charset="0"/>
+                      </a:rPr>
+                      <m:t>𝑝</m:t>
+                    </m:r>
+                    <m:r>
+                      <a:rPr lang="en-US" altLang="ko-KR" sz="2000" b="0" i="1" smtClean="0">
+                        <a:latin typeface="Cambria Math" panose="02040503050406030204" pitchFamily="18" charset="0"/>
+                      </a:rPr>
+                      <m:t>)</m:t>
+                    </m:r>
+                  </m:oMath>
+                </a14:m>
+                <a:r>
+                  <a:rPr lang="ko-KR" altLang="en-US" sz="2000" dirty="0"/>
+                  <a:t>를</a:t>
+                </a:r>
+                <a:r>
+                  <a:rPr lang="en-US" altLang="ko-KR" sz="2000" dirty="0"/>
+                  <a:t> </a:t>
+                </a:r>
+                <a:r>
+                  <a:rPr lang="ko-KR" altLang="en-US" sz="2000" dirty="0"/>
+                  <a:t>반복</a:t>
+                </a:r>
+                <a:endParaRPr lang="en-US" altLang="ko-KR" sz="2000" dirty="0"/>
+              </a:p>
+              <a:p>
+                <a:pPr lvl="1">
+                  <a:lnSpc>
+                    <a:spcPct val="120000"/>
+                  </a:lnSpc>
+                </a:pPr>
+                <a14:m>
+                  <m:oMath xmlns:m="http://schemas.openxmlformats.org/officeDocument/2006/math">
+                    <m:r>
+                      <m:rPr>
+                        <m:sty m:val="p"/>
+                      </m:rPr>
+                      <a:rPr lang="en-US" altLang="ko-KR" sz="2000">
+                        <a:latin typeface="Cambria Math" panose="02040503050406030204" pitchFamily="18" charset="0"/>
+                      </a:rPr>
+                      <m:t>∇</m:t>
+                    </m:r>
+                    <m:r>
+                      <a:rPr lang="en-US" altLang="ko-KR" sz="2000" i="1">
+                        <a:latin typeface="Cambria Math" panose="02040503050406030204" pitchFamily="18" charset="0"/>
+                      </a:rPr>
+                      <m:t>𝑓</m:t>
+                    </m:r>
+                    <m:r>
+                      <a:rPr lang="en-US" altLang="ko-KR" sz="2000" i="1">
+                        <a:latin typeface="Cambria Math" panose="02040503050406030204" pitchFamily="18" charset="0"/>
+                      </a:rPr>
+                      <m:t>(</m:t>
+                    </m:r>
+                    <m:r>
+                      <a:rPr lang="en-US" altLang="ko-KR" sz="2000" i="1">
+                        <a:latin typeface="Cambria Math" panose="02040503050406030204" pitchFamily="18" charset="0"/>
+                      </a:rPr>
+                      <m:t>𝑝</m:t>
+                    </m:r>
+                    <m:r>
+                      <a:rPr lang="en-US" altLang="ko-KR" sz="2000" i="1">
+                        <a:latin typeface="Cambria Math" panose="02040503050406030204" pitchFamily="18" charset="0"/>
+                      </a:rPr>
+                      <m:t>)</m:t>
+                    </m:r>
+                  </m:oMath>
+                </a14:m>
+                <a:r>
+                  <a:rPr lang="ko-KR" altLang="en-US" sz="2000" dirty="0"/>
+                  <a:t>는  </a:t>
+                </a:r>
+                <a14:m>
+                  <m:oMath xmlns:m="http://schemas.openxmlformats.org/officeDocument/2006/math">
+                    <m:r>
+                      <a:rPr lang="en-US" altLang="ko-KR" sz="2000" b="0" i="1" smtClean="0">
+                        <a:latin typeface="Cambria Math" panose="02040503050406030204" pitchFamily="18" charset="0"/>
+                      </a:rPr>
+                      <m:t>𝑓</m:t>
+                    </m:r>
+                  </m:oMath>
+                </a14:m>
+                <a:r>
+                  <a:rPr lang="ko-KR" altLang="en-US" sz="2000" dirty="0"/>
+                  <a:t>의</a:t>
+                </a:r>
+                <a:r>
+                  <a:rPr lang="en-US" altLang="ko-KR" sz="2000" dirty="0"/>
+                  <a:t> </a:t>
+                </a:r>
+                <a:r>
+                  <a:rPr lang="ko-KR" altLang="en-US" sz="2000" dirty="0" err="1"/>
+                  <a:t>그래디언트</a:t>
+                </a:r>
+                <a:endParaRPr lang="en-US" altLang="ko-KR" sz="2000" dirty="0"/>
+              </a:p>
+            </p:txBody>
+          </p:sp>
+        </mc:Choice>
+        <mc:Fallback>
+          <p:sp>
+            <p:nvSpPr>
+              <p:cNvPr id="3" name="내용 개체 틀 2">
+                <a:extLst>
+                  <a:ext uri="{FF2B5EF4-FFF2-40B4-BE49-F238E27FC236}">
+                    <a16:creationId xmlns:a16="http://schemas.microsoft.com/office/drawing/2014/main" id="{8D0748AE-D2E6-422B-AB91-4056EC273BC1}"/>
+                  </a:ext>
+                </a:extLst>
+              </p:cNvPr>
+              <p:cNvSpPr>
+                <a:spLocks noGrp="1" noRot="1" noChangeAspect="1" noMove="1" noResize="1" noEditPoints="1" noAdjustHandles="1" noChangeArrowheads="1" noChangeShapeType="1" noTextEdit="1"/>
+              </p:cNvSpPr>
+              <p:nvPr>
+                <p:ph idx="1"/>
+              </p:nvPr>
+            </p:nvSpPr>
+            <p:spPr>
+              <a:xfrm>
+                <a:off x="838200" y="1825625"/>
+                <a:ext cx="6440055" cy="4351338"/>
+              </a:xfrm>
+              <a:blipFill>
+                <a:blip r:embed="rId2"/>
+                <a:stretch>
+                  <a:fillRect l="-1705" t="-560"/>
+                </a:stretch>
+              </a:blipFill>
+            </p:spPr>
+            <p:txBody>
+              <a:bodyPr/>
+              <a:lstStyle/>
+              <a:p>
+                <a:r>
+                  <a:rPr lang="ko-KR" altLang="en-US">
+                    <a:noFill/>
+                  </a:rPr>
+                  <a:t> </a:t>
+                </a:r>
+              </a:p>
+            </p:txBody>
+          </p:sp>
+        </mc:Fallback>
+      </mc:AlternateContent>
+      <p:pic>
+        <p:nvPicPr>
+          <p:cNvPr id="4" name="그림 3">
+            <a:extLst>
+              <a:ext uri="{FF2B5EF4-FFF2-40B4-BE49-F238E27FC236}">
+                <a16:creationId xmlns:a16="http://schemas.microsoft.com/office/drawing/2014/main" id="{3440F8CA-B4B5-457C-80CB-728CD3C91A54}"/>
+              </a:ext>
+            </a:extLst>
+          </p:cNvPr>
+          <p:cNvPicPr>
+            <a:picLocks noChangeAspect="1"/>
+          </p:cNvPicPr>
+          <p:nvPr/>
+        </p:nvPicPr>
+        <p:blipFill>
+          <a:blip r:embed="rId3"/>
+          <a:stretch>
+            <a:fillRect/>
+          </a:stretch>
+        </p:blipFill>
+        <p:spPr>
+          <a:xfrm>
+            <a:off x="6430172" y="2382673"/>
+            <a:ext cx="3989708" cy="3686175"/>
+          </a:xfrm>
+          <a:prstGeom prst="rect">
+            <a:avLst/>
+          </a:prstGeom>
+        </p:spPr>
+      </p:pic>
+      <p:sp>
+        <p:nvSpPr>
+          <p:cNvPr id="5" name="TextBox 4">
+            <a:extLst>
+              <a:ext uri="{FF2B5EF4-FFF2-40B4-BE49-F238E27FC236}">
+                <a16:creationId xmlns:a16="http://schemas.microsoft.com/office/drawing/2014/main" id="{20BE8B9E-1E63-459F-9C5C-EC194F7C1129}"/>
+              </a:ext>
+            </a:extLst>
+          </p:cNvPr>
+          <p:cNvSpPr txBox="1"/>
+          <p:nvPr/>
+        </p:nvSpPr>
+        <p:spPr>
+          <a:xfrm>
+            <a:off x="5441881" y="1951739"/>
+            <a:ext cx="877163" cy="369332"/>
+          </a:xfrm>
+          <a:prstGeom prst="rect">
+            <a:avLst/>
+          </a:prstGeom>
+          <a:noFill/>
+        </p:spPr>
+        <p:txBody>
+          <a:bodyPr wrap="none" rtlCol="0">
+            <a:spAutoFit/>
+          </a:bodyPr>
+          <a:lstStyle/>
+          <a:p>
+            <a:r>
+              <a:rPr lang="ko-KR" altLang="en-US" dirty="0"/>
+              <a:t>등고선</a:t>
+            </a:r>
+          </a:p>
+        </p:txBody>
+      </p:sp>
+      <p:cxnSp>
+        <p:nvCxnSpPr>
+          <p:cNvPr id="7" name="연결선: 꺾임 6">
+            <a:extLst>
+              <a:ext uri="{FF2B5EF4-FFF2-40B4-BE49-F238E27FC236}">
+                <a16:creationId xmlns:a16="http://schemas.microsoft.com/office/drawing/2014/main" id="{0E48690B-4CEC-4E1E-AB0C-0B928E51705D}"/>
+              </a:ext>
+            </a:extLst>
+          </p:cNvPr>
+          <p:cNvCxnSpPr>
+            <a:cxnSpLocks/>
+            <a:stCxn id="5" idx="2"/>
+          </p:cNvCxnSpPr>
+          <p:nvPr/>
+        </p:nvCxnSpPr>
+        <p:spPr>
+          <a:xfrm rot="16200000" flipH="1">
+            <a:off x="6090602" y="2110931"/>
+            <a:ext cx="877576" cy="1297855"/>
+          </a:xfrm>
+          <a:prstGeom prst="bentConnector2">
+            <a:avLst/>
+          </a:prstGeom>
+          <a:ln w="19050"/>
+        </p:spPr>
+        <p:style>
+          <a:lnRef idx="1">
+            <a:schemeClr val="accent1"/>
+          </a:lnRef>
+          <a:fillRef idx="0">
+            <a:schemeClr val="accent1"/>
+          </a:fillRef>
+          <a:effectRef idx="0">
+            <a:schemeClr val="accent1"/>
+          </a:effectRef>
+          <a:fontRef idx="minor">
+            <a:schemeClr val="tx1"/>
+          </a:fontRef>
+        </p:style>
+      </p:cxnSp>
+      <p:sp>
+        <p:nvSpPr>
+          <p:cNvPr id="6" name="슬라이드 번호 개체 틀 5">
+            <a:extLst>
+              <a:ext uri="{FF2B5EF4-FFF2-40B4-BE49-F238E27FC236}">
+                <a16:creationId xmlns:a16="http://schemas.microsoft.com/office/drawing/2014/main" id="{B98B62F9-9145-4C3A-89B0-338844BC14DF}"/>
+              </a:ext>
+            </a:extLst>
+          </p:cNvPr>
+          <p:cNvSpPr>
+            <a:spLocks noGrp="1"/>
+          </p:cNvSpPr>
+          <p:nvPr>
+            <p:ph type="sldNum" sz="quarter" idx="12"/>
+          </p:nvPr>
+        </p:nvSpPr>
+        <p:spPr/>
+        <p:txBody>
+          <a:bodyPr/>
+          <a:lstStyle/>
+          <a:p>
+            <a:fld id="{C73D1B3A-BB94-49A7-9F3A-A604B6F7A515}" type="slidenum">
+              <a:rPr lang="ko-KR" altLang="en-US" smtClean="0"/>
+              <a:t>16</a:t>
+            </a:fld>
+            <a:endParaRPr lang="ko-KR" altLang="en-US"/>
+          </a:p>
+        </p:txBody>
+      </p:sp>
+      <p:sp>
+        <p:nvSpPr>
+          <p:cNvPr id="8" name="바닥글 개체 틀 7">
+            <a:extLst>
+              <a:ext uri="{FF2B5EF4-FFF2-40B4-BE49-F238E27FC236}">
+                <a16:creationId xmlns:a16="http://schemas.microsoft.com/office/drawing/2014/main" id="{25E6DA0F-B279-4C73-9751-782A212B4586}"/>
+              </a:ext>
+            </a:extLst>
+          </p:cNvPr>
+          <p:cNvSpPr>
+            <a:spLocks noGrp="1"/>
+          </p:cNvSpPr>
+          <p:nvPr>
+            <p:ph type="ftr" sz="quarter" idx="11"/>
+          </p:nvPr>
+        </p:nvSpPr>
+        <p:spPr/>
+        <p:txBody>
+          <a:bodyPr/>
+          <a:lstStyle/>
+          <a:p>
+            <a:r>
+              <a:rPr lang="ko-KR" altLang="en-US"/>
+              <a:t>인공 지능과 기계 학습</a:t>
+            </a:r>
+          </a:p>
+        </p:txBody>
+      </p:sp>
+    </p:spTree>
+    <p:extLst>
+      <p:ext uri="{BB962C8B-B14F-4D97-AF65-F5344CB8AC3E}">
+        <p14:creationId xmlns:p14="http://schemas.microsoft.com/office/powerpoint/2010/main" val="2315335757"/>
       </p:ext>
     </p:extLst>
   </p:cSld>
@@ -14972,8 +16302,8 @@
           <a:chExt cx="0" cy="0"/>
         </a:xfrm>
       </p:grpSpPr>
-      <mc:AlternateContent xmlns:mc="http://schemas.openxmlformats.org/markup-compatibility/2006" xmlns:a14="http://schemas.microsoft.com/office/drawing/2010/main">
-        <mc:Choice Requires="a14">
+      <mc:AlternateContent xmlns:mc="http://schemas.openxmlformats.org/markup-compatibility/2006">
+        <mc:Choice xmlns:a14="http://schemas.microsoft.com/office/drawing/2010/main" Requires="a14">
           <p:sp>
             <p:nvSpPr>
               <p:cNvPr id="3" name="내용 개체 틀 2">
@@ -14997,7 +16327,9 @@
               </a:xfrm>
             </p:spPr>
             <p:txBody>
-              <a:bodyPr/>
+              <a:bodyPr>
+                <a:normAutofit fontScale="92500" lnSpcReduction="10000"/>
+              </a:bodyPr>
               <a:lstStyle/>
               <a:p>
                 <a:r>
@@ -15048,32 +16380,140 @@
                       </a:rPr>
                       <m:t>𝑓</m:t>
                     </m:r>
+                    <m:d>
+                      <m:dPr>
+                        <m:ctrlPr>
+                          <a:rPr lang="en-US" altLang="ko-KR" b="0" i="1" smtClean="0">
+                            <a:latin typeface="Cambria Math" panose="02040503050406030204" pitchFamily="18" charset="0"/>
+                          </a:rPr>
+                        </m:ctrlPr>
+                      </m:dPr>
+                      <m:e>
+                        <m:r>
+                          <a:rPr lang="en-US" altLang="ko-KR" b="0" i="1" smtClean="0">
+                            <a:latin typeface="Cambria Math" panose="02040503050406030204" pitchFamily="18" charset="0"/>
+                          </a:rPr>
+                          <m:t>𝑥</m:t>
+                        </m:r>
+                        <m:r>
+                          <a:rPr lang="en-US" altLang="ko-KR" b="0" i="1" smtClean="0">
+                            <a:latin typeface="Cambria Math" panose="02040503050406030204" pitchFamily="18" charset="0"/>
+                          </a:rPr>
+                          <m:t>,</m:t>
+                        </m:r>
+                        <m:r>
+                          <a:rPr lang="en-US" altLang="ko-KR" b="0" i="1" smtClean="0">
+                            <a:latin typeface="Cambria Math" panose="02040503050406030204" pitchFamily="18" charset="0"/>
+                          </a:rPr>
+                          <m:t>𝑦</m:t>
+                        </m:r>
+                      </m:e>
+                    </m:d>
+                  </m:oMath>
+                </a14:m>
+                <a:endParaRPr lang="en-US" altLang="ko-KR" b="0" dirty="0"/>
+              </a:p>
+              <a:p>
+                <a:endParaRPr lang="en-US" altLang="ko-KR" dirty="0"/>
+              </a:p>
+              <a:p>
+                <a:endParaRPr lang="en-US" altLang="ko-KR" dirty="0"/>
+              </a:p>
+              <a:p>
+                <a:endParaRPr lang="en-US" altLang="ko-KR" dirty="0"/>
+              </a:p>
+              <a:p>
+                <a:endParaRPr lang="en-US" altLang="ko-KR" dirty="0"/>
+              </a:p>
+              <a:p>
+                <a:endParaRPr lang="en-US" altLang="ko-KR" dirty="0"/>
+              </a:p>
+              <a:p>
+                <a:endParaRPr lang="en-US" altLang="ko-KR" dirty="0"/>
+              </a:p>
+              <a:p>
+                <a:endParaRPr lang="en-US" altLang="ko-KR" dirty="0"/>
+              </a:p>
+              <a:p>
+                <a:r>
+                  <a:rPr lang="ko-KR" altLang="en-US" dirty="0"/>
+                  <a:t>경사 </a:t>
+                </a:r>
+                <a:r>
+                  <a:rPr lang="ko-KR" altLang="en-US" dirty="0" err="1"/>
+                  <a:t>하강법</a:t>
+                </a:r>
+                <a:endParaRPr lang="en-US" altLang="ko-KR" dirty="0"/>
+              </a:p>
+              <a:p>
+                <a:pPr lvl="1"/>
+                <a14:m>
+                  <m:oMath xmlns:m="http://schemas.openxmlformats.org/officeDocument/2006/math">
                     <m:r>
-                      <a:rPr lang="en-US" altLang="ko-KR" b="0" i="1" smtClean="0">
+                      <a:rPr lang="en-US" altLang="ko-KR" i="1">
+                        <a:latin typeface="Cambria Math" panose="02040503050406030204" pitchFamily="18" charset="0"/>
+                      </a:rPr>
+                      <m:t>𝑝</m:t>
+                    </m:r>
+                    <m:r>
+                      <a:rPr lang="en-US" altLang="ko-KR" i="1">
+                        <a:latin typeface="Cambria Math" panose="02040503050406030204" pitchFamily="18" charset="0"/>
+                      </a:rPr>
+                      <m:t>←</m:t>
+                    </m:r>
+                    <m:r>
+                      <a:rPr lang="en-US" altLang="ko-KR" i="1">
+                        <a:latin typeface="Cambria Math" panose="02040503050406030204" pitchFamily="18" charset="0"/>
+                      </a:rPr>
+                      <m:t>𝑝</m:t>
+                    </m:r>
+                    <m:r>
+                      <a:rPr lang="en-US" altLang="ko-KR" i="1">
+                        <a:latin typeface="Cambria Math" panose="02040503050406030204" pitchFamily="18" charset="0"/>
+                      </a:rPr>
+                      <m:t>−</m:t>
+                    </m:r>
+                    <m:r>
+                      <a:rPr lang="en-US" altLang="ko-KR" i="1">
+                        <a:latin typeface="Cambria Math" panose="02040503050406030204" pitchFamily="18" charset="0"/>
+                      </a:rPr>
+                      <m:t>𝜆</m:t>
+                    </m:r>
+                    <m:r>
+                      <a:rPr lang="en-US" altLang="ko-KR" i="1">
+                        <a:latin typeface="Cambria Math" panose="02040503050406030204" pitchFamily="18" charset="0"/>
+                      </a:rPr>
+                      <m:t>⋅</m:t>
+                    </m:r>
+                    <m:r>
+                      <m:rPr>
+                        <m:sty m:val="p"/>
+                      </m:rPr>
+                      <a:rPr lang="en-US" altLang="ko-KR">
+                        <a:latin typeface="Cambria Math" panose="02040503050406030204" pitchFamily="18" charset="0"/>
+                      </a:rPr>
+                      <m:t>∇</m:t>
+                    </m:r>
+                    <m:r>
+                      <a:rPr lang="en-US" altLang="ko-KR" i="1">
+                        <a:latin typeface="Cambria Math" panose="02040503050406030204" pitchFamily="18" charset="0"/>
+                      </a:rPr>
+                      <m:t>𝑓</m:t>
+                    </m:r>
+                    <m:r>
+                      <a:rPr lang="en-US" altLang="ko-KR" i="1">
                         <a:latin typeface="Cambria Math" panose="02040503050406030204" pitchFamily="18" charset="0"/>
                       </a:rPr>
                       <m:t>(</m:t>
                     </m:r>
                     <m:r>
-                      <a:rPr lang="en-US" altLang="ko-KR" b="0" i="1" smtClean="0">
+                      <a:rPr lang="en-US" altLang="ko-KR" i="1">
                         <a:latin typeface="Cambria Math" panose="02040503050406030204" pitchFamily="18" charset="0"/>
                       </a:rPr>
-                      <m:t>𝑥</m:t>
+                      <m:t>𝑝</m:t>
                     </m:r>
                     <m:r>
-                      <a:rPr lang="en-US" altLang="ko-KR" b="0" i="1" smtClean="0">
-                        <a:latin typeface="Cambria Math" panose="02040503050406030204" pitchFamily="18" charset="0"/>
-                      </a:rPr>
-                      <m:t>,</m:t>
-                    </m:r>
-                    <m:r>
-                      <a:rPr lang="en-US" altLang="ko-KR" b="0" i="1" smtClean="0">
-                        <a:latin typeface="Cambria Math" panose="02040503050406030204" pitchFamily="18" charset="0"/>
-                      </a:rPr>
-                      <m:t>𝑦</m:t>
-                    </m:r>
-                    <m:r>
-                      <a:rPr lang="en-US" altLang="ko-KR" b="0" i="1" smtClean="0">
+                      <a:rPr lang="en-US" altLang="ko-KR" i="1">
                         <a:latin typeface="Cambria Math" panose="02040503050406030204" pitchFamily="18" charset="0"/>
                       </a:rPr>
                       <m:t>)</m:t>
@@ -15085,7 +16525,7 @@
             </p:txBody>
           </p:sp>
         </mc:Choice>
-        <mc:Fallback xmlns="">
+        <mc:Fallback>
           <p:sp>
             <p:nvSpPr>
               <p:cNvPr id="3" name="내용 개체 틀 2">
@@ -15110,7 +16550,7 @@
               <a:blipFill>
                 <a:blip r:embed="rId2"/>
                 <a:stretch>
-                  <a:fillRect l="-1043" t="-2063"/>
+                  <a:fillRect l="-928" t="-2549"/>
                 </a:stretch>
               </a:blipFill>
             </p:spPr>
@@ -15151,7 +16591,7 @@
         </p:blipFill>
         <p:spPr>
           <a:xfrm>
-            <a:off x="3059357" y="2035907"/>
+            <a:off x="4469423" y="972403"/>
             <a:ext cx="6065669" cy="4242654"/>
           </a:xfrm>
           <a:prstGeom prst="rect">
@@ -15246,699 +16686,8 @@
           <a:chExt cx="0" cy="0"/>
         </a:xfrm>
       </p:grpSpPr>
-      <p:sp>
-        <p:nvSpPr>
-          <p:cNvPr id="2" name="제목 1">
-            <a:extLst>
-              <a:ext uri="{FF2B5EF4-FFF2-40B4-BE49-F238E27FC236}">
-                <a16:creationId xmlns:a16="http://schemas.microsoft.com/office/drawing/2014/main" id="{1BAFF471-4E34-4578-9688-31ADCA7E475A}"/>
-              </a:ext>
-            </a:extLst>
-          </p:cNvPr>
-          <p:cNvSpPr>
-            <a:spLocks noGrp="1"/>
-          </p:cNvSpPr>
-          <p:nvPr>
-            <p:ph type="title"/>
-          </p:nvPr>
-        </p:nvSpPr>
-        <p:spPr/>
-        <p:txBody>
-          <a:bodyPr/>
-          <a:lstStyle/>
-          <a:p>
-            <a:r>
-              <a:rPr lang="ko-KR" altLang="en-US" dirty="0"/>
-              <a:t>경사 </a:t>
-            </a:r>
-            <a:r>
-              <a:rPr lang="ko-KR" altLang="en-US" dirty="0" err="1"/>
-              <a:t>하강법</a:t>
-            </a:r>
-            <a:r>
-              <a:rPr lang="en-US" altLang="ko-KR" dirty="0"/>
-              <a:t>(gradient descent)</a:t>
-            </a:r>
-            <a:endParaRPr lang="ko-KR" altLang="en-US" dirty="0"/>
-          </a:p>
-        </p:txBody>
-      </p:sp>
-      <mc:AlternateContent xmlns:mc="http://schemas.openxmlformats.org/markup-compatibility/2006" xmlns:a14="http://schemas.microsoft.com/office/drawing/2010/main">
-        <mc:Choice Requires="a14">
-          <p:sp>
-            <p:nvSpPr>
-              <p:cNvPr id="3" name="내용 개체 틀 2">
-                <a:extLst>
-                  <a:ext uri="{FF2B5EF4-FFF2-40B4-BE49-F238E27FC236}">
-                    <a16:creationId xmlns:a16="http://schemas.microsoft.com/office/drawing/2014/main" id="{8D0748AE-D2E6-422B-AB91-4056EC273BC1}"/>
-                  </a:ext>
-                </a:extLst>
-              </p:cNvPr>
-              <p:cNvSpPr>
-                <a:spLocks noGrp="1"/>
-              </p:cNvSpPr>
-              <p:nvPr>
-                <p:ph idx="1"/>
-              </p:nvPr>
-            </p:nvSpPr>
-            <p:spPr>
-              <a:xfrm>
-                <a:off x="838200" y="1825625"/>
-                <a:ext cx="6440055" cy="4351338"/>
-              </a:xfrm>
-            </p:spPr>
-            <p:txBody>
-              <a:bodyPr>
-                <a:normAutofit/>
-              </a:bodyPr>
-              <a:lstStyle/>
-              <a:p>
-                <a:pPr>
-                  <a:lnSpc>
-                    <a:spcPct val="120000"/>
-                  </a:lnSpc>
-                </a:pPr>
-                <a:r>
-                  <a:rPr lang="ko-KR" altLang="en-US" dirty="0"/>
-                  <a:t>함수</a:t>
-                </a:r>
-                <a:r>
-                  <a:rPr lang="en-US" altLang="ko-KR" dirty="0"/>
-                  <a:t> </a:t>
-                </a:r>
-                <a14:m>
-                  <m:oMath xmlns:m="http://schemas.openxmlformats.org/officeDocument/2006/math">
-                    <m:r>
-                      <a:rPr lang="en-US" altLang="ko-KR" b="0" i="1" smtClean="0">
-                        <a:latin typeface="Cambria Math" panose="02040503050406030204" pitchFamily="18" charset="0"/>
-                      </a:rPr>
-                      <m:t>𝑓</m:t>
-                    </m:r>
-                  </m:oMath>
-                </a14:m>
-                <a:r>
-                  <a:rPr lang="ko-KR" altLang="en-US" dirty="0"/>
-                  <a:t>의</a:t>
-                </a:r>
-                <a:r>
-                  <a:rPr lang="en-US" altLang="ko-KR" dirty="0"/>
-                  <a:t> </a:t>
-                </a:r>
-                <a:r>
-                  <a:rPr lang="ko-KR" altLang="en-US" dirty="0" err="1"/>
-                  <a:t>극소점</a:t>
-                </a:r>
-                <a:r>
-                  <a:rPr lang="ko-KR" altLang="en-US" dirty="0"/>
-                  <a:t> 찾기</a:t>
-                </a:r>
-                <a:endParaRPr lang="en-US" altLang="ko-KR" dirty="0"/>
-              </a:p>
-              <a:p>
-                <a:pPr>
-                  <a:lnSpc>
-                    <a:spcPct val="120000"/>
-                  </a:lnSpc>
-                </a:pPr>
-                <a:r>
-                  <a:rPr lang="ko-KR" altLang="en-US" dirty="0"/>
-                  <a:t>알고리즘</a:t>
-                </a:r>
-                <a:endParaRPr lang="en-US" altLang="ko-KR" sz="2400" b="0" i="1" dirty="0">
-                  <a:latin typeface="Cambria Math" panose="02040503050406030204" pitchFamily="18" charset="0"/>
-                </a:endParaRPr>
-              </a:p>
-              <a:p>
-                <a:pPr lvl="1">
-                  <a:lnSpc>
-                    <a:spcPct val="120000"/>
-                  </a:lnSpc>
-                </a:pPr>
-                <a14:m>
-                  <m:oMath xmlns:m="http://schemas.openxmlformats.org/officeDocument/2006/math">
-                    <m:r>
-                      <a:rPr lang="en-US" altLang="ko-KR" sz="2000" b="0" i="1" smtClean="0">
-                        <a:latin typeface="Cambria Math" panose="02040503050406030204" pitchFamily="18" charset="0"/>
-                      </a:rPr>
-                      <m:t>𝑝</m:t>
-                    </m:r>
-                    <m:r>
-                      <a:rPr lang="en-US" altLang="ko-KR" sz="2000" b="0" i="1" smtClean="0">
-                        <a:latin typeface="Cambria Math" panose="02040503050406030204" pitchFamily="18" charset="0"/>
-                      </a:rPr>
-                      <m:t>←</m:t>
-                    </m:r>
-                    <m:r>
-                      <a:rPr lang="en-US" altLang="ko-KR" sz="2000" b="0" i="1" smtClean="0">
-                        <a:latin typeface="Cambria Math" panose="02040503050406030204" pitchFamily="18" charset="0"/>
-                      </a:rPr>
-                      <m:t>𝑝</m:t>
-                    </m:r>
-                    <m:r>
-                      <a:rPr lang="en-US" altLang="ko-KR" sz="2000" b="0" i="1" smtClean="0">
-                        <a:latin typeface="Cambria Math" panose="02040503050406030204" pitchFamily="18" charset="0"/>
-                      </a:rPr>
-                      <m:t>−</m:t>
-                    </m:r>
-                    <m:r>
-                      <a:rPr lang="en-US" altLang="ko-KR" sz="2000" b="0" i="1" smtClean="0">
-                        <a:latin typeface="Cambria Math" panose="02040503050406030204" pitchFamily="18" charset="0"/>
-                      </a:rPr>
-                      <m:t>𝜆</m:t>
-                    </m:r>
-                    <m:r>
-                      <a:rPr lang="en-US" altLang="ko-KR" sz="2000" b="0" i="1" smtClean="0">
-                        <a:latin typeface="Cambria Math" panose="02040503050406030204" pitchFamily="18" charset="0"/>
-                      </a:rPr>
-                      <m:t>⋅</m:t>
-                    </m:r>
-                    <m:r>
-                      <m:rPr>
-                        <m:sty m:val="p"/>
-                      </m:rPr>
-                      <a:rPr lang="en-US" altLang="ko-KR" sz="2000" b="0" i="0" smtClean="0">
-                        <a:latin typeface="Cambria Math" panose="02040503050406030204" pitchFamily="18" charset="0"/>
-                      </a:rPr>
-                      <m:t>∇</m:t>
-                    </m:r>
-                    <m:r>
-                      <a:rPr lang="en-US" altLang="ko-KR" sz="2000" b="0" i="1" smtClean="0">
-                        <a:latin typeface="Cambria Math" panose="02040503050406030204" pitchFamily="18" charset="0"/>
-                      </a:rPr>
-                      <m:t>𝑓</m:t>
-                    </m:r>
-                    <m:r>
-                      <a:rPr lang="en-US" altLang="ko-KR" sz="2000" b="0" i="1" smtClean="0">
-                        <a:latin typeface="Cambria Math" panose="02040503050406030204" pitchFamily="18" charset="0"/>
-                      </a:rPr>
-                      <m:t>(</m:t>
-                    </m:r>
-                    <m:r>
-                      <a:rPr lang="en-US" altLang="ko-KR" sz="2000" b="0" i="1" smtClean="0">
-                        <a:latin typeface="Cambria Math" panose="02040503050406030204" pitchFamily="18" charset="0"/>
-                      </a:rPr>
-                      <m:t>𝑝</m:t>
-                    </m:r>
-                    <m:r>
-                      <a:rPr lang="en-US" altLang="ko-KR" sz="2000" b="0" i="1" smtClean="0">
-                        <a:latin typeface="Cambria Math" panose="02040503050406030204" pitchFamily="18" charset="0"/>
-                      </a:rPr>
-                      <m:t>)</m:t>
-                    </m:r>
-                  </m:oMath>
-                </a14:m>
-                <a:r>
-                  <a:rPr lang="ko-KR" altLang="en-US" sz="2000" dirty="0"/>
-                  <a:t>를</a:t>
-                </a:r>
-                <a:r>
-                  <a:rPr lang="en-US" altLang="ko-KR" sz="2000" dirty="0"/>
-                  <a:t> </a:t>
-                </a:r>
-                <a:r>
-                  <a:rPr lang="ko-KR" altLang="en-US" sz="2000" dirty="0"/>
-                  <a:t>반복</a:t>
-                </a:r>
-                <a:endParaRPr lang="en-US" altLang="ko-KR" sz="2000" dirty="0"/>
-              </a:p>
-            </p:txBody>
-          </p:sp>
-        </mc:Choice>
-        <mc:Fallback xmlns="">
-          <p:sp>
-            <p:nvSpPr>
-              <p:cNvPr id="3" name="내용 개체 틀 2">
-                <a:extLst>
-                  <a:ext uri="{FF2B5EF4-FFF2-40B4-BE49-F238E27FC236}">
-                    <a16:creationId xmlns:a16="http://schemas.microsoft.com/office/drawing/2014/main" id="{8D0748AE-D2E6-422B-AB91-4056EC273BC1}"/>
-                  </a:ext>
-                </a:extLst>
-              </p:cNvPr>
-              <p:cNvSpPr>
-                <a:spLocks noGrp="1" noRot="1" noChangeAspect="1" noMove="1" noResize="1" noEditPoints="1" noAdjustHandles="1" noChangeArrowheads="1" noChangeShapeType="1" noTextEdit="1"/>
-              </p:cNvSpPr>
-              <p:nvPr>
-                <p:ph idx="1"/>
-              </p:nvPr>
-            </p:nvSpPr>
-            <p:spPr>
-              <a:xfrm>
-                <a:off x="838200" y="1825625"/>
-                <a:ext cx="6440055" cy="4351338"/>
-              </a:xfrm>
-              <a:blipFill>
-                <a:blip r:embed="rId2"/>
-                <a:stretch>
-                  <a:fillRect l="-1705" t="-560"/>
-                </a:stretch>
-              </a:blipFill>
-            </p:spPr>
-            <p:txBody>
-              <a:bodyPr/>
-              <a:lstStyle/>
-              <a:p>
-                <a:r>
-                  <a:rPr lang="ko-KR" altLang="en-US">
-                    <a:noFill/>
-                  </a:rPr>
-                  <a:t> </a:t>
-                </a:r>
-              </a:p>
-            </p:txBody>
-          </p:sp>
-        </mc:Fallback>
-      </mc:AlternateContent>
-      <p:pic>
-        <p:nvPicPr>
-          <p:cNvPr id="4" name="그림 3">
-            <a:extLst>
-              <a:ext uri="{FF2B5EF4-FFF2-40B4-BE49-F238E27FC236}">
-                <a16:creationId xmlns:a16="http://schemas.microsoft.com/office/drawing/2014/main" id="{3440F8CA-B4B5-457C-80CB-728CD3C91A54}"/>
-              </a:ext>
-            </a:extLst>
-          </p:cNvPr>
-          <p:cNvPicPr>
-            <a:picLocks noChangeAspect="1"/>
-          </p:cNvPicPr>
-          <p:nvPr/>
-        </p:nvPicPr>
-        <p:blipFill>
-          <a:blip r:embed="rId3"/>
-          <a:stretch>
-            <a:fillRect/>
-          </a:stretch>
-        </p:blipFill>
-        <p:spPr>
-          <a:xfrm>
-            <a:off x="6430172" y="2382673"/>
-            <a:ext cx="3989708" cy="3686175"/>
-          </a:xfrm>
-          <a:prstGeom prst="rect">
-            <a:avLst/>
-          </a:prstGeom>
-        </p:spPr>
-      </p:pic>
-      <p:sp>
-        <p:nvSpPr>
-          <p:cNvPr id="5" name="TextBox 4">
-            <a:extLst>
-              <a:ext uri="{FF2B5EF4-FFF2-40B4-BE49-F238E27FC236}">
-                <a16:creationId xmlns:a16="http://schemas.microsoft.com/office/drawing/2014/main" id="{20BE8B9E-1E63-459F-9C5C-EC194F7C1129}"/>
-              </a:ext>
-            </a:extLst>
-          </p:cNvPr>
-          <p:cNvSpPr txBox="1"/>
-          <p:nvPr/>
-        </p:nvSpPr>
-        <p:spPr>
-          <a:xfrm>
-            <a:off x="5441881" y="1951739"/>
-            <a:ext cx="877163" cy="369332"/>
-          </a:xfrm>
-          <a:prstGeom prst="rect">
-            <a:avLst/>
-          </a:prstGeom>
-          <a:noFill/>
-        </p:spPr>
-        <p:txBody>
-          <a:bodyPr wrap="none" rtlCol="0">
-            <a:spAutoFit/>
-          </a:bodyPr>
-          <a:lstStyle/>
-          <a:p>
-            <a:r>
-              <a:rPr lang="ko-KR" altLang="en-US" dirty="0"/>
-              <a:t>등고선</a:t>
-            </a:r>
-          </a:p>
-        </p:txBody>
-      </p:sp>
-      <p:cxnSp>
-        <p:nvCxnSpPr>
-          <p:cNvPr id="7" name="연결선: 꺾임 6">
-            <a:extLst>
-              <a:ext uri="{FF2B5EF4-FFF2-40B4-BE49-F238E27FC236}">
-                <a16:creationId xmlns:a16="http://schemas.microsoft.com/office/drawing/2014/main" id="{0E48690B-4CEC-4E1E-AB0C-0B928E51705D}"/>
-              </a:ext>
-            </a:extLst>
-          </p:cNvPr>
-          <p:cNvCxnSpPr>
-            <a:cxnSpLocks/>
-            <a:stCxn id="5" idx="2"/>
-          </p:cNvCxnSpPr>
-          <p:nvPr/>
-        </p:nvCxnSpPr>
-        <p:spPr>
-          <a:xfrm rot="16200000" flipH="1">
-            <a:off x="6090602" y="2110931"/>
-            <a:ext cx="877576" cy="1297855"/>
-          </a:xfrm>
-          <a:prstGeom prst="bentConnector2">
-            <a:avLst/>
-          </a:prstGeom>
-          <a:ln w="19050"/>
-        </p:spPr>
-        <p:style>
-          <a:lnRef idx="1">
-            <a:schemeClr val="accent1"/>
-          </a:lnRef>
-          <a:fillRef idx="0">
-            <a:schemeClr val="accent1"/>
-          </a:fillRef>
-          <a:effectRef idx="0">
-            <a:schemeClr val="accent1"/>
-          </a:effectRef>
-          <a:fontRef idx="minor">
-            <a:schemeClr val="tx1"/>
-          </a:fontRef>
-        </p:style>
-      </p:cxnSp>
-      <p:sp>
-        <p:nvSpPr>
-          <p:cNvPr id="6" name="슬라이드 번호 개체 틀 5">
-            <a:extLst>
-              <a:ext uri="{FF2B5EF4-FFF2-40B4-BE49-F238E27FC236}">
-                <a16:creationId xmlns:a16="http://schemas.microsoft.com/office/drawing/2014/main" id="{B98B62F9-9145-4C3A-89B0-338844BC14DF}"/>
-              </a:ext>
-            </a:extLst>
-          </p:cNvPr>
-          <p:cNvSpPr>
-            <a:spLocks noGrp="1"/>
-          </p:cNvSpPr>
-          <p:nvPr>
-            <p:ph type="sldNum" sz="quarter" idx="12"/>
-          </p:nvPr>
-        </p:nvSpPr>
-        <p:spPr/>
-        <p:txBody>
-          <a:bodyPr/>
-          <a:lstStyle/>
-          <a:p>
-            <a:fld id="{C73D1B3A-BB94-49A7-9F3A-A604B6F7A515}" type="slidenum">
-              <a:rPr lang="ko-KR" altLang="en-US" smtClean="0"/>
-              <a:t>19</a:t>
-            </a:fld>
-            <a:endParaRPr lang="ko-KR" altLang="en-US"/>
-          </a:p>
-        </p:txBody>
-      </p:sp>
-      <p:sp>
-        <p:nvSpPr>
-          <p:cNvPr id="8" name="바닥글 개체 틀 7">
-            <a:extLst>
-              <a:ext uri="{FF2B5EF4-FFF2-40B4-BE49-F238E27FC236}">
-                <a16:creationId xmlns:a16="http://schemas.microsoft.com/office/drawing/2014/main" id="{25E6DA0F-B279-4C73-9751-782A212B4586}"/>
-              </a:ext>
-            </a:extLst>
-          </p:cNvPr>
-          <p:cNvSpPr>
-            <a:spLocks noGrp="1"/>
-          </p:cNvSpPr>
-          <p:nvPr>
-            <p:ph type="ftr" sz="quarter" idx="11"/>
-          </p:nvPr>
-        </p:nvSpPr>
-        <p:spPr/>
-        <p:txBody>
-          <a:bodyPr/>
-          <a:lstStyle/>
-          <a:p>
-            <a:r>
-              <a:rPr lang="ko-KR" altLang="en-US"/>
-              <a:t>인공 지능과 기계 학습</a:t>
-            </a:r>
-          </a:p>
-        </p:txBody>
-      </p:sp>
-    </p:spTree>
-    <p:extLst>
-      <p:ext uri="{BB962C8B-B14F-4D97-AF65-F5344CB8AC3E}">
-        <p14:creationId xmlns:p14="http://schemas.microsoft.com/office/powerpoint/2010/main" val="2315335757"/>
-      </p:ext>
-    </p:extLst>
-  </p:cSld>
-  <p:clrMapOvr>
-    <a:masterClrMapping/>
-  </p:clrMapOvr>
-</p:sld>
-</file>
-
-<file path=ppt/slides/slide2.xml><?xml version="1.0" encoding="utf-8"?>
-<p:sld xmlns:a="http://schemas.openxmlformats.org/drawingml/2006/main" xmlns:r="http://schemas.openxmlformats.org/officeDocument/2006/relationships" xmlns:p="http://schemas.openxmlformats.org/presentationml/2006/main">
-  <p:cSld>
-    <p:spTree>
-      <p:nvGrpSpPr>
-        <p:cNvPr id="1" name=""/>
-        <p:cNvGrpSpPr/>
-        <p:nvPr/>
-      </p:nvGrpSpPr>
-      <p:grpSpPr>
-        <a:xfrm>
-          <a:off x="0" y="0"/>
-          <a:ext cx="0" cy="0"/>
-          <a:chOff x="0" y="0"/>
-          <a:chExt cx="0" cy="0"/>
-        </a:xfrm>
-      </p:grpSpPr>
-      <p:sp>
-        <p:nvSpPr>
-          <p:cNvPr id="2" name="제목 1">
-            <a:extLst>
-              <a:ext uri="{FF2B5EF4-FFF2-40B4-BE49-F238E27FC236}">
-                <a16:creationId xmlns:a16="http://schemas.microsoft.com/office/drawing/2014/main" id="{E3914762-382D-4C33-82EF-708CE450B873}"/>
-              </a:ext>
-            </a:extLst>
-          </p:cNvPr>
-          <p:cNvSpPr>
-            <a:spLocks noGrp="1"/>
-          </p:cNvSpPr>
-          <p:nvPr>
-            <p:ph type="title"/>
-          </p:nvPr>
-        </p:nvSpPr>
-        <p:spPr/>
-        <p:txBody>
-          <a:bodyPr/>
-          <a:lstStyle/>
-          <a:p>
-            <a:r>
-              <a:rPr lang="ko-KR" altLang="en-US" dirty="0"/>
-              <a:t>서론</a:t>
-            </a:r>
-          </a:p>
-        </p:txBody>
-      </p:sp>
-      <p:sp>
-        <p:nvSpPr>
-          <p:cNvPr id="3" name="내용 개체 틀 2">
-            <a:extLst>
-              <a:ext uri="{FF2B5EF4-FFF2-40B4-BE49-F238E27FC236}">
-                <a16:creationId xmlns:a16="http://schemas.microsoft.com/office/drawing/2014/main" id="{6380C0AE-6208-4717-B241-8707CDDE1E9A}"/>
-              </a:ext>
-            </a:extLst>
-          </p:cNvPr>
-          <p:cNvSpPr>
-            <a:spLocks noGrp="1"/>
-          </p:cNvSpPr>
-          <p:nvPr>
-            <p:ph idx="1"/>
-          </p:nvPr>
-        </p:nvSpPr>
-        <p:spPr/>
-        <p:txBody>
-          <a:bodyPr/>
-          <a:lstStyle/>
-          <a:p>
-            <a:r>
-              <a:rPr lang="ko-KR" altLang="en-US" dirty="0"/>
-              <a:t>지능</a:t>
-            </a:r>
-            <a:endParaRPr lang="en-US" altLang="ko-KR" dirty="0"/>
-          </a:p>
-          <a:p>
-            <a:pPr lvl="1"/>
-            <a:r>
-              <a:rPr lang="ko-KR" altLang="en-US" dirty="0"/>
-              <a:t>상황을 인식하고 판단하는 기능</a:t>
-            </a:r>
-            <a:endParaRPr lang="en-US" altLang="ko-KR" dirty="0"/>
-          </a:p>
-          <a:p>
-            <a:pPr lvl="1"/>
-            <a:r>
-              <a:rPr lang="ko-KR" altLang="en-US" dirty="0"/>
-              <a:t>자연 지능 </a:t>
-            </a:r>
-            <a:r>
-              <a:rPr lang="en-US" altLang="ko-KR" dirty="0"/>
-              <a:t>/ </a:t>
-            </a:r>
-            <a:r>
-              <a:rPr lang="ko-KR" altLang="en-US" dirty="0"/>
-              <a:t>인공 지능</a:t>
-            </a:r>
-            <a:endParaRPr lang="en-US" altLang="ko-KR" dirty="0"/>
-          </a:p>
-          <a:p>
-            <a:r>
-              <a:rPr lang="ko-KR" altLang="en-US" dirty="0"/>
-              <a:t>인공 지능</a:t>
-            </a:r>
-            <a:endParaRPr lang="en-US" altLang="ko-KR" dirty="0"/>
-          </a:p>
-          <a:p>
-            <a:pPr lvl="1"/>
-            <a:r>
-              <a:rPr lang="ko-KR" altLang="en-US" dirty="0"/>
-              <a:t>지능을 구현한 컴퓨터 시스템</a:t>
-            </a:r>
-            <a:endParaRPr lang="en-US" altLang="ko-KR" dirty="0"/>
-          </a:p>
-          <a:p>
-            <a:pPr lvl="1"/>
-            <a:r>
-              <a:rPr lang="ko-KR" altLang="en-US" dirty="0"/>
-              <a:t>논리 기반 시스템 </a:t>
-            </a:r>
-            <a:r>
-              <a:rPr lang="en-US" altLang="ko-KR" dirty="0"/>
-              <a:t>/ </a:t>
-            </a:r>
-            <a:r>
-              <a:rPr lang="ko-KR" altLang="en-US" dirty="0"/>
-              <a:t>데이터</a:t>
-            </a:r>
-            <a:r>
-              <a:rPr lang="en-US" altLang="ko-KR" dirty="0"/>
-              <a:t>(</a:t>
-            </a:r>
-            <a:r>
-              <a:rPr lang="ko-KR" altLang="en-US" dirty="0"/>
-              <a:t>경험</a:t>
-            </a:r>
-            <a:r>
-              <a:rPr lang="en-US" altLang="ko-KR" dirty="0"/>
-              <a:t>)</a:t>
-            </a:r>
-            <a:r>
-              <a:rPr lang="ko-KR" altLang="en-US" dirty="0"/>
-              <a:t> 기반 시스템</a:t>
-            </a:r>
-            <a:endParaRPr lang="en-US" altLang="ko-KR" dirty="0"/>
-          </a:p>
-          <a:p>
-            <a:r>
-              <a:rPr lang="ko-KR" altLang="en-US" dirty="0"/>
-              <a:t>기계 학습</a:t>
-            </a:r>
-            <a:endParaRPr lang="en-US" altLang="ko-KR" dirty="0"/>
-          </a:p>
-          <a:p>
-            <a:pPr lvl="1"/>
-            <a:r>
-              <a:rPr lang="ko-KR" altLang="en-US" dirty="0"/>
-              <a:t>기계가 경험을 통하여 스스로 배우는 알고리즘</a:t>
-            </a:r>
-            <a:endParaRPr lang="en-US" altLang="ko-KR" dirty="0"/>
-          </a:p>
-          <a:p>
-            <a:pPr lvl="1"/>
-            <a:r>
-              <a:rPr lang="ko-KR" altLang="en-US" dirty="0"/>
-              <a:t>인공 지능 구현의 한 방법</a:t>
-            </a:r>
-          </a:p>
-        </p:txBody>
-      </p:sp>
-      <p:sp>
-        <p:nvSpPr>
-          <p:cNvPr id="4" name="슬라이드 번호 개체 틀 3">
-            <a:extLst>
-              <a:ext uri="{FF2B5EF4-FFF2-40B4-BE49-F238E27FC236}">
-                <a16:creationId xmlns:a16="http://schemas.microsoft.com/office/drawing/2014/main" id="{03C87CB0-351F-4E91-8C3F-50C36F6C1EEC}"/>
-              </a:ext>
-            </a:extLst>
-          </p:cNvPr>
-          <p:cNvSpPr>
-            <a:spLocks noGrp="1"/>
-          </p:cNvSpPr>
-          <p:nvPr>
-            <p:ph type="sldNum" sz="quarter" idx="12"/>
-          </p:nvPr>
-        </p:nvSpPr>
-        <p:spPr/>
-        <p:txBody>
-          <a:bodyPr/>
-          <a:lstStyle/>
-          <a:p>
-            <a:fld id="{C73D1B3A-BB94-49A7-9F3A-A604B6F7A515}" type="slidenum">
-              <a:rPr lang="ko-KR" altLang="en-US" smtClean="0"/>
-              <a:t>2</a:t>
-            </a:fld>
-            <a:endParaRPr lang="ko-KR" altLang="en-US"/>
-          </a:p>
-        </p:txBody>
-      </p:sp>
-      <p:sp>
-        <p:nvSpPr>
-          <p:cNvPr id="5" name="바닥글 개체 틀 4">
-            <a:extLst>
-              <a:ext uri="{FF2B5EF4-FFF2-40B4-BE49-F238E27FC236}">
-                <a16:creationId xmlns:a16="http://schemas.microsoft.com/office/drawing/2014/main" id="{D78674BB-40F1-43E9-903B-34B9ED7EE965}"/>
-              </a:ext>
-            </a:extLst>
-          </p:cNvPr>
-          <p:cNvSpPr>
-            <a:spLocks noGrp="1"/>
-          </p:cNvSpPr>
-          <p:nvPr>
-            <p:ph type="ftr" sz="quarter" idx="11"/>
-          </p:nvPr>
-        </p:nvSpPr>
-        <p:spPr/>
-        <p:txBody>
-          <a:bodyPr/>
-          <a:lstStyle/>
-          <a:p>
-            <a:r>
-              <a:rPr lang="ko-KR" altLang="en-US"/>
-              <a:t>인공 지능과 기계 학습</a:t>
-            </a:r>
-          </a:p>
-        </p:txBody>
-      </p:sp>
-    </p:spTree>
-    <p:extLst>
-      <p:ext uri="{BB962C8B-B14F-4D97-AF65-F5344CB8AC3E}">
-        <p14:creationId xmlns:p14="http://schemas.microsoft.com/office/powerpoint/2010/main" val="1805873017"/>
-      </p:ext>
-    </p:extLst>
-  </p:cSld>
-  <p:clrMapOvr>
-    <a:masterClrMapping/>
-  </p:clrMapOvr>
-</p:sld>
-</file>
-
-<file path=ppt/slides/slide20.xml><?xml version="1.0" encoding="utf-8"?>
-<p:sld xmlns:a="http://schemas.openxmlformats.org/drawingml/2006/main" xmlns:r="http://schemas.openxmlformats.org/officeDocument/2006/relationships" xmlns:p="http://schemas.openxmlformats.org/presentationml/2006/main">
-  <p:cSld>
-    <p:spTree>
-      <p:nvGrpSpPr>
-        <p:cNvPr id="1" name=""/>
-        <p:cNvGrpSpPr/>
-        <p:nvPr/>
-      </p:nvGrpSpPr>
-      <p:grpSpPr>
-        <a:xfrm>
-          <a:off x="0" y="0"/>
-          <a:ext cx="0" cy="0"/>
-          <a:chOff x="0" y="0"/>
-          <a:chExt cx="0" cy="0"/>
-        </a:xfrm>
-      </p:grpSpPr>
-      <mc:AlternateContent xmlns:mc="http://schemas.openxmlformats.org/markup-compatibility/2006" xmlns:a14="http://schemas.microsoft.com/office/drawing/2010/main">
-        <mc:Choice Requires="a14">
+      <mc:AlternateContent xmlns:mc="http://schemas.openxmlformats.org/markup-compatibility/2006">
+        <mc:Choice xmlns:a14="http://schemas.microsoft.com/office/drawing/2010/main" Requires="a14">
           <p:sp>
             <p:nvSpPr>
               <p:cNvPr id="3" name="내용 개체 틀 2">
@@ -15957,13 +16706,13 @@
             </p:nvSpPr>
             <p:spPr>
               <a:xfrm>
-                <a:off x="838200" y="365125"/>
-                <a:ext cx="5257800" cy="5811838"/>
+                <a:off x="838200" y="1514355"/>
+                <a:ext cx="5257800" cy="4662607"/>
               </a:xfrm>
             </p:spPr>
             <p:txBody>
               <a:bodyPr>
-                <a:normAutofit/>
+                <a:normAutofit lnSpcReduction="10000"/>
               </a:bodyPr>
               <a:lstStyle/>
               <a:p>
@@ -16438,6 +17187,88 @@
                     </m:d>
                   </m:oMath>
                 </a14:m>
+                <a:br>
+                  <a:rPr lang="en-US" altLang="ko-KR" dirty="0">
+                    <a:latin typeface="Cambria Math" panose="02040503050406030204" pitchFamily="18" charset="0"/>
+                  </a:rPr>
+                </a:br>
+                <a14:m>
+                  <m:oMath xmlns:m="http://schemas.openxmlformats.org/officeDocument/2006/math">
+                    <m:r>
+                      <a:rPr lang="en-US" altLang="ko-KR" b="0" i="0" smtClean="0">
+                        <a:latin typeface="Cambria Math" panose="02040503050406030204" pitchFamily="18" charset="0"/>
+                      </a:rPr>
+                      <m:t>     </m:t>
+                    </m:r>
+                    <m:r>
+                      <a:rPr lang="en-US" altLang="ko-KR" b="0" i="1" smtClean="0">
+                        <a:latin typeface="Cambria Math" panose="02040503050406030204" pitchFamily="18" charset="0"/>
+                      </a:rPr>
+                      <m:t>=</m:t>
+                    </m:r>
+                    <m:r>
+                      <a:rPr lang="en-US" altLang="ko-KR" b="0" i="1" smtClean="0">
+                        <a:latin typeface="Cambria Math" panose="02040503050406030204" pitchFamily="18" charset="0"/>
+                      </a:rPr>
+                      <m:t>𝜎</m:t>
+                    </m:r>
+                    <m:r>
+                      <a:rPr lang="en-US" altLang="ko-KR" b="0" i="1" smtClean="0">
+                        <a:latin typeface="Cambria Math" panose="02040503050406030204" pitchFamily="18" charset="0"/>
+                      </a:rPr>
+                      <m:t>(</m:t>
+                    </m:r>
+                    <m:r>
+                      <a:rPr lang="en-US" altLang="ko-KR" b="0" i="1" smtClean="0">
+                        <a:latin typeface="Cambria Math" panose="02040503050406030204" pitchFamily="18" charset="0"/>
+                      </a:rPr>
+                      <m:t>𝑏</m:t>
+                    </m:r>
+                    <m:r>
+                      <a:rPr lang="en-US" altLang="ko-KR" b="0" i="1" smtClean="0">
+                        <a:latin typeface="Cambria Math" panose="02040503050406030204" pitchFamily="18" charset="0"/>
+                      </a:rPr>
+                      <m:t>+</m:t>
+                    </m:r>
+                    <m:r>
+                      <a:rPr lang="en-US" altLang="ko-KR" b="0" i="1" smtClean="0">
+                        <a:latin typeface="Cambria Math" panose="02040503050406030204" pitchFamily="18" charset="0"/>
+                      </a:rPr>
+                      <m:t>𝑊</m:t>
+                    </m:r>
+                    <m:sSub>
+                      <m:sSubPr>
+                        <m:ctrlPr>
+                          <a:rPr lang="en-US" altLang="ko-KR" b="0" i="1" smtClean="0">
+                            <a:latin typeface="Cambria Math" panose="02040503050406030204" pitchFamily="18" charset="0"/>
+                          </a:rPr>
+                        </m:ctrlPr>
+                      </m:sSubPr>
+                      <m:e>
+                        <m:r>
+                          <a:rPr lang="en-US" altLang="ko-KR" b="0" i="1" smtClean="0">
+                            <a:latin typeface="Cambria Math" panose="02040503050406030204" pitchFamily="18" charset="0"/>
+                          </a:rPr>
+                          <m:t>𝑋</m:t>
+                        </m:r>
+                      </m:e>
+                      <m:sub>
+                        <m:r>
+                          <a:rPr lang="en-US" altLang="ko-KR" b="0" i="1" smtClean="0">
+                            <a:latin typeface="Cambria Math" panose="02040503050406030204" pitchFamily="18" charset="0"/>
+                          </a:rPr>
+                          <m:t>𝑗</m:t>
+                        </m:r>
+                      </m:sub>
+                    </m:sSub>
+                    <m:r>
+                      <a:rPr lang="en-US" altLang="ko-KR" b="0" i="1" smtClean="0">
+                        <a:latin typeface="Cambria Math" panose="02040503050406030204" pitchFamily="18" charset="0"/>
+                      </a:rPr>
+                      <m:t>)</m:t>
+                    </m:r>
+                  </m:oMath>
+                </a14:m>
                 <a:endParaRPr lang="en-US" altLang="ko-KR" dirty="0">
                   <a:latin typeface="Cambria Math" panose="02040503050406030204" pitchFamily="18" charset="0"/>
                 </a:endParaRPr>
@@ -16687,7 +17518,7 @@
             </p:txBody>
           </p:sp>
         </mc:Choice>
-        <mc:Fallback xmlns="">
+        <mc:Fallback>
           <p:sp>
             <p:nvSpPr>
               <p:cNvPr id="3" name="내용 개체 틀 2">
@@ -16706,13 +17537,13 @@
             </p:nvSpPr>
             <p:spPr>
               <a:xfrm>
-                <a:off x="838200" y="365125"/>
-                <a:ext cx="5257800" cy="5811838"/>
+                <a:off x="838200" y="1514355"/>
+                <a:ext cx="5257800" cy="4662607"/>
               </a:xfrm>
               <a:blipFill>
                 <a:blip r:embed="rId2"/>
                 <a:stretch>
-                  <a:fillRect l="-2088" t="-1154"/>
+                  <a:fillRect l="-2088" t="-2222" b="-2353"/>
                 </a:stretch>
               </a:blipFill>
             </p:spPr>
@@ -16754,7 +17585,7 @@
           <a:p>
             <a:fld id="{C73D1B3A-BB94-49A7-9F3A-A604B6F7A515}" type="slidenum">
               <a:rPr lang="ko-KR" altLang="en-US" smtClean="0"/>
-              <a:t>20</a:t>
+              <a:t>19</a:t>
             </a:fld>
             <a:endParaRPr lang="ko-KR" altLang="en-US" dirty="0"/>
           </a:p>
@@ -17977,6 +18808,46 @@
           </a:prstGeom>
         </p:spPr>
       </p:pic>
+      <p:sp>
+        <p:nvSpPr>
+          <p:cNvPr id="2" name="TextBox 1">
+            <a:extLst>
+              <a:ext uri="{FF2B5EF4-FFF2-40B4-BE49-F238E27FC236}">
+                <a16:creationId xmlns:a16="http://schemas.microsoft.com/office/drawing/2014/main" id="{AB0DAAC8-4886-4921-AAAA-2D302108580D}"/>
+              </a:ext>
+            </a:extLst>
+          </p:cNvPr>
+          <p:cNvSpPr txBox="1"/>
+          <p:nvPr/>
+        </p:nvSpPr>
+        <p:spPr>
+          <a:xfrm>
+            <a:off x="1000396" y="589085"/>
+            <a:ext cx="3768980" cy="769441"/>
+          </a:xfrm>
+          <a:prstGeom prst="rect">
+            <a:avLst/>
+          </a:prstGeom>
+          <a:noFill/>
+        </p:spPr>
+        <p:txBody>
+          <a:bodyPr wrap="none" rtlCol="0">
+            <a:spAutoFit/>
+          </a:bodyPr>
+          <a:lstStyle/>
+          <a:p>
+            <a:r>
+              <a:rPr lang="ko-KR" altLang="en-US" sz="4400" dirty="0"/>
+              <a:t>단층 </a:t>
+            </a:r>
+            <a:r>
+              <a:rPr lang="ko-KR" altLang="en-US" sz="4400" dirty="0" err="1"/>
+              <a:t>퍼셉트론</a:t>
+            </a:r>
+            <a:endParaRPr lang="ko-KR" altLang="en-US" sz="4400" dirty="0"/>
+          </a:p>
+        </p:txBody>
+      </p:sp>
     </p:spTree>
     <p:extLst>
       <p:ext uri="{BB962C8B-B14F-4D97-AF65-F5344CB8AC3E}">
@@ -17990,7 +18861,244 @@
 </p:sld>
 </file>
 
-<file path=ppt/slides/slide21.xml><?xml version="1.0" encoding="utf-8"?>
+<file path=ppt/slides/slide2.xml><?xml version="1.0" encoding="utf-8"?>
+<p:sld xmlns:a="http://schemas.openxmlformats.org/drawingml/2006/main" xmlns:r="http://schemas.openxmlformats.org/officeDocument/2006/relationships" xmlns:p="http://schemas.openxmlformats.org/presentationml/2006/main">
+  <p:cSld>
+    <p:spTree>
+      <p:nvGrpSpPr>
+        <p:cNvPr id="1" name=""/>
+        <p:cNvGrpSpPr/>
+        <p:nvPr/>
+      </p:nvGrpSpPr>
+      <p:grpSpPr>
+        <a:xfrm>
+          <a:off x="0" y="0"/>
+          <a:ext cx="0" cy="0"/>
+          <a:chOff x="0" y="0"/>
+          <a:chExt cx="0" cy="0"/>
+        </a:xfrm>
+      </p:grpSpPr>
+      <p:sp>
+        <p:nvSpPr>
+          <p:cNvPr id="2" name="제목 1">
+            <a:extLst>
+              <a:ext uri="{FF2B5EF4-FFF2-40B4-BE49-F238E27FC236}">
+                <a16:creationId xmlns:a16="http://schemas.microsoft.com/office/drawing/2014/main" id="{E3914762-382D-4C33-82EF-708CE450B873}"/>
+              </a:ext>
+            </a:extLst>
+          </p:cNvPr>
+          <p:cNvSpPr>
+            <a:spLocks noGrp="1"/>
+          </p:cNvSpPr>
+          <p:nvPr>
+            <p:ph type="title"/>
+          </p:nvPr>
+        </p:nvSpPr>
+        <p:spPr/>
+        <p:txBody>
+          <a:bodyPr/>
+          <a:lstStyle/>
+          <a:p>
+            <a:r>
+              <a:rPr lang="ko-KR" altLang="en-US" dirty="0"/>
+              <a:t>서론</a:t>
+            </a:r>
+          </a:p>
+        </p:txBody>
+      </p:sp>
+      <p:sp>
+        <p:nvSpPr>
+          <p:cNvPr id="3" name="내용 개체 틀 2">
+            <a:extLst>
+              <a:ext uri="{FF2B5EF4-FFF2-40B4-BE49-F238E27FC236}">
+                <a16:creationId xmlns:a16="http://schemas.microsoft.com/office/drawing/2014/main" id="{6380C0AE-6208-4717-B241-8707CDDE1E9A}"/>
+              </a:ext>
+            </a:extLst>
+          </p:cNvPr>
+          <p:cNvSpPr>
+            <a:spLocks noGrp="1"/>
+          </p:cNvSpPr>
+          <p:nvPr>
+            <p:ph idx="1"/>
+          </p:nvPr>
+        </p:nvSpPr>
+        <p:spPr/>
+        <p:txBody>
+          <a:bodyPr/>
+          <a:lstStyle/>
+          <a:p>
+            <a:r>
+              <a:rPr lang="ko-KR" altLang="en-US" dirty="0"/>
+              <a:t>지능</a:t>
+            </a:r>
+            <a:endParaRPr lang="en-US" altLang="ko-KR" dirty="0"/>
+          </a:p>
+          <a:p>
+            <a:pPr lvl="1"/>
+            <a:r>
+              <a:rPr lang="ko-KR" altLang="en-US" dirty="0"/>
+              <a:t>상황을 인식하고 판단하는 기능</a:t>
+            </a:r>
+            <a:endParaRPr lang="en-US" altLang="ko-KR" dirty="0"/>
+          </a:p>
+          <a:p>
+            <a:pPr lvl="1"/>
+            <a:r>
+              <a:rPr lang="ko-KR" altLang="en-US" dirty="0"/>
+              <a:t>자연 지능 </a:t>
+            </a:r>
+            <a:r>
+              <a:rPr lang="en-US" altLang="ko-KR" dirty="0"/>
+              <a:t>/ </a:t>
+            </a:r>
+            <a:r>
+              <a:rPr lang="ko-KR" altLang="en-US" dirty="0"/>
+              <a:t>인공 지능</a:t>
+            </a:r>
+            <a:endParaRPr lang="en-US" altLang="ko-KR" dirty="0"/>
+          </a:p>
+          <a:p>
+            <a:r>
+              <a:rPr lang="ko-KR" altLang="en-US" dirty="0"/>
+              <a:t>인공 지능</a:t>
+            </a:r>
+            <a:endParaRPr lang="en-US" altLang="ko-KR" dirty="0"/>
+          </a:p>
+          <a:p>
+            <a:pPr lvl="1"/>
+            <a:r>
+              <a:rPr lang="ko-KR" altLang="en-US" dirty="0"/>
+              <a:t>지능을 구현한 컴퓨터 시스템</a:t>
+            </a:r>
+            <a:endParaRPr lang="en-US" altLang="ko-KR" dirty="0"/>
+          </a:p>
+          <a:p>
+            <a:pPr lvl="1"/>
+            <a:r>
+              <a:rPr lang="ko-KR" altLang="en-US" dirty="0"/>
+              <a:t>논리 기반 시스템 </a:t>
+            </a:r>
+            <a:r>
+              <a:rPr lang="en-US" altLang="ko-KR" dirty="0"/>
+              <a:t>/ </a:t>
+            </a:r>
+            <a:r>
+              <a:rPr lang="ko-KR" altLang="en-US" dirty="0"/>
+              <a:t>데이터</a:t>
+            </a:r>
+            <a:r>
+              <a:rPr lang="en-US" altLang="ko-KR" dirty="0"/>
+              <a:t>(</a:t>
+            </a:r>
+            <a:r>
+              <a:rPr lang="ko-KR" altLang="en-US" dirty="0"/>
+              <a:t>경험</a:t>
+            </a:r>
+            <a:r>
+              <a:rPr lang="en-US" altLang="ko-KR" dirty="0"/>
+              <a:t>)</a:t>
+            </a:r>
+            <a:r>
+              <a:rPr lang="ko-KR" altLang="en-US" dirty="0"/>
+              <a:t> 기반 시스템</a:t>
+            </a:r>
+            <a:endParaRPr lang="en-US" altLang="ko-KR" dirty="0"/>
+          </a:p>
+          <a:p>
+            <a:r>
+              <a:rPr lang="ko-KR" altLang="en-US" dirty="0"/>
+              <a:t>기계 학습</a:t>
+            </a:r>
+            <a:endParaRPr lang="en-US" altLang="ko-KR" dirty="0"/>
+          </a:p>
+          <a:p>
+            <a:pPr lvl="1"/>
+            <a:r>
+              <a:rPr lang="ko-KR" altLang="en-US" dirty="0"/>
+              <a:t>기계가 경험을 통하여 스스로 배우는 알고리즘</a:t>
+            </a:r>
+            <a:endParaRPr lang="en-US" altLang="ko-KR" dirty="0"/>
+          </a:p>
+          <a:p>
+            <a:pPr lvl="1"/>
+            <a:r>
+              <a:rPr lang="ko-KR" altLang="en-US" dirty="0"/>
+              <a:t>인공 지능 구현의 한 방법</a:t>
+            </a:r>
+          </a:p>
+        </p:txBody>
+      </p:sp>
+      <p:sp>
+        <p:nvSpPr>
+          <p:cNvPr id="4" name="슬라이드 번호 개체 틀 3">
+            <a:extLst>
+              <a:ext uri="{FF2B5EF4-FFF2-40B4-BE49-F238E27FC236}">
+                <a16:creationId xmlns:a16="http://schemas.microsoft.com/office/drawing/2014/main" id="{03C87CB0-351F-4E91-8C3F-50C36F6C1EEC}"/>
+              </a:ext>
+            </a:extLst>
+          </p:cNvPr>
+          <p:cNvSpPr>
+            <a:spLocks noGrp="1"/>
+          </p:cNvSpPr>
+          <p:nvPr>
+            <p:ph type="sldNum" sz="quarter" idx="12"/>
+          </p:nvPr>
+        </p:nvSpPr>
+        <p:spPr/>
+        <p:txBody>
+          <a:bodyPr/>
+          <a:lstStyle/>
+          <a:p>
+            <a:fld id="{C73D1B3A-BB94-49A7-9F3A-A604B6F7A515}" type="slidenum">
+              <a:rPr lang="ko-KR" altLang="en-US" smtClean="0"/>
+              <a:t>2</a:t>
+            </a:fld>
+            <a:endParaRPr lang="ko-KR" altLang="en-US"/>
+          </a:p>
+        </p:txBody>
+      </p:sp>
+      <p:sp>
+        <p:nvSpPr>
+          <p:cNvPr id="5" name="바닥글 개체 틀 4">
+            <a:extLst>
+              <a:ext uri="{FF2B5EF4-FFF2-40B4-BE49-F238E27FC236}">
+                <a16:creationId xmlns:a16="http://schemas.microsoft.com/office/drawing/2014/main" id="{D78674BB-40F1-43E9-903B-34B9ED7EE965}"/>
+              </a:ext>
+            </a:extLst>
+          </p:cNvPr>
+          <p:cNvSpPr>
+            <a:spLocks noGrp="1"/>
+          </p:cNvSpPr>
+          <p:nvPr>
+            <p:ph type="ftr" sz="quarter" idx="11"/>
+          </p:nvPr>
+        </p:nvSpPr>
+        <p:spPr/>
+        <p:txBody>
+          <a:bodyPr/>
+          <a:lstStyle/>
+          <a:p>
+            <a:r>
+              <a:rPr lang="ko-KR" altLang="en-US"/>
+              <a:t>인공 지능과 기계 학습</a:t>
+            </a:r>
+          </a:p>
+        </p:txBody>
+      </p:sp>
+    </p:spTree>
+    <p:extLst>
+      <p:ext uri="{BB962C8B-B14F-4D97-AF65-F5344CB8AC3E}">
+        <p14:creationId xmlns:p14="http://schemas.microsoft.com/office/powerpoint/2010/main" val="1805873017"/>
+      </p:ext>
+    </p:extLst>
+  </p:cSld>
+  <p:clrMapOvr>
+    <a:masterClrMapping/>
+  </p:clrMapOvr>
+</p:sld>
+</file>
+
+<file path=ppt/slides/slide20.xml><?xml version="1.0" encoding="utf-8"?>
 <p:sld xmlns:a="http://schemas.openxmlformats.org/drawingml/2006/main" xmlns:r="http://schemas.openxmlformats.org/officeDocument/2006/relationships" xmlns:p="http://schemas.openxmlformats.org/presentationml/2006/main">
   <p:cSld>
     <p:spTree>
@@ -18063,7 +19171,7 @@
           <a:p>
             <a:fld id="{C73D1B3A-BB94-49A7-9F3A-A604B6F7A515}" type="slidenum">
               <a:rPr lang="ko-KR" altLang="en-US" smtClean="0"/>
-              <a:t>21</a:t>
+              <a:t>20</a:t>
             </a:fld>
             <a:endParaRPr lang="ko-KR" altLang="en-US"/>
           </a:p>
@@ -18485,7 +19593,7 @@
 </p:sld>
 </file>
 
-<file path=ppt/slides/slide22.xml><?xml version="1.0" encoding="utf-8"?>
+<file path=ppt/slides/slide21.xml><?xml version="1.0" encoding="utf-8"?>
 <p:sld xmlns:a="http://schemas.openxmlformats.org/drawingml/2006/main" xmlns:r="http://schemas.openxmlformats.org/officeDocument/2006/relationships" xmlns:p="http://schemas.openxmlformats.org/presentationml/2006/main">
   <p:cSld>
     <p:spTree>
@@ -18613,7 +19721,7 @@
           <a:p>
             <a:fld id="{C73D1B3A-BB94-49A7-9F3A-A604B6F7A515}" type="slidenum">
               <a:rPr lang="ko-KR" altLang="en-US" smtClean="0"/>
-              <a:t>22</a:t>
+              <a:t>21</a:t>
             </a:fld>
             <a:endParaRPr lang="ko-KR" altLang="en-US"/>
           </a:p>
@@ -18651,6 +19759,222 @@
     <p:extLst>
       <p:ext uri="{BB962C8B-B14F-4D97-AF65-F5344CB8AC3E}">
         <p14:creationId xmlns:p14="http://schemas.microsoft.com/office/powerpoint/2010/main" val="333712360"/>
+      </p:ext>
+    </p:extLst>
+  </p:cSld>
+  <p:clrMapOvr>
+    <a:masterClrMapping/>
+  </p:clrMapOvr>
+</p:sld>
+</file>
+
+<file path=ppt/slides/slide22.xml><?xml version="1.0" encoding="utf-8"?>
+<p:sld xmlns:a="http://schemas.openxmlformats.org/drawingml/2006/main" xmlns:r="http://schemas.openxmlformats.org/officeDocument/2006/relationships" xmlns:p="http://schemas.openxmlformats.org/presentationml/2006/main">
+  <p:cSld>
+    <p:spTree>
+      <p:nvGrpSpPr>
+        <p:cNvPr id="1" name=""/>
+        <p:cNvGrpSpPr/>
+        <p:nvPr/>
+      </p:nvGrpSpPr>
+      <p:grpSpPr>
+        <a:xfrm>
+          <a:off x="0" y="0"/>
+          <a:ext cx="0" cy="0"/>
+          <a:chOff x="0" y="0"/>
+          <a:chExt cx="0" cy="0"/>
+        </a:xfrm>
+      </p:grpSpPr>
+      <p:sp>
+        <p:nvSpPr>
+          <p:cNvPr id="2" name="제목 1">
+            <a:extLst>
+              <a:ext uri="{FF2B5EF4-FFF2-40B4-BE49-F238E27FC236}">
+                <a16:creationId xmlns:a16="http://schemas.microsoft.com/office/drawing/2014/main" id="{E1EB86CC-3E0D-4F05-8B70-792BCBD2179E}"/>
+              </a:ext>
+            </a:extLst>
+          </p:cNvPr>
+          <p:cNvSpPr>
+            <a:spLocks noGrp="1"/>
+          </p:cNvSpPr>
+          <p:nvPr>
+            <p:ph type="title"/>
+          </p:nvPr>
+        </p:nvSpPr>
+        <p:spPr/>
+        <p:txBody>
+          <a:bodyPr/>
+          <a:lstStyle/>
+          <a:p>
+            <a:r>
+              <a:rPr lang="ko-KR" altLang="en-US" dirty="0"/>
+              <a:t>이미지</a:t>
+            </a:r>
+            <a:r>
+              <a:rPr lang="en-US" altLang="ko-KR" dirty="0"/>
+              <a:t> </a:t>
+            </a:r>
+            <a:r>
+              <a:rPr lang="ko-KR" altLang="en-US" dirty="0"/>
+              <a:t>인식</a:t>
+            </a:r>
+            <a:r>
+              <a:rPr lang="en-US" altLang="ko-KR" dirty="0"/>
+              <a:t>(</a:t>
+            </a:r>
+            <a:r>
+              <a:rPr lang="ko-KR" altLang="en-US" dirty="0"/>
+              <a:t>분류</a:t>
+            </a:r>
+            <a:r>
+              <a:rPr lang="en-US" altLang="ko-KR" dirty="0"/>
+              <a:t>)</a:t>
+            </a:r>
+            <a:endParaRPr lang="ko-KR" altLang="en-US" dirty="0"/>
+          </a:p>
+        </p:txBody>
+      </p:sp>
+      <p:sp>
+        <p:nvSpPr>
+          <p:cNvPr id="3" name="내용 개체 틀 2">
+            <a:extLst>
+              <a:ext uri="{FF2B5EF4-FFF2-40B4-BE49-F238E27FC236}">
+                <a16:creationId xmlns:a16="http://schemas.microsoft.com/office/drawing/2014/main" id="{CB31074E-95B9-4B73-93FF-275001A2CBA6}"/>
+              </a:ext>
+            </a:extLst>
+          </p:cNvPr>
+          <p:cNvSpPr>
+            <a:spLocks noGrp="1"/>
+          </p:cNvSpPr>
+          <p:nvPr>
+            <p:ph idx="1"/>
+          </p:nvPr>
+        </p:nvSpPr>
+        <p:spPr/>
+        <p:txBody>
+          <a:bodyPr/>
+          <a:lstStyle/>
+          <a:p>
+            <a:r>
+              <a:rPr lang="ko-KR" altLang="en-US" dirty="0" err="1"/>
+              <a:t>합성곱</a:t>
+            </a:r>
+            <a:r>
+              <a:rPr lang="ko-KR" altLang="en-US" dirty="0"/>
+              <a:t> 신경망</a:t>
+            </a:r>
+            <a:r>
+              <a:rPr lang="en-US" altLang="ko-KR" dirty="0"/>
+              <a:t>(CNN, convolutional neural network)</a:t>
+            </a:r>
+          </a:p>
+          <a:p>
+            <a:pPr lvl="1"/>
+            <a:r>
+              <a:rPr lang="ko-KR" altLang="en-US" dirty="0"/>
+              <a:t>심층</a:t>
+            </a:r>
+            <a:r>
+              <a:rPr lang="en-US" altLang="ko-KR" dirty="0"/>
+              <a:t> </a:t>
+            </a:r>
+            <a:r>
+              <a:rPr lang="ko-KR" altLang="en-US" dirty="0"/>
+              <a:t>학습</a:t>
+            </a:r>
+            <a:endParaRPr lang="en-US" altLang="ko-KR" dirty="0"/>
+          </a:p>
+          <a:p>
+            <a:pPr lvl="1"/>
+            <a:r>
+              <a:rPr lang="ko-KR" altLang="en-US" dirty="0" err="1"/>
+              <a:t>합성곱</a:t>
+            </a:r>
+            <a:r>
+              <a:rPr lang="en-US" altLang="ko-KR" dirty="0"/>
+              <a:t>(convolution)</a:t>
+            </a:r>
+            <a:r>
+              <a:rPr lang="ko-KR" altLang="en-US" dirty="0"/>
+              <a:t>을 사용</a:t>
+            </a:r>
+            <a:endParaRPr lang="en-US" altLang="ko-KR" dirty="0"/>
+          </a:p>
+          <a:p>
+            <a:pPr lvl="1"/>
+            <a:r>
+              <a:rPr lang="ko-KR" altLang="en-US" dirty="0"/>
+              <a:t>낮은 </a:t>
+            </a:r>
+            <a:r>
+              <a:rPr lang="ko-KR" altLang="en-US" dirty="0" err="1"/>
+              <a:t>오류율</a:t>
+            </a:r>
+            <a:endParaRPr lang="ko-KR" altLang="en-US" dirty="0"/>
+          </a:p>
+        </p:txBody>
+      </p:sp>
+      <p:sp>
+        <p:nvSpPr>
+          <p:cNvPr id="4" name="바닥글 개체 틀 3">
+            <a:extLst>
+              <a:ext uri="{FF2B5EF4-FFF2-40B4-BE49-F238E27FC236}">
+                <a16:creationId xmlns:a16="http://schemas.microsoft.com/office/drawing/2014/main" id="{B79AB1D6-1739-4A28-BA1D-9DAC60FFDED7}"/>
+              </a:ext>
+            </a:extLst>
+          </p:cNvPr>
+          <p:cNvSpPr>
+            <a:spLocks noGrp="1"/>
+          </p:cNvSpPr>
+          <p:nvPr>
+            <p:ph type="ftr" sz="quarter" idx="11"/>
+          </p:nvPr>
+        </p:nvSpPr>
+        <p:spPr/>
+        <p:txBody>
+          <a:bodyPr/>
+          <a:lstStyle/>
+          <a:p>
+            <a:r>
+              <a:rPr lang="ko-KR" altLang="en-US"/>
+              <a:t>인공 지능과 기계 학습</a:t>
+            </a:r>
+          </a:p>
+        </p:txBody>
+      </p:sp>
+      <p:sp>
+        <p:nvSpPr>
+          <p:cNvPr id="5" name="슬라이드 번호 개체 틀 4">
+            <a:extLst>
+              <a:ext uri="{FF2B5EF4-FFF2-40B4-BE49-F238E27FC236}">
+                <a16:creationId xmlns:a16="http://schemas.microsoft.com/office/drawing/2014/main" id="{B8FAD3B0-81DD-41DC-852E-2BA1A849E68D}"/>
+              </a:ext>
+            </a:extLst>
+          </p:cNvPr>
+          <p:cNvSpPr>
+            <a:spLocks noGrp="1"/>
+          </p:cNvSpPr>
+          <p:nvPr>
+            <p:ph type="sldNum" sz="quarter" idx="12"/>
+          </p:nvPr>
+        </p:nvSpPr>
+        <p:spPr/>
+        <p:txBody>
+          <a:bodyPr/>
+          <a:lstStyle/>
+          <a:p>
+            <a:fld id="{C73D1B3A-BB94-49A7-9F3A-A604B6F7A515}" type="slidenum">
+              <a:rPr lang="ko-KR" altLang="en-US" smtClean="0"/>
+              <a:t>22</a:t>
+            </a:fld>
+            <a:endParaRPr lang="ko-KR" altLang="en-US"/>
+          </a:p>
+        </p:txBody>
+      </p:sp>
+    </p:spTree>
+    <p:extLst>
+      <p:ext uri="{BB962C8B-B14F-4D97-AF65-F5344CB8AC3E}">
+        <p14:creationId xmlns:p14="http://schemas.microsoft.com/office/powerpoint/2010/main" val="3234296082"/>
       </p:ext>
     </p:extLst>
   </p:cSld>
@@ -18710,8 +20034,8 @@
           </a:p>
         </p:txBody>
       </p:sp>
-      <mc:AlternateContent xmlns:mc="http://schemas.openxmlformats.org/markup-compatibility/2006" xmlns:a14="http://schemas.microsoft.com/office/drawing/2010/main">
-        <mc:Choice Requires="a14">
+      <mc:AlternateContent xmlns:mc="http://schemas.openxmlformats.org/markup-compatibility/2006">
+        <mc:Choice xmlns:a14="http://schemas.microsoft.com/office/drawing/2010/main" Requires="a14">
           <p:graphicFrame>
             <p:nvGraphicFramePr>
               <p:cNvPr id="4" name="내용 개체 틀 3">
@@ -18728,13 +20052,13 @@
                 <p:ph idx="1"/>
                 <p:extLst>
                   <p:ext uri="{D42A27DB-BD31-4B8C-83A1-F6EECF244321}">
-                    <p14:modId xmlns:p14="http://schemas.microsoft.com/office/powerpoint/2010/main" val="1988551436"/>
+                    <p14:modId xmlns:p14="http://schemas.microsoft.com/office/powerpoint/2010/main" val="3870845657"/>
                   </p:ext>
                 </p:extLst>
               </p:nvPr>
             </p:nvGraphicFramePr>
             <p:xfrm>
-              <a:off x="3519851" y="2212485"/>
+              <a:off x="3467099" y="2212485"/>
               <a:ext cx="1468800" cy="1463040"/>
             </p:xfrm>
             <a:graphic>
@@ -18798,7 +20122,15 @@
                           <a:endParaRPr lang="ko-KR" altLang="en-US" dirty="0"/>
                         </a:p>
                       </a:txBody>
-                      <a:tcPr anchor="ctr"/>
+                      <a:tcPr anchor="ctr">
+                        <a:lnB w="12700" cap="flat" cmpd="sng" algn="ctr">
+                          <a:noFill/>
+                          <a:prstDash val="solid"/>
+                          <a:round/>
+                          <a:headEnd type="none" w="med" len="med"/>
+                          <a:tailEnd type="none" w="med" len="med"/>
+                        </a:lnB>
+                      </a:tcPr>
                     </a:tc>
                     <a:tc>
                       <a:txBody>
@@ -18824,7 +20156,15 @@
                           <a:endParaRPr lang="ko-KR" altLang="en-US" dirty="0"/>
                         </a:p>
                       </a:txBody>
-                      <a:tcPr anchor="ctr"/>
+                      <a:tcPr anchor="ctr">
+                        <a:lnB w="12700" cap="flat" cmpd="sng" algn="ctr">
+                          <a:noFill/>
+                          <a:prstDash val="solid"/>
+                          <a:round/>
+                          <a:headEnd type="none" w="med" len="med"/>
+                          <a:tailEnd type="none" w="med" len="med"/>
+                        </a:lnB>
+                      </a:tcPr>
                     </a:tc>
                     <a:tc>
                       <a:txBody>
@@ -18850,7 +20190,15 @@
                           <a:endParaRPr lang="ko-KR" altLang="en-US" dirty="0"/>
                         </a:p>
                       </a:txBody>
-                      <a:tcPr anchor="ctr"/>
+                      <a:tcPr anchor="ctr">
+                        <a:lnB w="12700" cap="flat" cmpd="sng" algn="ctr">
+                          <a:noFill/>
+                          <a:prstDash val="solid"/>
+                          <a:round/>
+                          <a:headEnd type="none" w="med" len="med"/>
+                          <a:tailEnd type="none" w="med" len="med"/>
+                        </a:lnB>
+                      </a:tcPr>
                     </a:tc>
                     <a:tc>
                       <a:txBody>
@@ -18909,7 +20257,39 @@
                           <a:endParaRPr lang="ko-KR" altLang="en-US" dirty="0"/>
                         </a:p>
                       </a:txBody>
-                      <a:tcPr anchor="ctr"/>
+                      <a:tcPr anchor="ctr">
+                        <a:lnL w="12700" cap="flat" cmpd="sng" algn="ctr">
+                          <a:noFill/>
+                          <a:prstDash val="solid"/>
+                          <a:round/>
+                          <a:headEnd type="none" w="med" len="med"/>
+                          <a:tailEnd type="none" w="med" len="med"/>
+                        </a:lnL>
+                        <a:lnR w="12700" cmpd="sng">
+                          <a:noFill/>
+                        </a:lnR>
+                        <a:lnT w="12700" cap="flat" cmpd="sng" algn="ctr">
+                          <a:noFill/>
+                          <a:prstDash val="solid"/>
+                          <a:round/>
+                          <a:headEnd type="none" w="med" len="med"/>
+                          <a:tailEnd type="none" w="med" len="med"/>
+                        </a:lnT>
+                        <a:lnB w="12700" cmpd="sng">
+                          <a:noFill/>
+                        </a:lnB>
+                        <a:lnTlToBr w="12700" cmpd="sng">
+                          <a:noFill/>
+                          <a:prstDash val="solid"/>
+                        </a:lnTlToBr>
+                        <a:lnBlToTr w="12700" cmpd="sng">
+                          <a:noFill/>
+                          <a:prstDash val="solid"/>
+                        </a:lnBlToTr>
+                        <a:solidFill>
+                          <a:srgbClr val="FFC000"/>
+                        </a:solidFill>
+                      </a:tcPr>
                     </a:tc>
                     <a:tc>
                       <a:txBody>
@@ -18935,7 +20315,35 @@
                           <a:endParaRPr lang="ko-KR" altLang="en-US" dirty="0"/>
                         </a:p>
                       </a:txBody>
-                      <a:tcPr anchor="ctr"/>
+                      <a:tcPr anchor="ctr">
+                        <a:lnL w="12700" cmpd="sng">
+                          <a:noFill/>
+                        </a:lnL>
+                        <a:lnR w="12700" cmpd="sng">
+                          <a:noFill/>
+                        </a:lnR>
+                        <a:lnT w="12700" cap="flat" cmpd="sng" algn="ctr">
+                          <a:noFill/>
+                          <a:prstDash val="solid"/>
+                          <a:round/>
+                          <a:headEnd type="none" w="med" len="med"/>
+                          <a:tailEnd type="none" w="med" len="med"/>
+                        </a:lnT>
+                        <a:lnB w="12700" cmpd="sng">
+                          <a:noFill/>
+                        </a:lnB>
+                        <a:lnTlToBr w="12700" cmpd="sng">
+                          <a:noFill/>
+                          <a:prstDash val="solid"/>
+                        </a:lnTlToBr>
+                        <a:lnBlToTr w="12700" cmpd="sng">
+                          <a:noFill/>
+                          <a:prstDash val="solid"/>
+                        </a:lnBlToTr>
+                        <a:solidFill>
+                          <a:srgbClr val="FFC000"/>
+                        </a:solidFill>
+                      </a:tcPr>
                     </a:tc>
                     <a:tc>
                       <a:txBody>
@@ -18961,7 +20369,39 @@
                           <a:endParaRPr lang="ko-KR" altLang="en-US" dirty="0"/>
                         </a:p>
                       </a:txBody>
-                      <a:tcPr anchor="ctr"/>
+                      <a:tcPr anchor="ctr">
+                        <a:lnL w="12700" cmpd="sng">
+                          <a:noFill/>
+                        </a:lnL>
+                        <a:lnR w="12700" cap="flat" cmpd="sng" algn="ctr">
+                          <a:noFill/>
+                          <a:prstDash val="solid"/>
+                          <a:round/>
+                          <a:headEnd type="none" w="med" len="med"/>
+                          <a:tailEnd type="none" w="med" len="med"/>
+                        </a:lnR>
+                        <a:lnT w="12700" cap="flat" cmpd="sng" algn="ctr">
+                          <a:noFill/>
+                          <a:prstDash val="solid"/>
+                          <a:round/>
+                          <a:headEnd type="none" w="med" len="med"/>
+                          <a:tailEnd type="none" w="med" len="med"/>
+                        </a:lnT>
+                        <a:lnB w="12700" cmpd="sng">
+                          <a:noFill/>
+                        </a:lnB>
+                        <a:lnTlToBr w="12700" cmpd="sng">
+                          <a:noFill/>
+                          <a:prstDash val="solid"/>
+                        </a:lnTlToBr>
+                        <a:lnBlToTr w="12700" cmpd="sng">
+                          <a:noFill/>
+                          <a:prstDash val="solid"/>
+                        </a:lnBlToTr>
+                        <a:solidFill>
+                          <a:srgbClr val="FFC000"/>
+                        </a:solidFill>
+                      </a:tcPr>
                     </a:tc>
                     <a:tc>
                       <a:txBody>
@@ -18987,7 +20427,15 @@
                           <a:endParaRPr lang="ko-KR" altLang="en-US" dirty="0"/>
                         </a:p>
                       </a:txBody>
-                      <a:tcPr anchor="ctr"/>
+                      <a:tcPr anchor="ctr">
+                        <a:lnL w="12700" cap="flat" cmpd="sng" algn="ctr">
+                          <a:noFill/>
+                          <a:prstDash val="solid"/>
+                          <a:round/>
+                          <a:headEnd type="none" w="med" len="med"/>
+                          <a:tailEnd type="none" w="med" len="med"/>
+                        </a:lnL>
+                      </a:tcPr>
                     </a:tc>
                     <a:extLst>
                       <a:ext uri="{0D108BD9-81ED-4DB2-BD59-A6C34878D82A}">
@@ -19020,7 +20468,35 @@
                           <a:endParaRPr lang="ko-KR" altLang="en-US" dirty="0"/>
                         </a:p>
                       </a:txBody>
-                      <a:tcPr anchor="ctr"/>
+                      <a:tcPr anchor="ctr">
+                        <a:lnL w="12700" cap="flat" cmpd="sng" algn="ctr">
+                          <a:noFill/>
+                          <a:prstDash val="solid"/>
+                          <a:round/>
+                          <a:headEnd type="none" w="med" len="med"/>
+                          <a:tailEnd type="none" w="med" len="med"/>
+                        </a:lnL>
+                        <a:lnR w="12700" cmpd="sng">
+                          <a:noFill/>
+                        </a:lnR>
+                        <a:lnT w="12700" cmpd="sng">
+                          <a:noFill/>
+                        </a:lnT>
+                        <a:lnB w="12700" cmpd="sng">
+                          <a:noFill/>
+                        </a:lnB>
+                        <a:lnTlToBr w="12700" cmpd="sng">
+                          <a:noFill/>
+                          <a:prstDash val="solid"/>
+                        </a:lnTlToBr>
+                        <a:lnBlToTr w="12700" cmpd="sng">
+                          <a:noFill/>
+                          <a:prstDash val="solid"/>
+                        </a:lnBlToTr>
+                        <a:solidFill>
+                          <a:srgbClr val="FFC000"/>
+                        </a:solidFill>
+                      </a:tcPr>
                     </a:tc>
                     <a:tc>
                       <a:txBody>
@@ -19046,7 +20522,31 @@
                           <a:endParaRPr lang="ko-KR" altLang="en-US" dirty="0"/>
                         </a:p>
                       </a:txBody>
-                      <a:tcPr anchor="ctr"/>
+                      <a:tcPr anchor="ctr">
+                        <a:lnL w="12700" cmpd="sng">
+                          <a:noFill/>
+                        </a:lnL>
+                        <a:lnR w="12700" cmpd="sng">
+                          <a:noFill/>
+                        </a:lnR>
+                        <a:lnT w="12700" cmpd="sng">
+                          <a:noFill/>
+                        </a:lnT>
+                        <a:lnB w="12700" cmpd="sng">
+                          <a:noFill/>
+                        </a:lnB>
+                        <a:lnTlToBr w="12700" cmpd="sng">
+                          <a:noFill/>
+                          <a:prstDash val="solid"/>
+                        </a:lnTlToBr>
+                        <a:lnBlToTr w="12700" cmpd="sng">
+                          <a:noFill/>
+                          <a:prstDash val="solid"/>
+                        </a:lnBlToTr>
+                        <a:solidFill>
+                          <a:srgbClr val="FFC000"/>
+                        </a:solidFill>
+                      </a:tcPr>
                     </a:tc>
                     <a:tc>
                       <a:txBody>
@@ -19072,7 +20572,35 @@
                           <a:endParaRPr lang="ko-KR" altLang="en-US" dirty="0"/>
                         </a:p>
                       </a:txBody>
-                      <a:tcPr anchor="ctr"/>
+                      <a:tcPr anchor="ctr">
+                        <a:lnL w="12700" cmpd="sng">
+                          <a:noFill/>
+                        </a:lnL>
+                        <a:lnR w="12700" cap="flat" cmpd="sng" algn="ctr">
+                          <a:noFill/>
+                          <a:prstDash val="solid"/>
+                          <a:round/>
+                          <a:headEnd type="none" w="med" len="med"/>
+                          <a:tailEnd type="none" w="med" len="med"/>
+                        </a:lnR>
+                        <a:lnT w="12700" cmpd="sng">
+                          <a:noFill/>
+                        </a:lnT>
+                        <a:lnB w="12700" cmpd="sng">
+                          <a:noFill/>
+                        </a:lnB>
+                        <a:lnTlToBr w="12700" cmpd="sng">
+                          <a:noFill/>
+                          <a:prstDash val="solid"/>
+                        </a:lnTlToBr>
+                        <a:lnBlToTr w="12700" cmpd="sng">
+                          <a:noFill/>
+                          <a:prstDash val="solid"/>
+                        </a:lnBlToTr>
+                        <a:solidFill>
+                          <a:srgbClr val="FFC000"/>
+                        </a:solidFill>
+                      </a:tcPr>
                     </a:tc>
                     <a:tc>
                       <a:txBody>
@@ -19098,7 +20626,15 @@
                           <a:endParaRPr lang="ko-KR" altLang="en-US" dirty="0"/>
                         </a:p>
                       </a:txBody>
-                      <a:tcPr anchor="ctr"/>
+                      <a:tcPr anchor="ctr">
+                        <a:lnL w="12700" cap="flat" cmpd="sng" algn="ctr">
+                          <a:noFill/>
+                          <a:prstDash val="solid"/>
+                          <a:round/>
+                          <a:headEnd type="none" w="med" len="med"/>
+                          <a:tailEnd type="none" w="med" len="med"/>
+                        </a:lnL>
+                      </a:tcPr>
                     </a:tc>
                     <a:extLst>
                       <a:ext uri="{0D108BD9-81ED-4DB2-BD59-A6C34878D82A}">
@@ -19131,7 +20667,39 @@
                           <a:endParaRPr lang="ko-KR" altLang="en-US" dirty="0"/>
                         </a:p>
                       </a:txBody>
-                      <a:tcPr anchor="ctr"/>
+                      <a:tcPr anchor="ctr">
+                        <a:lnL w="12700" cap="flat" cmpd="sng" algn="ctr">
+                          <a:noFill/>
+                          <a:prstDash val="solid"/>
+                          <a:round/>
+                          <a:headEnd type="none" w="med" len="med"/>
+                          <a:tailEnd type="none" w="med" len="med"/>
+                        </a:lnL>
+                        <a:lnR w="12700" cmpd="sng">
+                          <a:noFill/>
+                        </a:lnR>
+                        <a:lnT w="12700" cmpd="sng">
+                          <a:noFill/>
+                        </a:lnT>
+                        <a:lnB w="12700" cap="flat" cmpd="sng" algn="ctr">
+                          <a:noFill/>
+                          <a:prstDash val="solid"/>
+                          <a:round/>
+                          <a:headEnd type="none" w="med" len="med"/>
+                          <a:tailEnd type="none" w="med" len="med"/>
+                        </a:lnB>
+                        <a:lnTlToBr w="12700" cmpd="sng">
+                          <a:noFill/>
+                          <a:prstDash val="solid"/>
+                        </a:lnTlToBr>
+                        <a:lnBlToTr w="12700" cmpd="sng">
+                          <a:noFill/>
+                          <a:prstDash val="solid"/>
+                        </a:lnBlToTr>
+                        <a:solidFill>
+                          <a:srgbClr val="FFC000"/>
+                        </a:solidFill>
+                      </a:tcPr>
                     </a:tc>
                     <a:tc>
                       <a:txBody>
@@ -19157,7 +20725,35 @@
                           <a:endParaRPr lang="ko-KR" altLang="en-US" dirty="0"/>
                         </a:p>
                       </a:txBody>
-                      <a:tcPr anchor="ctr"/>
+                      <a:tcPr anchor="ctr">
+                        <a:lnL w="12700" cmpd="sng">
+                          <a:noFill/>
+                        </a:lnL>
+                        <a:lnR w="12700" cmpd="sng">
+                          <a:noFill/>
+                        </a:lnR>
+                        <a:lnT w="12700" cmpd="sng">
+                          <a:noFill/>
+                        </a:lnT>
+                        <a:lnB w="12700" cap="flat" cmpd="sng" algn="ctr">
+                          <a:noFill/>
+                          <a:prstDash val="solid"/>
+                          <a:round/>
+                          <a:headEnd type="none" w="med" len="med"/>
+                          <a:tailEnd type="none" w="med" len="med"/>
+                        </a:lnB>
+                        <a:lnTlToBr w="12700" cmpd="sng">
+                          <a:noFill/>
+                          <a:prstDash val="solid"/>
+                        </a:lnTlToBr>
+                        <a:lnBlToTr w="12700" cmpd="sng">
+                          <a:noFill/>
+                          <a:prstDash val="solid"/>
+                        </a:lnBlToTr>
+                        <a:solidFill>
+                          <a:srgbClr val="FFC000"/>
+                        </a:solidFill>
+                      </a:tcPr>
                     </a:tc>
                     <a:tc>
                       <a:txBody>
@@ -19183,7 +20779,39 @@
                           <a:endParaRPr lang="ko-KR" altLang="en-US" dirty="0"/>
                         </a:p>
                       </a:txBody>
-                      <a:tcPr anchor="ctr"/>
+                      <a:tcPr anchor="ctr">
+                        <a:lnL w="12700" cmpd="sng">
+                          <a:noFill/>
+                        </a:lnL>
+                        <a:lnR w="12700" cap="flat" cmpd="sng" algn="ctr">
+                          <a:noFill/>
+                          <a:prstDash val="solid"/>
+                          <a:round/>
+                          <a:headEnd type="none" w="med" len="med"/>
+                          <a:tailEnd type="none" w="med" len="med"/>
+                        </a:lnR>
+                        <a:lnT w="12700" cmpd="sng">
+                          <a:noFill/>
+                        </a:lnT>
+                        <a:lnB w="12700" cap="flat" cmpd="sng" algn="ctr">
+                          <a:noFill/>
+                          <a:prstDash val="solid"/>
+                          <a:round/>
+                          <a:headEnd type="none" w="med" len="med"/>
+                          <a:tailEnd type="none" w="med" len="med"/>
+                        </a:lnB>
+                        <a:lnTlToBr w="12700" cmpd="sng">
+                          <a:noFill/>
+                          <a:prstDash val="solid"/>
+                        </a:lnTlToBr>
+                        <a:lnBlToTr w="12700" cmpd="sng">
+                          <a:noFill/>
+                          <a:prstDash val="solid"/>
+                        </a:lnBlToTr>
+                        <a:solidFill>
+                          <a:srgbClr val="FFC000"/>
+                        </a:solidFill>
+                      </a:tcPr>
                     </a:tc>
                     <a:tc>
                       <a:txBody>
@@ -19209,7 +20837,15 @@
                           <a:endParaRPr lang="ko-KR" altLang="en-US" dirty="0"/>
                         </a:p>
                       </a:txBody>
-                      <a:tcPr anchor="ctr"/>
+                      <a:tcPr anchor="ctr">
+                        <a:lnL w="12700" cap="flat" cmpd="sng" algn="ctr">
+                          <a:noFill/>
+                          <a:prstDash val="solid"/>
+                          <a:round/>
+                          <a:headEnd type="none" w="med" len="med"/>
+                          <a:tailEnd type="none" w="med" len="med"/>
+                        </a:lnL>
+                      </a:tcPr>
                     </a:tc>
                     <a:extLst>
                       <a:ext uri="{0D108BD9-81ED-4DB2-BD59-A6C34878D82A}">
@@ -19222,7 +20858,7 @@
             </a:graphic>
           </p:graphicFrame>
         </mc:Choice>
-        <mc:Fallback xmlns="">
+        <mc:Fallback>
           <p:graphicFrame>
             <p:nvGraphicFramePr>
               <p:cNvPr id="4" name="내용 개체 틀 3">
@@ -19239,13 +20875,13 @@
                 <p:ph idx="1"/>
                 <p:extLst>
                   <p:ext uri="{D42A27DB-BD31-4B8C-83A1-F6EECF244321}">
-                    <p14:modId xmlns:p14="http://schemas.microsoft.com/office/powerpoint/2010/main" val="1988551436"/>
+                    <p14:modId xmlns:p14="http://schemas.microsoft.com/office/powerpoint/2010/main" val="3870845657"/>
                   </p:ext>
                 </p:extLst>
               </p:nvPr>
             </p:nvGraphicFramePr>
             <p:xfrm>
-              <a:off x="3519851" y="2212485"/>
+              <a:off x="3467099" y="2212485"/>
               <a:ext cx="1468800" cy="1463040"/>
             </p:xfrm>
             <a:graphic>
@@ -19294,6 +20930,13 @@
                         </a:p>
                       </a:txBody>
                       <a:tcPr anchor="ctr">
+                        <a:lnB w="12700" cap="flat" cmpd="sng" algn="ctr">
+                          <a:noFill/>
+                          <a:prstDash val="solid"/>
+                          <a:round/>
+                          <a:headEnd type="none" w="med" len="med"/>
+                          <a:tailEnd type="none" w="med" len="med"/>
+                        </a:lnB>
                         <a:blipFill>
                           <a:blip r:embed="rId2"/>
                           <a:stretch>
@@ -19311,6 +20954,13 @@
                         </a:p>
                       </a:txBody>
                       <a:tcPr anchor="ctr">
+                        <a:lnB w="12700" cap="flat" cmpd="sng" algn="ctr">
+                          <a:noFill/>
+                          <a:prstDash val="solid"/>
+                          <a:round/>
+                          <a:headEnd type="none" w="med" len="med"/>
+                          <a:tailEnd type="none" w="med" len="med"/>
+                        </a:lnB>
                         <a:blipFill>
                           <a:blip r:embed="rId2"/>
                           <a:stretch>
@@ -19328,6 +20978,13 @@
                         </a:p>
                       </a:txBody>
                       <a:tcPr anchor="ctr">
+                        <a:lnB w="12700" cap="flat" cmpd="sng" algn="ctr">
+                          <a:noFill/>
+                          <a:prstDash val="solid"/>
+                          <a:round/>
+                          <a:headEnd type="none" w="med" len="med"/>
+                          <a:tailEnd type="none" w="med" len="med"/>
+                        </a:lnB>
                         <a:blipFill>
                           <a:blip r:embed="rId2"/>
                           <a:stretch>
@@ -19369,6 +21026,34 @@
                         </a:p>
                       </a:txBody>
                       <a:tcPr anchor="ctr">
+                        <a:lnL w="12700" cap="flat" cmpd="sng" algn="ctr">
+                          <a:noFill/>
+                          <a:prstDash val="solid"/>
+                          <a:round/>
+                          <a:headEnd type="none" w="med" len="med"/>
+                          <a:tailEnd type="none" w="med" len="med"/>
+                        </a:lnL>
+                        <a:lnR w="12700" cmpd="sng">
+                          <a:noFill/>
+                        </a:lnR>
+                        <a:lnT w="12700" cap="flat" cmpd="sng" algn="ctr">
+                          <a:noFill/>
+                          <a:prstDash val="solid"/>
+                          <a:round/>
+                          <a:headEnd type="none" w="med" len="med"/>
+                          <a:tailEnd type="none" w="med" len="med"/>
+                        </a:lnT>
+                        <a:lnB w="12700" cmpd="sng">
+                          <a:noFill/>
+                        </a:lnB>
+                        <a:lnTlToBr w="12700" cmpd="sng">
+                          <a:noFill/>
+                          <a:prstDash val="solid"/>
+                        </a:lnTlToBr>
+                        <a:lnBlToTr w="12700" cmpd="sng">
+                          <a:noFill/>
+                          <a:prstDash val="solid"/>
+                        </a:lnBlToTr>
                         <a:blipFill>
                           <a:blip r:embed="rId2"/>
                           <a:stretch>
@@ -19386,6 +21071,30 @@
                         </a:p>
                       </a:txBody>
                       <a:tcPr anchor="ctr">
+                        <a:lnL w="12700" cmpd="sng">
+                          <a:noFill/>
+                        </a:lnL>
+                        <a:lnR w="12700" cmpd="sng">
+                          <a:noFill/>
+                        </a:lnR>
+                        <a:lnT w="12700" cap="flat" cmpd="sng" algn="ctr">
+                          <a:noFill/>
+                          <a:prstDash val="solid"/>
+                          <a:round/>
+                          <a:headEnd type="none" w="med" len="med"/>
+                          <a:tailEnd type="none" w="med" len="med"/>
+                        </a:lnT>
+                        <a:lnB w="12700" cmpd="sng">
+                          <a:noFill/>
+                        </a:lnB>
+                        <a:lnTlToBr w="12700" cmpd="sng">
+                          <a:noFill/>
+                          <a:prstDash val="solid"/>
+                        </a:lnTlToBr>
+                        <a:lnBlToTr w="12700" cmpd="sng">
+                          <a:noFill/>
+                          <a:prstDash val="solid"/>
+                        </a:lnBlToTr>
                         <a:blipFill>
                           <a:blip r:embed="rId2"/>
                           <a:stretch>
@@ -19403,6 +21112,34 @@
                         </a:p>
                       </a:txBody>
                       <a:tcPr anchor="ctr">
+                        <a:lnL w="12700" cmpd="sng">
+                          <a:noFill/>
+                        </a:lnL>
+                        <a:lnR w="12700" cap="flat" cmpd="sng" algn="ctr">
+                          <a:noFill/>
+                          <a:prstDash val="solid"/>
+                          <a:round/>
+                          <a:headEnd type="none" w="med" len="med"/>
+                          <a:tailEnd type="none" w="med" len="med"/>
+                        </a:lnR>
+                        <a:lnT w="12700" cap="flat" cmpd="sng" algn="ctr">
+                          <a:noFill/>
+                          <a:prstDash val="solid"/>
+                          <a:round/>
+                          <a:headEnd type="none" w="med" len="med"/>
+                          <a:tailEnd type="none" w="med" len="med"/>
+                        </a:lnT>
+                        <a:lnB w="12700" cmpd="sng">
+                          <a:noFill/>
+                        </a:lnB>
+                        <a:lnTlToBr w="12700" cmpd="sng">
+                          <a:noFill/>
+                          <a:prstDash val="solid"/>
+                        </a:lnTlToBr>
+                        <a:lnBlToTr w="12700" cmpd="sng">
+                          <a:noFill/>
+                          <a:prstDash val="solid"/>
+                        </a:lnBlToTr>
                         <a:blipFill>
                           <a:blip r:embed="rId2"/>
                           <a:stretch>
@@ -19420,6 +21157,13 @@
                         </a:p>
                       </a:txBody>
                       <a:tcPr anchor="ctr">
+                        <a:lnL w="12700" cap="flat" cmpd="sng" algn="ctr">
+                          <a:noFill/>
+                          <a:prstDash val="solid"/>
+                          <a:round/>
+                          <a:headEnd type="none" w="med" len="med"/>
+                          <a:tailEnd type="none" w="med" len="med"/>
+                        </a:lnL>
                         <a:blipFill>
                           <a:blip r:embed="rId2"/>
                           <a:stretch>
@@ -19444,6 +21188,30 @@
                         </a:p>
                       </a:txBody>
                       <a:tcPr anchor="ctr">
+                        <a:lnL w="12700" cap="flat" cmpd="sng" algn="ctr">
+                          <a:noFill/>
+                          <a:prstDash val="solid"/>
+                          <a:round/>
+                          <a:headEnd type="none" w="med" len="med"/>
+                          <a:tailEnd type="none" w="med" len="med"/>
+                        </a:lnL>
+                        <a:lnR w="12700" cmpd="sng">
+                          <a:noFill/>
+                        </a:lnR>
+                        <a:lnT w="12700" cmpd="sng">
+                          <a:noFill/>
+                        </a:lnT>
+                        <a:lnB w="12700" cmpd="sng">
+                          <a:noFill/>
+                        </a:lnB>
+                        <a:lnTlToBr w="12700" cmpd="sng">
+                          <a:noFill/>
+                          <a:prstDash val="solid"/>
+                        </a:lnTlToBr>
+                        <a:lnBlToTr w="12700" cmpd="sng">
+                          <a:noFill/>
+                          <a:prstDash val="solid"/>
+                        </a:lnBlToTr>
                         <a:blipFill>
                           <a:blip r:embed="rId2"/>
                           <a:stretch>
@@ -19461,6 +21229,26 @@
                         </a:p>
                       </a:txBody>
                       <a:tcPr anchor="ctr">
+                        <a:lnL w="12700" cmpd="sng">
+                          <a:noFill/>
+                        </a:lnL>
+                        <a:lnR w="12700" cmpd="sng">
+                          <a:noFill/>
+                        </a:lnR>
+                        <a:lnT w="12700" cmpd="sng">
+                          <a:noFill/>
+                        </a:lnT>
+                        <a:lnB w="12700" cmpd="sng">
+                          <a:noFill/>
+                        </a:lnB>
+                        <a:lnTlToBr w="12700" cmpd="sng">
+                          <a:noFill/>
+                          <a:prstDash val="solid"/>
+                        </a:lnTlToBr>
+                        <a:lnBlToTr w="12700" cmpd="sng">
+                          <a:noFill/>
+                          <a:prstDash val="solid"/>
+                        </a:lnBlToTr>
                         <a:blipFill>
                           <a:blip r:embed="rId2"/>
                           <a:stretch>
@@ -19478,6 +21266,30 @@
                         </a:p>
                       </a:txBody>
                       <a:tcPr anchor="ctr">
+                        <a:lnL w="12700" cmpd="sng">
+                          <a:noFill/>
+                        </a:lnL>
+                        <a:lnR w="12700" cap="flat" cmpd="sng" algn="ctr">
+                          <a:noFill/>
+                          <a:prstDash val="solid"/>
+                          <a:round/>
+                          <a:headEnd type="none" w="med" len="med"/>
+                          <a:tailEnd type="none" w="med" len="med"/>
+                        </a:lnR>
+                        <a:lnT w="12700" cmpd="sng">
+                          <a:noFill/>
+                        </a:lnT>
+                        <a:lnB w="12700" cmpd="sng">
+                          <a:noFill/>
+                        </a:lnB>
+                        <a:lnTlToBr w="12700" cmpd="sng">
+                          <a:noFill/>
+                          <a:prstDash val="solid"/>
+                        </a:lnTlToBr>
+                        <a:lnBlToTr w="12700" cmpd="sng">
+                          <a:noFill/>
+                          <a:prstDash val="solid"/>
+                        </a:lnBlToTr>
                         <a:blipFill>
                           <a:blip r:embed="rId2"/>
                           <a:stretch>
@@ -19495,6 +21307,13 @@
                         </a:p>
                       </a:txBody>
                       <a:tcPr anchor="ctr">
+                        <a:lnL w="12700" cap="flat" cmpd="sng" algn="ctr">
+                          <a:noFill/>
+                          <a:prstDash val="solid"/>
+                          <a:round/>
+                          <a:headEnd type="none" w="med" len="med"/>
+                          <a:tailEnd type="none" w="med" len="med"/>
+                        </a:lnL>
                         <a:blipFill>
                           <a:blip r:embed="rId2"/>
                           <a:stretch>
@@ -19519,6 +21338,34 @@
                         </a:p>
                       </a:txBody>
                       <a:tcPr anchor="ctr">
+                        <a:lnL w="12700" cap="flat" cmpd="sng" algn="ctr">
+                          <a:noFill/>
+                          <a:prstDash val="solid"/>
+                          <a:round/>
+                          <a:headEnd type="none" w="med" len="med"/>
+                          <a:tailEnd type="none" w="med" len="med"/>
+                        </a:lnL>
+                        <a:lnR w="12700" cmpd="sng">
+                          <a:noFill/>
+                        </a:lnR>
+                        <a:lnT w="12700" cmpd="sng">
+                          <a:noFill/>
+                        </a:lnT>
+                        <a:lnB w="12700" cap="flat" cmpd="sng" algn="ctr">
+                          <a:noFill/>
+                          <a:prstDash val="solid"/>
+                          <a:round/>
+                          <a:headEnd type="none" w="med" len="med"/>
+                          <a:tailEnd type="none" w="med" len="med"/>
+                        </a:lnB>
+                        <a:lnTlToBr w="12700" cmpd="sng">
+                          <a:noFill/>
+                          <a:prstDash val="solid"/>
+                        </a:lnTlToBr>
+                        <a:lnBlToTr w="12700" cmpd="sng">
+                          <a:noFill/>
+                          <a:prstDash val="solid"/>
+                        </a:lnBlToTr>
                         <a:blipFill>
                           <a:blip r:embed="rId2"/>
                           <a:stretch>
@@ -19536,6 +21383,30 @@
                         </a:p>
                       </a:txBody>
                       <a:tcPr anchor="ctr">
+                        <a:lnL w="12700" cmpd="sng">
+                          <a:noFill/>
+                        </a:lnL>
+                        <a:lnR w="12700" cmpd="sng">
+                          <a:noFill/>
+                        </a:lnR>
+                        <a:lnT w="12700" cmpd="sng">
+                          <a:noFill/>
+                        </a:lnT>
+                        <a:lnB w="12700" cap="flat" cmpd="sng" algn="ctr">
+                          <a:noFill/>
+                          <a:prstDash val="solid"/>
+                          <a:round/>
+                          <a:headEnd type="none" w="med" len="med"/>
+                          <a:tailEnd type="none" w="med" len="med"/>
+                        </a:lnB>
+                        <a:lnTlToBr w="12700" cmpd="sng">
+                          <a:noFill/>
+                          <a:prstDash val="solid"/>
+                        </a:lnTlToBr>
+                        <a:lnBlToTr w="12700" cmpd="sng">
+                          <a:noFill/>
+                          <a:prstDash val="solid"/>
+                        </a:lnBlToTr>
                         <a:blipFill>
                           <a:blip r:embed="rId2"/>
                           <a:stretch>
@@ -19553,6 +21424,34 @@
                         </a:p>
                       </a:txBody>
                       <a:tcPr anchor="ctr">
+                        <a:lnL w="12700" cmpd="sng">
+                          <a:noFill/>
+                        </a:lnL>
+                        <a:lnR w="12700" cap="flat" cmpd="sng" algn="ctr">
+                          <a:noFill/>
+                          <a:prstDash val="solid"/>
+                          <a:round/>
+                          <a:headEnd type="none" w="med" len="med"/>
+                          <a:tailEnd type="none" w="med" len="med"/>
+                        </a:lnR>
+                        <a:lnT w="12700" cmpd="sng">
+                          <a:noFill/>
+                        </a:lnT>
+                        <a:lnB w="12700" cap="flat" cmpd="sng" algn="ctr">
+                          <a:noFill/>
+                          <a:prstDash val="solid"/>
+                          <a:round/>
+                          <a:headEnd type="none" w="med" len="med"/>
+                          <a:tailEnd type="none" w="med" len="med"/>
+                        </a:lnB>
+                        <a:lnTlToBr w="12700" cmpd="sng">
+                          <a:noFill/>
+                          <a:prstDash val="solid"/>
+                        </a:lnTlToBr>
+                        <a:lnBlToTr w="12700" cmpd="sng">
+                          <a:noFill/>
+                          <a:prstDash val="solid"/>
+                        </a:lnBlToTr>
                         <a:blipFill>
                           <a:blip r:embed="rId2"/>
                           <a:stretch>
@@ -19570,6 +21469,13 @@
                         </a:p>
                       </a:txBody>
                       <a:tcPr anchor="ctr">
+                        <a:lnL w="12700" cap="flat" cmpd="sng" algn="ctr">
+                          <a:noFill/>
+                          <a:prstDash val="solid"/>
+                          <a:round/>
+                          <a:headEnd type="none" w="med" len="med"/>
+                          <a:tailEnd type="none" w="med" len="med"/>
+                        </a:lnL>
                         <a:blipFill>
                           <a:blip r:embed="rId2"/>
                           <a:stretch>
@@ -19590,8 +21496,8 @@
           </p:graphicFrame>
         </mc:Fallback>
       </mc:AlternateContent>
-      <mc:AlternateContent xmlns:mc="http://schemas.openxmlformats.org/markup-compatibility/2006" xmlns:a14="http://schemas.microsoft.com/office/drawing/2010/main">
-        <mc:Choice Requires="a14">
+      <mc:AlternateContent xmlns:mc="http://schemas.openxmlformats.org/markup-compatibility/2006">
+        <mc:Choice xmlns:a14="http://schemas.microsoft.com/office/drawing/2010/main" Requires="a14">
           <p:graphicFrame>
             <p:nvGraphicFramePr>
               <p:cNvPr id="5" name="표 4">
@@ -19607,13 +21513,13 @@
               <p:nvPr>
                 <p:extLst>
                   <p:ext uri="{D42A27DB-BD31-4B8C-83A1-F6EECF244321}">
-                    <p14:modId xmlns:p14="http://schemas.microsoft.com/office/powerpoint/2010/main" val="1032677502"/>
+                    <p14:modId xmlns:p14="http://schemas.microsoft.com/office/powerpoint/2010/main" val="2958105748"/>
                   </p:ext>
                 </p:extLst>
               </p:nvPr>
             </p:nvGraphicFramePr>
             <p:xfrm>
-              <a:off x="5456926" y="2395365"/>
+              <a:off x="5404174" y="2395365"/>
               <a:ext cx="1101600" cy="1097280"/>
             </p:xfrm>
             <a:graphic>
@@ -19894,7 +21800,7 @@
             </a:graphic>
           </p:graphicFrame>
         </mc:Choice>
-        <mc:Fallback xmlns="">
+        <mc:Fallback>
           <p:graphicFrame>
             <p:nvGraphicFramePr>
               <p:cNvPr id="5" name="표 4">
@@ -19910,13 +21816,13 @@
               <p:nvPr>
                 <p:extLst>
                   <p:ext uri="{D42A27DB-BD31-4B8C-83A1-F6EECF244321}">
-                    <p14:modId xmlns:p14="http://schemas.microsoft.com/office/powerpoint/2010/main" val="1032677502"/>
+                    <p14:modId xmlns:p14="http://schemas.microsoft.com/office/powerpoint/2010/main" val="2958105748"/>
                   </p:ext>
                 </p:extLst>
               </p:nvPr>
             </p:nvGraphicFramePr>
             <p:xfrm>
-              <a:off x="5456926" y="2395365"/>
+              <a:off x="5404174" y="2395365"/>
               <a:ext cx="1101600" cy="1097280"/>
             </p:xfrm>
             <a:graphic>
@@ -19961,7 +21867,7 @@
                         <a:blipFill>
                           <a:blip r:embed="rId3"/>
                           <a:stretch>
-                            <a:fillRect l="-1667" t="-1667" r="-205000" b="-228333"/>
+                            <a:fillRect l="-1639" t="-1667" r="-201639" b="-228333"/>
                           </a:stretch>
                         </a:blipFill>
                       </a:tcPr>
@@ -19978,7 +21884,7 @@
                         <a:blipFill>
                           <a:blip r:embed="rId3"/>
                           <a:stretch>
-                            <a:fillRect l="-100000" t="-1667" r="-101639" b="-228333"/>
+                            <a:fillRect l="-103333" t="-1667" r="-105000" b="-228333"/>
                           </a:stretch>
                         </a:blipFill>
                       </a:tcPr>
@@ -19995,7 +21901,7 @@
                         <a:blipFill>
                           <a:blip r:embed="rId3"/>
                           <a:stretch>
-                            <a:fillRect l="-203333" t="-1667" r="-3333" b="-228333"/>
+                            <a:fillRect l="-200000" t="-1667" r="-3279" b="-228333"/>
                           </a:stretch>
                         </a:blipFill>
                       </a:tcPr>
@@ -20019,7 +21925,7 @@
                         <a:blipFill>
                           <a:blip r:embed="rId3"/>
                           <a:stretch>
-                            <a:fillRect l="-1667" t="-100000" r="-205000" b="-124590"/>
+                            <a:fillRect l="-1639" t="-100000" r="-201639" b="-124590"/>
                           </a:stretch>
                         </a:blipFill>
                       </a:tcPr>
@@ -20036,7 +21942,7 @@
                         <a:blipFill>
                           <a:blip r:embed="rId3"/>
                           <a:stretch>
-                            <a:fillRect l="-100000" t="-100000" r="-101639" b="-124590"/>
+                            <a:fillRect l="-103333" t="-100000" r="-105000" b="-124590"/>
                           </a:stretch>
                         </a:blipFill>
                       </a:tcPr>
@@ -20053,7 +21959,7 @@
                         <a:blipFill>
                           <a:blip r:embed="rId3"/>
                           <a:stretch>
-                            <a:fillRect l="-203333" t="-100000" r="-3333" b="-124590"/>
+                            <a:fillRect l="-200000" t="-100000" r="-3279" b="-124590"/>
                           </a:stretch>
                         </a:blipFill>
                       </a:tcPr>
@@ -20077,7 +21983,7 @@
                         <a:blipFill>
                           <a:blip r:embed="rId3"/>
                           <a:stretch>
-                            <a:fillRect l="-1667" t="-203333" r="-205000" b="-26667"/>
+                            <a:fillRect l="-1639" t="-203333" r="-201639" b="-26667"/>
                           </a:stretch>
                         </a:blipFill>
                       </a:tcPr>
@@ -20094,7 +22000,7 @@
                         <a:blipFill>
                           <a:blip r:embed="rId3"/>
                           <a:stretch>
-                            <a:fillRect l="-100000" t="-203333" r="-101639" b="-26667"/>
+                            <a:fillRect l="-103333" t="-203333" r="-105000" b="-26667"/>
                           </a:stretch>
                         </a:blipFill>
                       </a:tcPr>
@@ -20140,7 +22046,7 @@
         </p:nvSpPr>
         <p:spPr>
           <a:xfrm>
-            <a:off x="3931085" y="3991367"/>
+            <a:off x="3878333" y="3991367"/>
             <a:ext cx="646331" cy="369332"/>
           </a:xfrm>
           <a:prstGeom prst="rect">
@@ -20175,7 +22081,7 @@
         </p:nvSpPr>
         <p:spPr>
           <a:xfrm>
-            <a:off x="5684560" y="3769746"/>
+            <a:off x="5631808" y="3769746"/>
             <a:ext cx="646331" cy="369332"/>
           </a:xfrm>
           <a:prstGeom prst="rect">
@@ -20196,8 +22102,8 @@
           </a:p>
         </p:txBody>
       </p:sp>
-      <mc:AlternateContent xmlns:mc="http://schemas.openxmlformats.org/markup-compatibility/2006" xmlns:a14="http://schemas.microsoft.com/office/drawing/2010/main">
-        <mc:Choice Requires="a14">
+      <mc:AlternateContent xmlns:mc="http://schemas.openxmlformats.org/markup-compatibility/2006">
+        <mc:Choice xmlns:a14="http://schemas.microsoft.com/office/drawing/2010/main" Requires="a14">
           <p:sp>
             <p:nvSpPr>
               <p:cNvPr id="8" name="TextBox 7">
@@ -20212,7 +22118,7 @@
             </p:nvSpPr>
             <p:spPr>
               <a:xfrm>
-                <a:off x="6558526" y="2759339"/>
+                <a:off x="6505774" y="2759339"/>
                 <a:ext cx="439544" cy="369332"/>
               </a:xfrm>
               <a:prstGeom prst="rect">
@@ -20247,7 +22153,7 @@
             </p:txBody>
           </p:sp>
         </mc:Choice>
-        <mc:Fallback xmlns="">
+        <mc:Fallback>
           <p:sp>
             <p:nvSpPr>
               <p:cNvPr id="8" name="TextBox 7">
@@ -20264,7 +22170,7 @@
             </p:nvSpPr>
             <p:spPr>
               <a:xfrm>
-                <a:off x="6558526" y="2759339"/>
+                <a:off x="6505774" y="2759339"/>
                 <a:ext cx="439544" cy="369332"/>
               </a:xfrm>
               <a:prstGeom prst="rect">
@@ -20292,8 +22198,8 @@
           </p:sp>
         </mc:Fallback>
       </mc:AlternateContent>
-      <mc:AlternateContent xmlns:mc="http://schemas.openxmlformats.org/markup-compatibility/2006" xmlns:a14="http://schemas.microsoft.com/office/drawing/2010/main">
-        <mc:Choice Requires="a14">
+      <mc:AlternateContent xmlns:mc="http://schemas.openxmlformats.org/markup-compatibility/2006">
+        <mc:Choice xmlns:a14="http://schemas.microsoft.com/office/drawing/2010/main" Requires="a14">
           <p:sp>
             <p:nvSpPr>
               <p:cNvPr id="9" name="TextBox 8">
@@ -20308,7 +22214,7 @@
             </p:nvSpPr>
             <p:spPr>
               <a:xfrm>
-                <a:off x="5034336" y="2759339"/>
+                <a:off x="4981584" y="2759339"/>
                 <a:ext cx="378630" cy="369332"/>
               </a:xfrm>
               <a:prstGeom prst="rect">
@@ -20343,7 +22249,7 @@
             </p:txBody>
           </p:sp>
         </mc:Choice>
-        <mc:Fallback xmlns="">
+        <mc:Fallback>
           <p:sp>
             <p:nvSpPr>
               <p:cNvPr id="9" name="TextBox 8">
@@ -20360,7 +22266,7 @@
             </p:nvSpPr>
             <p:spPr>
               <a:xfrm>
-                <a:off x="5034336" y="2759339"/>
+                <a:off x="4981584" y="2759339"/>
                 <a:ext cx="378630" cy="369332"/>
               </a:xfrm>
               <a:prstGeom prst="rect">
@@ -20388,8 +22294,8 @@
           </p:sp>
         </mc:Fallback>
       </mc:AlternateContent>
-      <mc:AlternateContent xmlns:mc="http://schemas.openxmlformats.org/markup-compatibility/2006" xmlns:a14="http://schemas.microsoft.com/office/drawing/2010/main">
-        <mc:Choice Requires="a14">
+      <mc:AlternateContent xmlns:mc="http://schemas.openxmlformats.org/markup-compatibility/2006">
+        <mc:Choice xmlns:a14="http://schemas.microsoft.com/office/drawing/2010/main" Requires="a14">
           <p:graphicFrame>
             <p:nvGraphicFramePr>
               <p:cNvPr id="10" name="표 9">
@@ -20405,13 +22311,13 @@
               <p:nvPr>
                 <p:extLst>
                   <p:ext uri="{D42A27DB-BD31-4B8C-83A1-F6EECF244321}">
-                    <p14:modId xmlns:p14="http://schemas.microsoft.com/office/powerpoint/2010/main" val="92810555"/>
+                    <p14:modId xmlns:p14="http://schemas.microsoft.com/office/powerpoint/2010/main" val="3785671280"/>
                   </p:ext>
                 </p:extLst>
               </p:nvPr>
             </p:nvGraphicFramePr>
             <p:xfrm>
-              <a:off x="6983159" y="2578245"/>
+              <a:off x="6930407" y="2578245"/>
               <a:ext cx="864000" cy="731520"/>
             </p:xfrm>
             <a:graphic>
@@ -20461,7 +22367,15 @@
                           <a:endParaRPr lang="ko-KR" altLang="en-US" dirty="0"/>
                         </a:p>
                       </a:txBody>
-                      <a:tcPr/>
+                      <a:tcPr>
+                        <a:lnB w="12700" cap="flat" cmpd="sng" algn="ctr">
+                          <a:noFill/>
+                          <a:prstDash val="solid"/>
+                          <a:round/>
+                          <a:headEnd type="none" w="med" len="med"/>
+                          <a:tailEnd type="none" w="med" len="med"/>
+                        </a:lnB>
+                      </a:tcPr>
                     </a:tc>
                     <a:tc>
                       <a:txBody>
@@ -20520,7 +22434,47 @@
                           <a:endParaRPr lang="ko-KR" altLang="en-US" dirty="0"/>
                         </a:p>
                       </a:txBody>
-                      <a:tcPr/>
+                      <a:tcPr>
+                        <a:lnL w="12700" cap="flat" cmpd="sng" algn="ctr">
+                          <a:noFill/>
+                          <a:prstDash val="solid"/>
+                          <a:round/>
+                          <a:headEnd type="none" w="med" len="med"/>
+                          <a:tailEnd type="none" w="med" len="med"/>
+                        </a:lnL>
+                        <a:lnR w="12700" cap="flat" cmpd="sng" algn="ctr">
+                          <a:noFill/>
+                          <a:prstDash val="solid"/>
+                          <a:round/>
+                          <a:headEnd type="none" w="med" len="med"/>
+                          <a:tailEnd type="none" w="med" len="med"/>
+                        </a:lnR>
+                        <a:lnT w="12700" cap="flat" cmpd="sng" algn="ctr">
+                          <a:noFill/>
+                          <a:prstDash val="solid"/>
+                          <a:round/>
+                          <a:headEnd type="none" w="med" len="med"/>
+                          <a:tailEnd type="none" w="med" len="med"/>
+                        </a:lnT>
+                        <a:lnB w="12700" cap="flat" cmpd="sng" algn="ctr">
+                          <a:noFill/>
+                          <a:prstDash val="solid"/>
+                          <a:round/>
+                          <a:headEnd type="none" w="med" len="med"/>
+                          <a:tailEnd type="none" w="med" len="med"/>
+                        </a:lnB>
+                        <a:lnTlToBr w="12700" cmpd="sng">
+                          <a:noFill/>
+                          <a:prstDash val="solid"/>
+                        </a:lnTlToBr>
+                        <a:lnBlToTr w="12700" cmpd="sng">
+                          <a:noFill/>
+                          <a:prstDash val="solid"/>
+                        </a:lnBlToTr>
+                        <a:solidFill>
+                          <a:srgbClr val="FFC000"/>
+                        </a:solidFill>
+                      </a:tcPr>
                     </a:tc>
                     <a:tc>
                       <a:txBody>
@@ -20546,7 +22500,15 @@
                           <a:endParaRPr lang="ko-KR" altLang="en-US" dirty="0"/>
                         </a:p>
                       </a:txBody>
-                      <a:tcPr/>
+                      <a:tcPr>
+                        <a:lnL w="12700" cap="flat" cmpd="sng" algn="ctr">
+                          <a:noFill/>
+                          <a:prstDash val="solid"/>
+                          <a:round/>
+                          <a:headEnd type="none" w="med" len="med"/>
+                          <a:tailEnd type="none" w="med" len="med"/>
+                        </a:lnL>
+                      </a:tcPr>
                     </a:tc>
                     <a:extLst>
                       <a:ext uri="{0D108BD9-81ED-4DB2-BD59-A6C34878D82A}">
@@ -20559,7 +22521,7 @@
             </a:graphic>
           </p:graphicFrame>
         </mc:Choice>
-        <mc:Fallback xmlns="">
+        <mc:Fallback>
           <p:graphicFrame>
             <p:nvGraphicFramePr>
               <p:cNvPr id="10" name="표 9">
@@ -20575,13 +22537,13 @@
               <p:nvPr>
                 <p:extLst>
                   <p:ext uri="{D42A27DB-BD31-4B8C-83A1-F6EECF244321}">
-                    <p14:modId xmlns:p14="http://schemas.microsoft.com/office/powerpoint/2010/main" val="92810555"/>
+                    <p14:modId xmlns:p14="http://schemas.microsoft.com/office/powerpoint/2010/main" val="3785671280"/>
                   </p:ext>
                 </p:extLst>
               </p:nvPr>
             </p:nvGraphicFramePr>
             <p:xfrm>
-              <a:off x="6983159" y="2578245"/>
+              <a:off x="6930407" y="2578245"/>
               <a:ext cx="864000" cy="731520"/>
             </p:xfrm>
             <a:graphic>
@@ -20616,6 +22578,13 @@
                         </a:p>
                       </a:txBody>
                       <a:tcPr>
+                        <a:lnB w="12700" cap="flat" cmpd="sng" algn="ctr">
+                          <a:noFill/>
+                          <a:prstDash val="solid"/>
+                          <a:round/>
+                          <a:headEnd type="none" w="med" len="med"/>
+                          <a:tailEnd type="none" w="med" len="med"/>
+                        </a:lnB>
                         <a:blipFill>
                           <a:blip r:embed="rId6"/>
                           <a:stretch>
@@ -20657,6 +22626,42 @@
                         </a:p>
                       </a:txBody>
                       <a:tcPr>
+                        <a:lnL w="12700" cap="flat" cmpd="sng" algn="ctr">
+                          <a:noFill/>
+                          <a:prstDash val="solid"/>
+                          <a:round/>
+                          <a:headEnd type="none" w="med" len="med"/>
+                          <a:tailEnd type="none" w="med" len="med"/>
+                        </a:lnL>
+                        <a:lnR w="12700" cap="flat" cmpd="sng" algn="ctr">
+                          <a:noFill/>
+                          <a:prstDash val="solid"/>
+                          <a:round/>
+                          <a:headEnd type="none" w="med" len="med"/>
+                          <a:tailEnd type="none" w="med" len="med"/>
+                        </a:lnR>
+                        <a:lnT w="12700" cap="flat" cmpd="sng" algn="ctr">
+                          <a:noFill/>
+                          <a:prstDash val="solid"/>
+                          <a:round/>
+                          <a:headEnd type="none" w="med" len="med"/>
+                          <a:tailEnd type="none" w="med" len="med"/>
+                        </a:lnT>
+                        <a:lnB w="12700" cap="flat" cmpd="sng" algn="ctr">
+                          <a:noFill/>
+                          <a:prstDash val="solid"/>
+                          <a:round/>
+                          <a:headEnd type="none" w="med" len="med"/>
+                          <a:tailEnd type="none" w="med" len="med"/>
+                        </a:lnB>
+                        <a:lnTlToBr w="12700" cmpd="sng">
+                          <a:noFill/>
+                          <a:prstDash val="solid"/>
+                        </a:lnTlToBr>
+                        <a:lnBlToTr w="12700" cmpd="sng">
+                          <a:noFill/>
+                          <a:prstDash val="solid"/>
+                        </a:lnBlToTr>
                         <a:blipFill>
                           <a:blip r:embed="rId6"/>
                           <a:stretch>
@@ -20674,6 +22679,13 @@
                         </a:p>
                       </a:txBody>
                       <a:tcPr>
+                        <a:lnL w="12700" cap="flat" cmpd="sng" algn="ctr">
+                          <a:noFill/>
+                          <a:prstDash val="solid"/>
+                          <a:round/>
+                          <a:headEnd type="none" w="med" len="med"/>
+                          <a:tailEnd type="none" w="med" len="med"/>
+                        </a:lnL>
                         <a:blipFill>
                           <a:blip r:embed="rId6"/>
                           <a:stretch>
@@ -20694,8 +22706,8 @@
           </p:graphicFrame>
         </mc:Fallback>
       </mc:AlternateContent>
-      <mc:AlternateContent xmlns:mc="http://schemas.openxmlformats.org/markup-compatibility/2006" xmlns:a14="http://schemas.microsoft.com/office/drawing/2010/main">
-        <mc:Choice Requires="a14">
+      <mc:AlternateContent xmlns:mc="http://schemas.openxmlformats.org/markup-compatibility/2006">
+        <mc:Choice xmlns:a14="http://schemas.microsoft.com/office/drawing/2010/main" Requires="a14">
           <p:sp>
             <p:nvSpPr>
               <p:cNvPr id="11" name="TextBox 10">
@@ -20710,7 +22722,7 @@
             </p:nvSpPr>
             <p:spPr>
               <a:xfrm>
-                <a:off x="6827990" y="3991367"/>
+                <a:off x="6775238" y="3991367"/>
                 <a:ext cx="2379177" cy="923330"/>
               </a:xfrm>
               <a:prstGeom prst="rect">
@@ -20878,7 +22890,7 @@
             </p:txBody>
           </p:sp>
         </mc:Choice>
-        <mc:Fallback xmlns="">
+        <mc:Fallback>
           <p:sp>
             <p:nvSpPr>
               <p:cNvPr id="11" name="TextBox 10">
@@ -20895,7 +22907,7 @@
             </p:nvSpPr>
             <p:spPr>
               <a:xfrm>
-                <a:off x="6827990" y="3991367"/>
+                <a:off x="6775238" y="3991367"/>
                 <a:ext cx="2379177" cy="923330"/>
               </a:xfrm>
               <a:prstGeom prst="rect">
@@ -20937,7 +22949,7 @@
         </p:nvCxnSpPr>
         <p:spPr>
           <a:xfrm>
-            <a:off x="7192107" y="3309765"/>
+            <a:off x="7139355" y="3309765"/>
             <a:ext cx="0" cy="681602"/>
           </a:xfrm>
           <a:prstGeom prst="line">
@@ -20974,7 +22986,7 @@
         </p:nvSpPr>
         <p:spPr>
           <a:xfrm>
-            <a:off x="4811056" y="4765056"/>
+            <a:off x="4758304" y="4765056"/>
             <a:ext cx="877163" cy="369332"/>
           </a:xfrm>
           <a:prstGeom prst="rect">
@@ -21014,7 +23026,7 @@
         </p:nvCxnSpPr>
         <p:spPr>
           <a:xfrm>
-            <a:off x="5223651" y="3128671"/>
+            <a:off x="5170899" y="3128671"/>
             <a:ext cx="15521" cy="1540044"/>
           </a:xfrm>
           <a:prstGeom prst="line">
@@ -21145,14 +23157,6 @@
           <a:bodyPr/>
           <a:lstStyle/>
           <a:p>
-            <a:r>
-              <a:rPr lang="ko-KR" altLang="ko-KR" dirty="0" err="1"/>
-              <a:t>합성곱</a:t>
-            </a:r>
-            <a:r>
-              <a:rPr lang="en-US" altLang="ko-KR" dirty="0"/>
-              <a:t>(convolution)</a:t>
-            </a:r>
             <a:endParaRPr lang="ko-KR" altLang="en-US" dirty="0"/>
           </a:p>
         </p:txBody>
@@ -26614,18 +28618,11 @@
           <a:p>
             <a:r>
               <a:rPr lang="ko-KR" altLang="en-US" dirty="0" err="1"/>
-              <a:t>합성곱을</a:t>
+              <a:t>합성곱에</a:t>
             </a:r>
             <a:r>
               <a:rPr lang="ko-KR" altLang="en-US" dirty="0"/>
-              <a:t> 포함하는 신경망</a:t>
-            </a:r>
-            <a:endParaRPr lang="en-US" altLang="ko-KR" dirty="0"/>
-          </a:p>
-          <a:p>
-            <a:r>
-              <a:rPr lang="ko-KR" altLang="en-US" dirty="0"/>
-              <a:t>이미지 인식</a:t>
+              <a:t> 의한 정보 추출 과정</a:t>
             </a:r>
             <a:endParaRPr lang="en-US" altLang="ko-KR" dirty="0"/>
           </a:p>
@@ -27107,72 +29104,132 @@
           </a:p>
         </p:txBody>
       </p:sp>
-      <p:sp>
-        <p:nvSpPr>
-          <p:cNvPr id="3" name="내용 개체 틀 2">
-            <a:extLst>
-              <a:ext uri="{FF2B5EF4-FFF2-40B4-BE49-F238E27FC236}">
-                <a16:creationId xmlns:a16="http://schemas.microsoft.com/office/drawing/2014/main" id="{4C7FF839-A726-4182-B050-AF05AA604021}"/>
-              </a:ext>
-            </a:extLst>
-          </p:cNvPr>
-          <p:cNvSpPr>
-            <a:spLocks noGrp="1"/>
-          </p:cNvSpPr>
-          <p:nvPr>
-            <p:ph idx="1"/>
-          </p:nvPr>
-        </p:nvSpPr>
-        <p:spPr/>
-        <p:txBody>
-          <a:bodyPr/>
-          <a:lstStyle/>
-          <a:p>
-            <a:r>
-              <a:rPr lang="en-US" altLang="ko-KR" dirty="0"/>
-              <a:t>1x29x29-20C4-MP2-40C5-MP3-150N-10N DNN</a:t>
-            </a:r>
-          </a:p>
-          <a:p>
-            <a:pPr lvl="1"/>
-            <a:r>
-              <a:rPr lang="ko-KR" altLang="en-US" dirty="0"/>
-              <a:t>대략 </a:t>
-            </a:r>
-            <a:r>
-              <a:rPr lang="en-US" altLang="ko-KR" dirty="0"/>
-              <a:t>18</a:t>
-            </a:r>
-            <a:r>
-              <a:rPr lang="ko-KR" altLang="en-US" dirty="0"/>
-              <a:t>만 뉴런</a:t>
-            </a:r>
-            <a:endParaRPr lang="en-US" altLang="ko-KR" dirty="0"/>
-          </a:p>
-          <a:p>
-            <a:r>
-              <a:rPr lang="en-US" altLang="ko-KR" dirty="0"/>
-              <a:t>15</a:t>
-            </a:r>
-            <a:r>
-              <a:rPr lang="ko-KR" altLang="en-US" dirty="0"/>
-              <a:t>시간 훈련</a:t>
-            </a:r>
-            <a:endParaRPr lang="en-US" altLang="ko-KR" dirty="0"/>
-          </a:p>
-          <a:p>
-            <a:r>
-              <a:rPr lang="ko-KR" altLang="en-US" dirty="0" err="1"/>
-              <a:t>오류율</a:t>
-            </a:r>
-            <a:r>
-              <a:rPr lang="en-US" altLang="ko-KR" dirty="0"/>
-              <a:t>(0.23%)</a:t>
-            </a:r>
-            <a:endParaRPr lang="ko-KR" altLang="en-US" dirty="0"/>
-          </a:p>
-        </p:txBody>
-      </p:sp>
+      <mc:AlternateContent xmlns:mc="http://schemas.openxmlformats.org/markup-compatibility/2006">
+        <mc:Choice xmlns:a14="http://schemas.microsoft.com/office/drawing/2010/main" Requires="a14">
+          <p:sp>
+            <p:nvSpPr>
+              <p:cNvPr id="3" name="내용 개체 틀 2">
+                <a:extLst>
+                  <a:ext uri="{FF2B5EF4-FFF2-40B4-BE49-F238E27FC236}">
+                    <a16:creationId xmlns:a16="http://schemas.microsoft.com/office/drawing/2014/main" id="{4C7FF839-A726-4182-B050-AF05AA604021}"/>
+                  </a:ext>
+                </a:extLst>
+              </p:cNvPr>
+              <p:cNvSpPr>
+                <a:spLocks noGrp="1"/>
+              </p:cNvSpPr>
+              <p:nvPr>
+                <p:ph idx="1"/>
+              </p:nvPr>
+            </p:nvSpPr>
+            <p:spPr/>
+            <p:txBody>
+              <a:bodyPr/>
+              <a:lstStyle/>
+              <a:p>
+                <a:r>
+                  <a:rPr lang="ko-KR" altLang="en-US" dirty="0"/>
+                  <a:t>합성곱 신경망</a:t>
+                </a:r>
+                <a:endParaRPr lang="en-US" altLang="ko-KR" dirty="0"/>
+              </a:p>
+              <a:p>
+                <a:r>
+                  <a:rPr lang="en-US" altLang="ko-KR" dirty="0"/>
+                  <a:t>1x29x29-20C4-MP2-40C5-MP3-150N-10N DNN</a:t>
+                </a:r>
+              </a:p>
+              <a:p>
+                <a:pPr lvl="1"/>
+                <a:r>
+                  <a:rPr lang="ko-KR" altLang="en-US" dirty="0"/>
+                  <a:t>변수 개수 </a:t>
+                </a:r>
+                <a14:m>
+                  <m:oMath xmlns:m="http://schemas.openxmlformats.org/officeDocument/2006/math">
+                    <m:r>
+                      <a:rPr lang="en-US" altLang="ko-KR" b="0" i="1" smtClean="0">
+                        <a:latin typeface="Cambria Math" panose="02040503050406030204" pitchFamily="18" charset="0"/>
+                      </a:rPr>
+                      <m:t>≈</m:t>
+                    </m:r>
+                  </m:oMath>
+                </a14:m>
+                <a:r>
+                  <a:rPr lang="en-US" altLang="ko-KR" dirty="0"/>
+                  <a:t> 18</a:t>
+                </a:r>
+                <a:r>
+                  <a:rPr lang="ko-KR" altLang="en-US" dirty="0"/>
+                  <a:t>만</a:t>
+                </a:r>
+                <a:endParaRPr lang="en-US" altLang="ko-KR" dirty="0"/>
+              </a:p>
+              <a:p>
+                <a:r>
+                  <a:rPr lang="en-US" altLang="ko-KR" dirty="0"/>
+                  <a:t>15</a:t>
+                </a:r>
+                <a:r>
+                  <a:rPr lang="ko-KR" altLang="en-US" dirty="0"/>
+                  <a:t>시간 훈련</a:t>
+                </a:r>
+                <a:endParaRPr lang="en-US" altLang="ko-KR" dirty="0"/>
+              </a:p>
+              <a:p>
+                <a:r>
+                  <a:rPr lang="ko-KR" altLang="en-US" dirty="0" err="1"/>
+                  <a:t>오류율</a:t>
+                </a:r>
+                <a:r>
+                  <a:rPr lang="en-US" altLang="ko-KR" dirty="0"/>
+                  <a:t>(0.23%)</a:t>
+                </a:r>
+                <a:endParaRPr lang="ko-KR" altLang="en-US" dirty="0"/>
+              </a:p>
+            </p:txBody>
+          </p:sp>
+        </mc:Choice>
+        <mc:Fallback>
+          <p:sp>
+            <p:nvSpPr>
+              <p:cNvPr id="3" name="내용 개체 틀 2">
+                <a:extLst>
+                  <a:ext uri="{FF2B5EF4-FFF2-40B4-BE49-F238E27FC236}">
+                    <a16:creationId xmlns:a16="http://schemas.microsoft.com/office/drawing/2014/main" id="{4C7FF839-A726-4182-B050-AF05AA604021}"/>
+                  </a:ext>
+                </a:extLst>
+              </p:cNvPr>
+              <p:cNvSpPr>
+                <a:spLocks noGrp="1" noRot="1" noChangeAspect="1" noMove="1" noResize="1" noEditPoints="1" noAdjustHandles="1" noChangeArrowheads="1" noChangeShapeType="1" noTextEdit="1"/>
+              </p:cNvSpPr>
+              <p:nvPr>
+                <p:ph idx="1"/>
+              </p:nvPr>
+            </p:nvSpPr>
+            <p:spPr>
+              <a:blipFill>
+                <a:blip r:embed="rId2"/>
+                <a:stretch>
+                  <a:fillRect l="-1043" t="-2381"/>
+                </a:stretch>
+              </a:blipFill>
+            </p:spPr>
+            <p:txBody>
+              <a:bodyPr/>
+              <a:lstStyle/>
+              <a:p>
+                <a:r>
+                  <a:rPr lang="ko-KR" altLang="en-US">
+                    <a:noFill/>
+                  </a:rPr>
+                  <a:t> </a:t>
+                </a:r>
+              </a:p>
+            </p:txBody>
+          </p:sp>
+        </mc:Fallback>
+      </mc:AlternateContent>
       <p:sp>
         <p:nvSpPr>
           <p:cNvPr id="4" name="바닥글 개체 틀 3">
@@ -27245,14 +29302,14 @@
           <p:nvPr/>
         </p:nvPicPr>
         <p:blipFill>
-          <a:blip r:embed="rId2"/>
+          <a:blip r:embed="rId3"/>
           <a:stretch>
             <a:fillRect/>
           </a:stretch>
         </p:blipFill>
         <p:spPr>
           <a:xfrm>
-            <a:off x="4181632" y="3887175"/>
+            <a:off x="4269555" y="4080602"/>
             <a:ext cx="7480251" cy="2346569"/>
           </a:xfrm>
           <a:prstGeom prst="rect">
@@ -27274,7 +29331,7 @@
         </p:nvSpPr>
         <p:spPr>
           <a:xfrm>
-            <a:off x="4487003" y="3225768"/>
+            <a:off x="4574926" y="3419195"/>
             <a:ext cx="1192824" cy="369332"/>
           </a:xfrm>
           <a:prstGeom prst="rect">
@@ -27313,7 +29370,7 @@
         </p:nvCxnSpPr>
         <p:spPr>
           <a:xfrm flipV="1">
-            <a:off x="4897311" y="4006464"/>
+            <a:off x="4985234" y="4199891"/>
             <a:ext cx="0" cy="3806"/>
           </a:xfrm>
           <a:prstGeom prst="line">
@@ -27350,7 +29407,7 @@
         </p:nvSpPr>
         <p:spPr>
           <a:xfrm>
-            <a:off x="2754491" y="4045465"/>
+            <a:off x="2842414" y="4476282"/>
             <a:ext cx="1183712" cy="369332"/>
           </a:xfrm>
           <a:prstGeom prst="rect">
@@ -27387,7 +29444,7 @@
         </p:nvSpPr>
         <p:spPr>
           <a:xfrm>
-            <a:off x="2754490" y="4789148"/>
+            <a:off x="2842413" y="4982575"/>
             <a:ext cx="1189750" cy="369332"/>
           </a:xfrm>
           <a:prstGeom prst="rect">
@@ -27426,7 +29483,7 @@
         </p:nvCxnSpPr>
         <p:spPr>
           <a:xfrm flipH="1" flipV="1">
-            <a:off x="4407698" y="4508895"/>
+            <a:off x="4495621" y="4702322"/>
             <a:ext cx="6037" cy="2537"/>
           </a:xfrm>
           <a:prstGeom prst="line">
@@ -27466,7 +29523,7 @@
         </p:nvCxnSpPr>
         <p:spPr>
           <a:xfrm flipV="1">
-            <a:off x="3944240" y="4508895"/>
+            <a:off x="4032163" y="4702322"/>
             <a:ext cx="654133" cy="464919"/>
           </a:xfrm>
           <a:prstGeom prst="line">
@@ -27500,13 +29557,14 @@
           </p:cNvPr>
           <p:cNvCxnSpPr>
             <a:cxnSpLocks/>
+            <a:stCxn id="9" idx="3"/>
           </p:cNvCxnSpPr>
           <p:nvPr/>
         </p:nvCxnSpPr>
         <p:spPr>
-          <a:xfrm>
-            <a:off x="3953032" y="4246972"/>
-            <a:ext cx="399156" cy="184141"/>
+          <a:xfrm flipV="1">
+            <a:off x="4026126" y="4624540"/>
+            <a:ext cx="413985" cy="36408"/>
           </a:xfrm>
           <a:prstGeom prst="line">
             <a:avLst/>
@@ -27544,7 +29602,7 @@
         </p:nvCxnSpPr>
         <p:spPr>
           <a:xfrm flipH="1">
-            <a:off x="4853348" y="3595100"/>
+            <a:off x="4941271" y="3788527"/>
             <a:ext cx="175848" cy="411364"/>
           </a:xfrm>
           <a:prstGeom prst="line">
@@ -28315,7 +30373,31 @@
             </a:pPr>
             <a:r>
               <a:rPr lang="ko-KR" altLang="en-US" dirty="0"/>
-              <a:t>하드웨어 비용이 너무 커서 접근이 어렵다</a:t>
+              <a:t>비용</a:t>
+            </a:r>
+            <a:r>
+              <a:rPr lang="en-US" altLang="ko-KR" dirty="0"/>
+              <a:t>(</a:t>
+            </a:r>
+            <a:r>
+              <a:rPr lang="ko-KR" altLang="en-US" dirty="0"/>
+              <a:t>하드웨어</a:t>
+            </a:r>
+            <a:r>
+              <a:rPr lang="en-US" altLang="ko-KR" dirty="0"/>
+              <a:t>, </a:t>
+            </a:r>
+            <a:r>
+              <a:rPr lang="ko-KR" altLang="en-US" dirty="0"/>
+              <a:t>시간</a:t>
+            </a:r>
+            <a:r>
+              <a:rPr lang="en-US" altLang="ko-KR" dirty="0"/>
+              <a:t>)</a:t>
+            </a:r>
+            <a:r>
+              <a:rPr lang="ko-KR" altLang="en-US" dirty="0"/>
+              <a:t>이 너무 커서 접근이 어렵다</a:t>
             </a:r>
             <a:endParaRPr lang="en-US" altLang="ko-KR" dirty="0"/>
           </a:p>
@@ -28556,7 +30638,7 @@
             <a:pPr lvl="1"/>
             <a:r>
               <a:rPr lang="ko-KR" altLang="en-US" dirty="0"/>
-              <a:t>약간의 수학적인 지식이 필요</a:t>
+              <a:t>약간의 수학적인 지식</a:t>
             </a:r>
             <a:endParaRPr lang="en-US" altLang="ko-KR" dirty="0"/>
           </a:p>
@@ -28564,7 +30646,7 @@
             <a:pPr lvl="1"/>
             <a:r>
               <a:rPr lang="ko-KR" altLang="en-US" dirty="0"/>
-              <a:t>다양한 분야에서 많은 연구자들이 이용하고 있음</a:t>
+              <a:t>다양한 분야에서 이용되고 있음</a:t>
             </a:r>
           </a:p>
         </p:txBody>
@@ -28679,7 +30761,7 @@
           <a:p>
             <a:r>
               <a:rPr lang="ko-KR" altLang="en-US" dirty="0"/>
-              <a:t>인공 신경망의 미래</a:t>
+              <a:t>인공 신경망의 문제들</a:t>
             </a:r>
           </a:p>
         </p:txBody>
@@ -28710,6 +30792,14 @@
             <a:r>
               <a:rPr lang="ko-KR" altLang="en-US" dirty="0"/>
               <a:t>네트워크의 이해</a:t>
+            </a:r>
+            <a:endParaRPr lang="en-US" altLang="ko-KR" dirty="0"/>
+          </a:p>
+          <a:p>
+            <a:pPr lvl="1"/>
+            <a:r>
+              <a:rPr lang="ko-KR" altLang="en-US" dirty="0"/>
+              <a:t>구조 및 동작</a:t>
             </a:r>
             <a:endParaRPr lang="en-US" altLang="ko-KR" dirty="0"/>
           </a:p>
